--- a/Aerial Robotics Final Project Presentation .pptx
+++ b/Aerial Robotics Final Project Presentation .pptx
@@ -33,8 +33,15 @@
       <p:boldItalic r:id="rId19"/>
     </p:embeddedFont>
     <p:embeddedFont>
+      <p:font typeface="Roboto" panose="02000000000000000000" pitchFamily="2" charset="0"/>
+      <p:regular r:id="rId20"/>
+      <p:bold r:id="rId21"/>
+      <p:italic r:id="rId22"/>
+      <p:boldItalic r:id="rId23"/>
+    </p:embeddedFont>
+    <p:embeddedFont>
       <p:font typeface="Wingdings 2" panose="05020102010507070707" pitchFamily="18" charset="2"/>
-      <p:regular r:id="rId20"/>
+      <p:regular r:id="rId24"/>
     </p:embeddedFont>
   </p:embeddedFontLst>
   <p:defaultTextStyle>
@@ -818,7 +825,194 @@
               </a:spcAft>
               <a:buNone/>
             </a:pPr>
-            <a:endParaRPr/>
+            <a:r>
+              <a:rPr lang="en-US" dirty="0"/>
+              <a:t>Can have artificial potential fields </a:t>
+            </a:r>
+          </a:p>
+          <a:p>
+            <a:pPr marL="0" lvl="0" indent="0" algn="l" rtl="0">
+              <a:spcBef>
+                <a:spcPts val="0"/>
+              </a:spcBef>
+              <a:spcAft>
+                <a:spcPts val="0"/>
+              </a:spcAft>
+              <a:buNone/>
+            </a:pPr>
+            <a:endParaRPr lang="en-US" dirty="0"/>
+          </a:p>
+          <a:p>
+            <a:pPr marL="0" lvl="0" indent="0" algn="l" rtl="0">
+              <a:spcBef>
+                <a:spcPts val="0"/>
+              </a:spcBef>
+              <a:spcAft>
+                <a:spcPts val="0"/>
+              </a:spcAft>
+              <a:buNone/>
+            </a:pPr>
+            <a:r>
+              <a:rPr lang="en-US" dirty="0"/>
+              <a:t>http://www.cpdee.ufmg.br/~gpereira/papers/tro2010.pdf</a:t>
+            </a:r>
+          </a:p>
+          <a:p>
+            <a:pPr marL="0" lvl="0" indent="0" algn="l" rtl="0">
+              <a:spcBef>
+                <a:spcPts val="0"/>
+              </a:spcBef>
+              <a:spcAft>
+                <a:spcPts val="0"/>
+              </a:spcAft>
+              <a:buNone/>
+            </a:pPr>
+            <a:r>
+              <a:rPr lang="en-US" dirty="0"/>
+              <a:t>that is the integration of path</a:t>
+            </a:r>
+          </a:p>
+          <a:p>
+            <a:pPr marL="0" lvl="0" indent="0" algn="l" rtl="0">
+              <a:spcBef>
+                <a:spcPts val="0"/>
+              </a:spcBef>
+              <a:spcAft>
+                <a:spcPts val="0"/>
+              </a:spcAft>
+              <a:buNone/>
+            </a:pPr>
+            <a:r>
+              <a:rPr lang="en-US" dirty="0"/>
+              <a:t>planning, trajectory planning, and robot control in the same</a:t>
+            </a:r>
+          </a:p>
+          <a:p>
+            <a:pPr marL="0" lvl="0" indent="0" algn="l" rtl="0">
+              <a:spcBef>
+                <a:spcPts val="0"/>
+              </a:spcBef>
+              <a:spcAft>
+                <a:spcPts val="0"/>
+              </a:spcAft>
+              <a:buNone/>
+            </a:pPr>
+            <a:r>
+              <a:rPr lang="en-US" dirty="0"/>
+              <a:t>approach, which allows for stability proofs and real-world im-</a:t>
+            </a:r>
+          </a:p>
+          <a:p>
+            <a:pPr marL="0" lvl="0" indent="0" algn="l" rtl="0">
+              <a:spcBef>
+                <a:spcPts val="0"/>
+              </a:spcBef>
+              <a:spcAft>
+                <a:spcPts val="0"/>
+              </a:spcAft>
+              <a:buNone/>
+            </a:pPr>
+            <a:r>
+              <a:rPr lang="en-US" dirty="0" err="1"/>
+              <a:t>plementations</a:t>
+            </a:r>
+            <a:r>
+              <a:rPr lang="en-US" dirty="0"/>
+              <a:t> [1]</a:t>
+            </a:r>
+          </a:p>
+          <a:p>
+            <a:pPr marL="0" lvl="0" indent="0" algn="l" rtl="0">
+              <a:spcBef>
+                <a:spcPts val="0"/>
+              </a:spcBef>
+              <a:spcAft>
+                <a:spcPts val="0"/>
+              </a:spcAft>
+              <a:buNone/>
+            </a:pPr>
+            <a:endParaRPr lang="en-US" dirty="0"/>
+          </a:p>
+          <a:p>
+            <a:pPr marL="0" lvl="0" indent="0" algn="l" rtl="0">
+              <a:spcBef>
+                <a:spcPts val="0"/>
+              </a:spcBef>
+              <a:spcAft>
+                <a:spcPts val="0"/>
+              </a:spcAft>
+              <a:buNone/>
+            </a:pPr>
+            <a:endParaRPr lang="en-US" dirty="0"/>
+          </a:p>
+          <a:p>
+            <a:pPr marL="0" lvl="0" indent="0" algn="l" rtl="0">
+              <a:spcBef>
+                <a:spcPts val="0"/>
+              </a:spcBef>
+              <a:spcAft>
+                <a:spcPts val="0"/>
+              </a:spcAft>
+              <a:buNone/>
+            </a:pPr>
+            <a:r>
+              <a:rPr lang="en-US" dirty="0"/>
+              <a:t>Can guarantee collision avoidance by producing a dynamic vector field </a:t>
+            </a:r>
+          </a:p>
+          <a:p>
+            <a:pPr marL="0" lvl="0" indent="0" algn="l" rtl="0">
+              <a:spcBef>
+                <a:spcPts val="0"/>
+              </a:spcBef>
+              <a:spcAft>
+                <a:spcPts val="0"/>
+              </a:spcAft>
+              <a:buNone/>
+            </a:pPr>
+            <a:r>
+              <a:rPr lang="en-US" dirty="0"/>
+              <a:t>Benefits : The vector ﬁeld is dynamic in the sense that it changes</a:t>
+            </a:r>
+          </a:p>
+          <a:p>
+            <a:pPr marL="0" lvl="0" indent="0" algn="l" rtl="0">
+              <a:spcBef>
+                <a:spcPts val="0"/>
+              </a:spcBef>
+              <a:spcAft>
+                <a:spcPts val="0"/>
+              </a:spcAft>
+              <a:buNone/>
+            </a:pPr>
+            <a:r>
+              <a:rPr lang="en-US" dirty="0"/>
+              <a:t>according to the robots’ relative positions. This is necessary</a:t>
+            </a:r>
+          </a:p>
+          <a:p>
+            <a:pPr marL="0" lvl="0" indent="0" algn="l" rtl="0">
+              <a:spcBef>
+                <a:spcPts val="0"/>
+              </a:spcBef>
+              <a:spcAft>
+                <a:spcPts val="0"/>
+              </a:spcAft>
+              <a:buNone/>
+            </a:pPr>
+            <a:r>
+              <a:rPr lang="en-US" dirty="0"/>
+              <a:t>to guarantee collision avoidance. </a:t>
+            </a:r>
+            <a:r>
+              <a:rPr lang="en-US" dirty="0" err="1"/>
+              <a:t>Ceccarelli</a:t>
+            </a:r>
+            <a:r>
+              <a:rPr lang="en-US" dirty="0"/>
+              <a:t> et al.</a:t>
+            </a:r>
+            <a:endParaRPr dirty="0"/>
           </a:p>
         </p:txBody>
       </p:sp>
@@ -1253,7 +1447,178 @@
               </a:spcAft>
               <a:buNone/>
             </a:pPr>
-            <a:endParaRPr/>
+            <a:endParaRPr lang="en-US" dirty="0"/>
+          </a:p>
+          <a:p>
+            <a:pPr marL="0" lvl="0" indent="0" algn="l" rtl="0">
+              <a:spcBef>
+                <a:spcPts val="0"/>
+              </a:spcBef>
+              <a:spcAft>
+                <a:spcPts val="0"/>
+              </a:spcAft>
+              <a:buNone/>
+            </a:pPr>
+            <a:r>
+              <a:rPr lang="en-US" dirty="0"/>
+              <a:t>Limit Cycle Nonlinear Control Systems </a:t>
+            </a:r>
+          </a:p>
+          <a:p>
+            <a:pPr marL="0" lvl="0" indent="0" algn="l" rtl="0">
+              <a:spcBef>
+                <a:spcPts val="0"/>
+              </a:spcBef>
+              <a:spcAft>
+                <a:spcPts val="0"/>
+              </a:spcAft>
+              <a:buNone/>
+            </a:pPr>
+            <a:r>
+              <a:rPr lang="en-US" dirty="0"/>
+              <a:t>https://www.sciencedirect.com/topics/engineering/limit-cycle</a:t>
+            </a:r>
+          </a:p>
+          <a:p>
+            <a:pPr marL="0" lvl="0" indent="0" algn="l" rtl="0">
+              <a:spcBef>
+                <a:spcPts val="0"/>
+              </a:spcBef>
+              <a:spcAft>
+                <a:spcPts val="0"/>
+              </a:spcAft>
+              <a:buNone/>
+            </a:pPr>
+            <a:endParaRPr lang="en-US" dirty="0"/>
+          </a:p>
+          <a:p>
+            <a:pPr marL="0" lvl="0" indent="0" algn="l" rtl="0">
+              <a:spcBef>
+                <a:spcPts val="0"/>
+              </a:spcBef>
+              <a:spcAft>
+                <a:spcPts val="0"/>
+              </a:spcAft>
+              <a:buNone/>
+            </a:pPr>
+            <a:r>
+              <a:rPr lang="en-US" dirty="0"/>
+              <a:t>https://link.springer.com/referenceworkentry/10.1007%2F978-1-4419-9863-7_533</a:t>
+            </a:r>
+          </a:p>
+          <a:p>
+            <a:pPr marL="0" lvl="0" indent="0" algn="l" rtl="0">
+              <a:spcBef>
+                <a:spcPts val="0"/>
+              </a:spcBef>
+              <a:spcAft>
+                <a:spcPts val="0"/>
+              </a:spcAft>
+              <a:buNone/>
+            </a:pPr>
+            <a:endParaRPr lang="en-US" dirty="0"/>
+          </a:p>
+          <a:p>
+            <a:pPr marL="0" lvl="0" indent="0" algn="l" rtl="0">
+              <a:spcBef>
+                <a:spcPts val="0"/>
+              </a:spcBef>
+              <a:spcAft>
+                <a:spcPts val="0"/>
+              </a:spcAft>
+              <a:buNone/>
+            </a:pPr>
+            <a:r>
+              <a:rPr lang="en-US" b="0" i="0" dirty="0">
+                <a:solidFill>
+                  <a:srgbClr val="4D5156"/>
+                </a:solidFill>
+                <a:effectLst/>
+                <a:latin typeface="Roboto" panose="02000000000000000000" pitchFamily="2" charset="0"/>
+              </a:rPr>
+              <a:t>In dynamical system theory, a </a:t>
+            </a:r>
+            <a:r>
+              <a:rPr lang="en-US" b="1" i="0" dirty="0">
+                <a:solidFill>
+                  <a:srgbClr val="5F6368"/>
+                </a:solidFill>
+                <a:effectLst/>
+                <a:latin typeface="Roboto" panose="02000000000000000000" pitchFamily="2" charset="0"/>
+              </a:rPr>
+              <a:t>phase space</a:t>
+            </a:r>
+            <a:r>
+              <a:rPr lang="en-US" b="0" i="0" dirty="0">
+                <a:solidFill>
+                  <a:srgbClr val="4D5156"/>
+                </a:solidFill>
+                <a:effectLst/>
+                <a:latin typeface="Roboto" panose="02000000000000000000" pitchFamily="2" charset="0"/>
+              </a:rPr>
+              <a:t> is a </a:t>
+            </a:r>
+            <a:r>
+              <a:rPr lang="en-US" b="1" i="0" dirty="0">
+                <a:solidFill>
+                  <a:srgbClr val="5F6368"/>
+                </a:solidFill>
+                <a:effectLst/>
+                <a:latin typeface="Roboto" panose="02000000000000000000" pitchFamily="2" charset="0"/>
+              </a:rPr>
+              <a:t>space</a:t>
+            </a:r>
+            <a:r>
+              <a:rPr lang="en-US" b="0" i="0" dirty="0">
+                <a:solidFill>
+                  <a:srgbClr val="4D5156"/>
+                </a:solidFill>
+                <a:effectLst/>
+                <a:latin typeface="Roboto" panose="02000000000000000000" pitchFamily="2" charset="0"/>
+              </a:rPr>
+              <a:t> in which all possible states of a system are represented, with each possible state corresponding to one unique point in the </a:t>
+            </a:r>
+            <a:r>
+              <a:rPr lang="en-US" b="1" i="0" dirty="0">
+                <a:solidFill>
+                  <a:srgbClr val="5F6368"/>
+                </a:solidFill>
+                <a:effectLst/>
+                <a:latin typeface="Roboto" panose="02000000000000000000" pitchFamily="2" charset="0"/>
+              </a:rPr>
+              <a:t>phase space</a:t>
+            </a:r>
+            <a:r>
+              <a:rPr lang="en-US" b="0" i="0" dirty="0">
+                <a:solidFill>
+                  <a:srgbClr val="4D5156"/>
+                </a:solidFill>
+                <a:effectLst/>
+                <a:latin typeface="Roboto" panose="02000000000000000000" pitchFamily="2" charset="0"/>
+              </a:rPr>
+              <a:t>. For mechanical systems, the </a:t>
+            </a:r>
+            <a:r>
+              <a:rPr lang="en-US" b="1" i="0" dirty="0">
+                <a:solidFill>
+                  <a:srgbClr val="5F6368"/>
+                </a:solidFill>
+                <a:effectLst/>
+                <a:latin typeface="Roboto" panose="02000000000000000000" pitchFamily="2" charset="0"/>
+              </a:rPr>
+              <a:t>phase space</a:t>
+            </a:r>
+            <a:r>
+              <a:rPr lang="en-US" b="0" i="0" dirty="0">
+                <a:solidFill>
+                  <a:srgbClr val="4D5156"/>
+                </a:solidFill>
+                <a:effectLst/>
+                <a:latin typeface="Roboto" panose="02000000000000000000" pitchFamily="2" charset="0"/>
+              </a:rPr>
+              <a:t> usually consists of all possible values of position and momentum variables.</a:t>
+            </a:r>
+            <a:endParaRPr dirty="0"/>
           </a:p>
         </p:txBody>
       </p:sp>
@@ -1362,7 +1727,373 @@
               </a:spcAft>
               <a:buNone/>
             </a:pPr>
-            <a:endParaRPr/>
+            <a:r>
+              <a:rPr lang="en-US" dirty="0"/>
+              <a:t>In addition to the ﬁeld that attracts the robot to the target</a:t>
+            </a:r>
+          </a:p>
+          <a:p>
+            <a:pPr marL="0" lvl="0" indent="0" algn="l" rtl="0">
+              <a:spcBef>
+                <a:spcPts val="0"/>
+              </a:spcBef>
+              <a:spcAft>
+                <a:spcPts val="0"/>
+              </a:spcAft>
+              <a:buNone/>
+            </a:pPr>
+            <a:r>
+              <a:rPr lang="en-US" dirty="0"/>
+              <a:t>curve, another vector ﬁeld is also necessary to make the robot</a:t>
+            </a:r>
+          </a:p>
+          <a:p>
+            <a:pPr marL="0" lvl="0" indent="0" algn="l" rtl="0">
+              <a:spcBef>
+                <a:spcPts val="0"/>
+              </a:spcBef>
+              <a:spcAft>
+                <a:spcPts val="0"/>
+              </a:spcAft>
+              <a:buNone/>
+            </a:pPr>
+            <a:r>
+              <a:rPr lang="en-US" dirty="0"/>
+              <a:t>traverse the curve. The computation of these ﬁelds and a method</a:t>
+            </a:r>
+          </a:p>
+          <a:p>
+            <a:pPr marL="0" lvl="0" indent="0" algn="l" rtl="0">
+              <a:spcBef>
+                <a:spcPts val="0"/>
+              </a:spcBef>
+              <a:spcAft>
+                <a:spcPts val="0"/>
+              </a:spcAft>
+              <a:buNone/>
+            </a:pPr>
+            <a:r>
+              <a:rPr lang="en-US" dirty="0"/>
+              <a:t>to compose them, allowing for proofs of convergence, are the</a:t>
+            </a:r>
+          </a:p>
+          <a:p>
+            <a:pPr marL="0" lvl="0" indent="0" algn="l" rtl="0">
+              <a:spcBef>
+                <a:spcPts val="0"/>
+              </a:spcBef>
+              <a:spcAft>
+                <a:spcPts val="0"/>
+              </a:spcAft>
+              <a:buNone/>
+            </a:pPr>
+            <a:r>
+              <a:rPr lang="en-US" dirty="0"/>
+              <a:t>main challenges to obtain good solutions. The composition of</a:t>
+            </a:r>
+          </a:p>
+          <a:p>
+            <a:pPr marL="0" lvl="0" indent="0" algn="l" rtl="0">
+              <a:spcBef>
+                <a:spcPts val="0"/>
+              </a:spcBef>
+              <a:spcAft>
+                <a:spcPts val="0"/>
+              </a:spcAft>
+              <a:buNone/>
+            </a:pPr>
+            <a:r>
+              <a:rPr lang="en-US" dirty="0"/>
+              <a:t>an attractive and a rotational ﬁeld usually creates a stable limit</a:t>
+            </a:r>
+          </a:p>
+          <a:p>
+            <a:pPr marL="0" lvl="0" indent="0" algn="l" rtl="0">
+              <a:spcBef>
+                <a:spcPts val="0"/>
+              </a:spcBef>
+              <a:spcAft>
+                <a:spcPts val="0"/>
+              </a:spcAft>
+              <a:buNone/>
+            </a:pPr>
+            <a:r>
+              <a:rPr lang="en-US" dirty="0"/>
+              <a:t>cycle in the robot conﬁguration space.</a:t>
+            </a:r>
+          </a:p>
+          <a:p>
+            <a:pPr marL="0" lvl="0" indent="0" algn="l" rtl="0">
+              <a:spcBef>
+                <a:spcPts val="0"/>
+              </a:spcBef>
+              <a:spcAft>
+                <a:spcPts val="0"/>
+              </a:spcAft>
+              <a:buNone/>
+            </a:pPr>
+            <a:endParaRPr lang="en-US" dirty="0"/>
+          </a:p>
+          <a:p>
+            <a:pPr marL="0" lvl="0" indent="0" algn="l" rtl="0">
+              <a:spcBef>
+                <a:spcPts val="0"/>
+              </a:spcBef>
+              <a:spcAft>
+                <a:spcPts val="0"/>
+              </a:spcAft>
+              <a:buNone/>
+            </a:pPr>
+            <a:endParaRPr lang="en-US" dirty="0"/>
+          </a:p>
+          <a:p>
+            <a:pPr marL="0" lvl="0" indent="0" algn="l" rtl="0">
+              <a:spcBef>
+                <a:spcPts val="0"/>
+              </a:spcBef>
+              <a:spcAft>
+                <a:spcPts val="0"/>
+              </a:spcAft>
+              <a:buNone/>
+            </a:pPr>
+            <a:endParaRPr lang="en-US" dirty="0"/>
+          </a:p>
+          <a:p>
+            <a:pPr marL="0" lvl="0" indent="0" algn="l" rtl="0">
+              <a:spcBef>
+                <a:spcPts val="0"/>
+              </a:spcBef>
+              <a:spcAft>
+                <a:spcPts val="0"/>
+              </a:spcAft>
+              <a:buNone/>
+            </a:pPr>
+            <a:r>
+              <a:rPr lang="en-US" dirty="0"/>
+              <a:t>This paper presents a methodology for computation of artiﬁcial vector ﬁelds that allows a robot to converge to and circulate around generic curves speciﬁed in n-dimensional spaces. These vector ﬁelds may be directly applied to solve several robot-navigation problems such as border monitoring, surveillance, tar-get tracking, and multirobot pattern generation, with special application to ﬁxed-wing aerial robots, which must keep a positive forward velocity and cannot converge to a single point.</a:t>
+            </a:r>
+          </a:p>
+          <a:p>
+            <a:pPr marL="0" lvl="0" indent="0" algn="l" rtl="0">
+              <a:spcBef>
+                <a:spcPts val="0"/>
+              </a:spcBef>
+              <a:spcAft>
+                <a:spcPts val="0"/>
+              </a:spcAft>
+              <a:buNone/>
+            </a:pPr>
+            <a:r>
+              <a:rPr lang="en-US" dirty="0"/>
+              <a:t>the approach is based on fully continuous vector ﬁelds and is generalized to time-varying curves deﬁned in n-dimensional spaces.</a:t>
+            </a:r>
+          </a:p>
+          <a:p>
+            <a:pPr marL="0" lvl="0" indent="0" algn="l" rtl="0">
+              <a:spcBef>
+                <a:spcPts val="0"/>
+              </a:spcBef>
+              <a:spcAft>
+                <a:spcPts val="0"/>
+              </a:spcAft>
+              <a:buNone/>
+            </a:pPr>
+            <a:endParaRPr lang="en-US" dirty="0"/>
+          </a:p>
+          <a:p>
+            <a:pPr marL="0" lvl="0" indent="0" algn="l" rtl="0">
+              <a:spcBef>
+                <a:spcPts val="0"/>
+              </a:spcBef>
+              <a:spcAft>
+                <a:spcPts val="0"/>
+              </a:spcAft>
+              <a:buNone/>
+            </a:pPr>
+            <a:endParaRPr lang="en-US" dirty="0"/>
+          </a:p>
+          <a:p>
+            <a:pPr marL="0" lvl="0" indent="0" algn="l" rtl="0">
+              <a:spcBef>
+                <a:spcPts val="0"/>
+              </a:spcBef>
+              <a:spcAft>
+                <a:spcPts val="0"/>
+              </a:spcAft>
+              <a:buNone/>
+            </a:pPr>
+            <a:endParaRPr lang="en-US" dirty="0"/>
+          </a:p>
+          <a:p>
+            <a:pPr marL="0" lvl="0" indent="0" algn="l" rtl="0">
+              <a:spcBef>
+                <a:spcPts val="0"/>
+              </a:spcBef>
+              <a:spcAft>
+                <a:spcPts val="0"/>
+              </a:spcAft>
+              <a:buNone/>
+            </a:pPr>
+            <a:r>
+              <a:rPr lang="en-US" dirty="0"/>
+              <a:t>that is the integration of path</a:t>
+            </a:r>
+          </a:p>
+          <a:p>
+            <a:pPr marL="0" lvl="0" indent="0" algn="l" rtl="0">
+              <a:spcBef>
+                <a:spcPts val="0"/>
+              </a:spcBef>
+              <a:spcAft>
+                <a:spcPts val="0"/>
+              </a:spcAft>
+              <a:buNone/>
+            </a:pPr>
+            <a:r>
+              <a:rPr lang="en-US" dirty="0"/>
+              <a:t>planning, trajectory planning, and robot control in the same</a:t>
+            </a:r>
+          </a:p>
+          <a:p>
+            <a:pPr marL="0" lvl="0" indent="0" algn="l" rtl="0">
+              <a:spcBef>
+                <a:spcPts val="0"/>
+              </a:spcBef>
+              <a:spcAft>
+                <a:spcPts val="0"/>
+              </a:spcAft>
+              <a:buNone/>
+            </a:pPr>
+            <a:r>
+              <a:rPr lang="en-US" dirty="0"/>
+              <a:t>approach, which allows for stability proofs and real-world im-</a:t>
+            </a:r>
+          </a:p>
+          <a:p>
+            <a:pPr marL="0" lvl="0" indent="0" algn="l" rtl="0">
+              <a:spcBef>
+                <a:spcPts val="0"/>
+              </a:spcBef>
+              <a:spcAft>
+                <a:spcPts val="0"/>
+              </a:spcAft>
+              <a:buNone/>
+            </a:pPr>
+            <a:r>
+              <a:rPr lang="en-US" dirty="0" err="1"/>
+              <a:t>plementations</a:t>
+            </a:r>
+            <a:r>
+              <a:rPr lang="en-US" dirty="0"/>
+              <a:t> [1]. Given an n-dimensional domain Ω, a vector</a:t>
+            </a:r>
+          </a:p>
+          <a:p>
+            <a:pPr marL="0" lvl="0" indent="0" algn="l" rtl="0">
+              <a:spcBef>
+                <a:spcPts val="0"/>
+              </a:spcBef>
+              <a:spcAft>
+                <a:spcPts val="0"/>
+              </a:spcAft>
+              <a:buNone/>
+            </a:pPr>
+            <a:r>
+              <a:rPr lang="en-US" dirty="0"/>
+              <a:t>ﬁeld h is deﬁned such that h :Ω → </a:t>
+            </a:r>
+            <a:r>
+              <a:rPr lang="en-US" dirty="0" err="1"/>
+              <a:t>Tq</a:t>
+            </a:r>
+            <a:r>
+              <a:rPr lang="en-US" dirty="0"/>
+              <a:t>(Ω), where </a:t>
+            </a:r>
+            <a:r>
+              <a:rPr lang="en-US" dirty="0" err="1"/>
+              <a:t>Tq</a:t>
+            </a:r>
+            <a:r>
+              <a:rPr lang="en-US" dirty="0"/>
+              <a:t>(Ω) is the</a:t>
+            </a:r>
+          </a:p>
+          <a:p>
+            <a:pPr marL="0" lvl="0" indent="0" algn="l" rtl="0">
+              <a:spcBef>
+                <a:spcPts val="0"/>
+              </a:spcBef>
+              <a:spcAft>
+                <a:spcPts val="0"/>
+              </a:spcAft>
+              <a:buNone/>
+            </a:pPr>
+            <a:r>
+              <a:rPr lang="en-US" dirty="0"/>
+              <a:t>tangent space of Ω, and q ∈ Ω. In robotics, the domain Ω is the</a:t>
+            </a:r>
+          </a:p>
+          <a:p>
+            <a:pPr marL="0" lvl="0" indent="0" algn="l" rtl="0">
+              <a:spcBef>
+                <a:spcPts val="0"/>
+              </a:spcBef>
+              <a:spcAft>
+                <a:spcPts val="0"/>
+              </a:spcAft>
+              <a:buNone/>
+            </a:pPr>
+            <a:r>
+              <a:rPr lang="en-US" dirty="0"/>
+              <a:t>robot’s conﬁguration space, also represented by C. The desired</a:t>
+            </a:r>
+          </a:p>
+          <a:p>
+            <a:pPr marL="0" lvl="0" indent="0" algn="l" rtl="0">
+              <a:spcBef>
+                <a:spcPts val="0"/>
+              </a:spcBef>
+              <a:spcAft>
+                <a:spcPts val="0"/>
+              </a:spcAft>
+              <a:buNone/>
+            </a:pPr>
+            <a:r>
+              <a:rPr lang="en-US" dirty="0"/>
+              <a:t>task is then accomplished by forcing the robot to use the vector</a:t>
+            </a:r>
+          </a:p>
+          <a:p>
+            <a:pPr marL="0" lvl="0" indent="0" algn="l" rtl="0">
+              <a:spcBef>
+                <a:spcPts val="0"/>
+              </a:spcBef>
+              <a:spcAft>
+                <a:spcPts val="0"/>
+              </a:spcAft>
+              <a:buNone/>
+            </a:pPr>
+            <a:r>
+              <a:rPr lang="en-US" dirty="0"/>
+              <a:t>ﬁeld as velocity or acceleration input.</a:t>
+            </a:r>
+          </a:p>
+          <a:p>
+            <a:pPr marL="0" lvl="0" indent="0" algn="l" rtl="0">
+              <a:spcBef>
+                <a:spcPts val="0"/>
+              </a:spcBef>
+              <a:spcAft>
+                <a:spcPts val="0"/>
+              </a:spcAft>
+              <a:buNone/>
+            </a:pPr>
+            <a:r>
+              <a:rPr lang="en-US" dirty="0"/>
+              <a:t>http://www.cpdee.ufmg.br/~gpereira/papers/tro2010.pdf</a:t>
+            </a:r>
+            <a:endParaRPr dirty="0"/>
           </a:p>
         </p:txBody>
       </p:sp>
@@ -1471,7 +2202,46 @@
               </a:spcAft>
               <a:buNone/>
             </a:pPr>
-            <a:endParaRPr/>
+            <a:r>
+              <a:rPr lang="en-US" dirty="0"/>
+              <a:t>https://www.codeproject.com/articles/18922/solving-a-differential-equation</a:t>
+            </a:r>
+          </a:p>
+          <a:p>
+            <a:pPr marL="0" lvl="0" indent="0" algn="l" rtl="0">
+              <a:spcBef>
+                <a:spcPts val="0"/>
+              </a:spcBef>
+              <a:spcAft>
+                <a:spcPts val="0"/>
+              </a:spcAft>
+              <a:buNone/>
+            </a:pPr>
+            <a:endParaRPr lang="en-US" dirty="0"/>
+          </a:p>
+          <a:p>
+            <a:pPr marL="0" lvl="0" indent="0" algn="l" rtl="0">
+              <a:spcBef>
+                <a:spcPts val="0"/>
+              </a:spcBef>
+              <a:spcAft>
+                <a:spcPts val="0"/>
+              </a:spcAft>
+              <a:buNone/>
+            </a:pPr>
+            <a:r>
+              <a:rPr lang="en-US" dirty="0"/>
+              <a:t>the rk4_int gets the next position could use this for </a:t>
+            </a:r>
+            <a:r>
+              <a:rPr lang="en-US" dirty="0" err="1"/>
+              <a:t>pid</a:t>
+            </a:r>
+            <a:r>
+              <a:rPr lang="en-US" dirty="0"/>
+              <a:t> control</a:t>
+            </a:r>
+            <a:endParaRPr dirty="0"/>
           </a:p>
         </p:txBody>
       </p:sp>
@@ -1580,7 +2350,301 @@
               </a:spcAft>
               <a:buNone/>
             </a:pPr>
-            <a:endParaRPr/>
+            <a:r>
+              <a:rPr lang="en-US" b="0" i="0" dirty="0">
+                <a:solidFill>
+                  <a:srgbClr val="242729"/>
+                </a:solidFill>
+                <a:effectLst/>
+                <a:latin typeface="-apple-system"/>
+              </a:rPr>
+              <a:t>Planning Algorithms, Steven M LaValle 2012-04-20 - http://msl.cs.uiuc.edu/planning/book.html</a:t>
+            </a:r>
+            <a:endParaRPr lang="en-US" dirty="0"/>
+          </a:p>
+          <a:p>
+            <a:pPr marL="0" lvl="0" indent="0" algn="l" rtl="0">
+              <a:spcBef>
+                <a:spcPts val="0"/>
+              </a:spcBef>
+              <a:spcAft>
+                <a:spcPts val="0"/>
+              </a:spcAft>
+              <a:buNone/>
+            </a:pPr>
+            <a:r>
+              <a:rPr lang="en-US" dirty="0"/>
+              <a:t>Set of all positions and orientation in 3-dimensional space configuration</a:t>
+            </a:r>
+          </a:p>
+          <a:p>
+            <a:pPr marL="0" lvl="0" indent="0" algn="l" rtl="0">
+              <a:spcBef>
+                <a:spcPts val="0"/>
+              </a:spcBef>
+              <a:spcAft>
+                <a:spcPts val="0"/>
+              </a:spcAft>
+              <a:buNone/>
+            </a:pPr>
+            <a:r>
+              <a:rPr lang="en-US" b="0" i="0" dirty="0">
+                <a:solidFill>
+                  <a:srgbClr val="242729"/>
+                </a:solidFill>
+                <a:effectLst/>
+                <a:latin typeface="-apple-system"/>
+              </a:rPr>
+              <a:t>"the special Euclidean group of rigid body displacements in three-dimensions“</a:t>
+            </a:r>
+          </a:p>
+          <a:p>
+            <a:pPr algn="l" fontAlgn="base"/>
+            <a:r>
+              <a:rPr lang="en-US" b="0" i="0" u="none" strike="noStrike" dirty="0">
+                <a:solidFill>
+                  <a:srgbClr val="242729"/>
+                </a:solidFill>
+                <a:effectLst/>
+                <a:latin typeface="inherit"/>
+              </a:rPr>
+              <a:t>SE(3)</a:t>
+            </a:r>
+            <a:r>
+              <a:rPr lang="en-US" b="0" i="0" dirty="0">
+                <a:solidFill>
+                  <a:srgbClr val="242729"/>
+                </a:solidFill>
+                <a:effectLst/>
+                <a:latin typeface="-apple-system"/>
+              </a:rPr>
+              <a:t> is the representation for both translation and rotation in 3D space, whereas </a:t>
+            </a:r>
+            <a:r>
+              <a:rPr lang="en-US" b="0" i="0" u="none" strike="noStrike" dirty="0">
+                <a:solidFill>
+                  <a:srgbClr val="242729"/>
+                </a:solidFill>
+                <a:effectLst/>
+                <a:latin typeface="MathJax_Math-italic"/>
+              </a:rPr>
+              <a:t>SO</a:t>
+            </a:r>
+            <a:r>
+              <a:rPr lang="en-US" b="0" i="0" u="none" strike="noStrike" dirty="0">
+                <a:solidFill>
+                  <a:srgbClr val="242729"/>
+                </a:solidFill>
+                <a:effectLst/>
+                <a:latin typeface="MathJax_Main"/>
+              </a:rPr>
+              <a:t>(3)</a:t>
+            </a:r>
+            <a:r>
+              <a:rPr lang="en-US" b="0" i="0" u="none" strike="noStrike" dirty="0">
+                <a:solidFill>
+                  <a:srgbClr val="242729"/>
+                </a:solidFill>
+                <a:effectLst/>
+                <a:latin typeface="inherit"/>
+              </a:rPr>
+              <a:t>SO(3)</a:t>
+            </a:r>
+            <a:r>
+              <a:rPr lang="en-US" b="0" i="0" dirty="0">
+                <a:solidFill>
+                  <a:srgbClr val="242729"/>
+                </a:solidFill>
+                <a:effectLst/>
+                <a:latin typeface="-apple-system"/>
+              </a:rPr>
+              <a:t> is only the representation for rotations. </a:t>
+            </a:r>
+            <a:r>
+              <a:rPr lang="en-US" b="0" i="0" u="none" strike="noStrike" dirty="0">
+                <a:solidFill>
+                  <a:srgbClr val="242729"/>
+                </a:solidFill>
+                <a:effectLst/>
+                <a:latin typeface="MathJax_AMS"/>
+              </a:rPr>
+              <a:t>R</a:t>
+            </a:r>
+            <a:r>
+              <a:rPr lang="en-US" b="0" i="0" u="none" strike="noStrike" dirty="0">
+                <a:solidFill>
+                  <a:srgbClr val="242729"/>
+                </a:solidFill>
+                <a:effectLst/>
+                <a:latin typeface="MathJax_Main"/>
+              </a:rPr>
+              <a:t>3</a:t>
+            </a:r>
+            <a:r>
+              <a:rPr lang="en-US" b="0" i="0" u="none" strike="noStrike" dirty="0">
+                <a:solidFill>
+                  <a:srgbClr val="242729"/>
+                </a:solidFill>
+                <a:effectLst/>
+                <a:latin typeface="inherit"/>
+              </a:rPr>
+              <a:t>R3</a:t>
+            </a:r>
+            <a:r>
+              <a:rPr lang="en-US" b="0" i="0" dirty="0">
+                <a:solidFill>
+                  <a:srgbClr val="242729"/>
+                </a:solidFill>
+                <a:effectLst/>
+                <a:latin typeface="-apple-system"/>
+              </a:rPr>
+              <a:t> is for translations in 3D space.</a:t>
+            </a:r>
+          </a:p>
+          <a:p>
+            <a:pPr algn="l" fontAlgn="base"/>
+            <a:r>
+              <a:rPr lang="en-US" b="0" i="0" dirty="0">
+                <a:solidFill>
+                  <a:srgbClr val="242729"/>
+                </a:solidFill>
+                <a:effectLst/>
+                <a:latin typeface="-apple-system"/>
+              </a:rPr>
+              <a:t>If you only consider 2-dimentional space, then you can simply change 3 to 2, i.e., </a:t>
+            </a:r>
+            <a:r>
+              <a:rPr lang="en-US" b="0" i="0" u="none" strike="noStrike" dirty="0">
+                <a:solidFill>
+                  <a:srgbClr val="242729"/>
+                </a:solidFill>
+                <a:effectLst/>
+                <a:latin typeface="MathJax_Math-italic"/>
+              </a:rPr>
+              <a:t>SE</a:t>
+            </a:r>
+            <a:r>
+              <a:rPr lang="en-US" b="0" i="0" u="none" strike="noStrike" dirty="0">
+                <a:solidFill>
+                  <a:srgbClr val="242729"/>
+                </a:solidFill>
+                <a:effectLst/>
+                <a:latin typeface="MathJax_Main"/>
+              </a:rPr>
+              <a:t>(2)</a:t>
+            </a:r>
+            <a:r>
+              <a:rPr lang="en-US" b="0" i="0" u="none" strike="noStrike" dirty="0">
+                <a:solidFill>
+                  <a:srgbClr val="242729"/>
+                </a:solidFill>
+                <a:effectLst/>
+                <a:latin typeface="inherit"/>
+              </a:rPr>
+              <a:t>SE(2)</a:t>
+            </a:r>
+            <a:r>
+              <a:rPr lang="en-US" b="0" i="0" dirty="0">
+                <a:solidFill>
+                  <a:srgbClr val="242729"/>
+                </a:solidFill>
+                <a:effectLst/>
+                <a:latin typeface="-apple-system"/>
+              </a:rPr>
+              <a:t>, </a:t>
+            </a:r>
+            <a:r>
+              <a:rPr lang="en-US" b="0" i="0" u="none" strike="noStrike" dirty="0">
+                <a:solidFill>
+                  <a:srgbClr val="242729"/>
+                </a:solidFill>
+                <a:effectLst/>
+                <a:latin typeface="MathJax_Math-italic"/>
+              </a:rPr>
+              <a:t>SO</a:t>
+            </a:r>
+            <a:r>
+              <a:rPr lang="en-US" b="0" i="0" u="none" strike="noStrike" dirty="0">
+                <a:solidFill>
+                  <a:srgbClr val="242729"/>
+                </a:solidFill>
+                <a:effectLst/>
+                <a:latin typeface="MathJax_Main"/>
+              </a:rPr>
+              <a:t>(2)</a:t>
+            </a:r>
+            <a:r>
+              <a:rPr lang="en-US" b="0" i="0" u="none" strike="noStrike" dirty="0">
+                <a:solidFill>
+                  <a:srgbClr val="242729"/>
+                </a:solidFill>
+                <a:effectLst/>
+                <a:latin typeface="inherit"/>
+              </a:rPr>
+              <a:t>SO(2)</a:t>
+            </a:r>
+            <a:r>
+              <a:rPr lang="en-US" b="0" i="0" dirty="0">
+                <a:solidFill>
+                  <a:srgbClr val="242729"/>
+                </a:solidFill>
+                <a:effectLst/>
+                <a:latin typeface="-apple-system"/>
+              </a:rPr>
+              <a:t>, </a:t>
+            </a:r>
+            <a:r>
+              <a:rPr lang="en-US" b="0" i="0" u="none" strike="noStrike" dirty="0">
+                <a:solidFill>
+                  <a:srgbClr val="242729"/>
+                </a:solidFill>
+                <a:effectLst/>
+                <a:latin typeface="MathJax_AMS"/>
+              </a:rPr>
+              <a:t>R</a:t>
+            </a:r>
+            <a:r>
+              <a:rPr lang="en-US" b="0" i="0" u="none" strike="noStrike" dirty="0">
+                <a:solidFill>
+                  <a:srgbClr val="242729"/>
+                </a:solidFill>
+                <a:effectLst/>
+                <a:latin typeface="MathJax_Main"/>
+              </a:rPr>
+              <a:t>2</a:t>
+            </a:r>
+            <a:r>
+              <a:rPr lang="en-US" b="0" i="0" u="none" strike="noStrike" dirty="0">
+                <a:solidFill>
+                  <a:srgbClr val="242729"/>
+                </a:solidFill>
+                <a:effectLst/>
+                <a:latin typeface="inherit"/>
+              </a:rPr>
+              <a:t>R2</a:t>
+            </a:r>
+            <a:r>
+              <a:rPr lang="en-US" b="0" i="0" dirty="0">
+                <a:solidFill>
+                  <a:srgbClr val="242729"/>
+                </a:solidFill>
+                <a:effectLst/>
+                <a:latin typeface="-apple-system"/>
+              </a:rPr>
+              <a:t>.</a:t>
+            </a:r>
+          </a:p>
+          <a:p>
+            <a:pPr marL="0" lvl="0" indent="0" algn="l" rtl="0">
+              <a:spcBef>
+                <a:spcPts val="0"/>
+              </a:spcBef>
+              <a:spcAft>
+                <a:spcPts val="0"/>
+              </a:spcAft>
+              <a:buNone/>
+            </a:pPr>
+            <a:endParaRPr dirty="0"/>
           </a:p>
         </p:txBody>
       </p:sp>
@@ -1798,7 +2862,58 @@
               </a:spcAft>
               <a:buNone/>
             </a:pPr>
-            <a:endParaRPr/>
+            <a:r>
+              <a:rPr lang="en-US" sz="1800" b="0" i="0" u="none" strike="noStrike" dirty="0">
+                <a:solidFill>
+                  <a:srgbClr val="FF0000"/>
+                </a:solidFill>
+                <a:effectLst/>
+                <a:latin typeface="Roboto" panose="02000000000000000000" pitchFamily="2" charset="0"/>
+              </a:rPr>
+              <a:t>Get Vector field → spatial derivatives of vector field → time derivatives → states and inputs of the quadrotor using the endogenous transformation and </a:t>
+            </a:r>
+            <a:r>
+              <a:rPr lang="en-US" sz="1800" b="0" i="0" u="none" strike="noStrike" dirty="0" err="1">
+                <a:solidFill>
+                  <a:srgbClr val="FF0000"/>
+                </a:solidFill>
+                <a:effectLst/>
+                <a:latin typeface="Roboto" panose="02000000000000000000" pitchFamily="2" charset="0"/>
+              </a:rPr>
+              <a:t>thm</a:t>
+            </a:r>
+            <a:r>
+              <a:rPr lang="en-US" sz="1800" b="0" i="0" u="none" strike="noStrike" dirty="0">
+                <a:solidFill>
+                  <a:srgbClr val="FF0000"/>
+                </a:solidFill>
+                <a:effectLst/>
+                <a:latin typeface="Roboto" panose="02000000000000000000" pitchFamily="2" charset="0"/>
+              </a:rPr>
+              <a:t> 1 </a:t>
+            </a:r>
+          </a:p>
+          <a:p>
+            <a:pPr marL="0" lvl="0" indent="0" algn="l" rtl="0">
+              <a:spcBef>
+                <a:spcPts val="0"/>
+              </a:spcBef>
+              <a:spcAft>
+                <a:spcPts val="0"/>
+              </a:spcAft>
+              <a:buNone/>
+            </a:pPr>
+            <a:r>
+              <a:rPr lang="en-US" sz="1800" b="0" i="0" u="none" strike="noStrike" dirty="0">
+                <a:solidFill>
+                  <a:srgbClr val="FF0000"/>
+                </a:solidFill>
+                <a:effectLst/>
+                <a:latin typeface="Roboto" panose="02000000000000000000" pitchFamily="2" charset="0"/>
+              </a:rPr>
+              <a:t>I did not understand their endogenous transformation function from this paper that would enable me to do this. </a:t>
+            </a:r>
+            <a:endParaRPr dirty="0"/>
           </a:p>
         </p:txBody>
       </p:sp>
@@ -2961,7 +4076,7 @@
           <a:p>
             <a:fld id="{1160EA64-D806-43AC-9DF2-F8C432F32B4C}" type="datetimeFigureOut">
               <a:rPr lang="en-US" smtClean="0"/>
-              <a:t>5/18/2021</a:t>
+              <a:t>5/19/2021</a:t>
             </a:fld>
             <a:endParaRPr lang="en-US" dirty="0"/>
           </a:p>
@@ -3394,7 +4509,7 @@
           <a:p>
             <a:fld id="{1160EA64-D806-43AC-9DF2-F8C432F32B4C}" type="datetimeFigureOut">
               <a:rPr lang="en-US" smtClean="0"/>
-              <a:t>5/18/2021</a:t>
+              <a:t>5/19/2021</a:t>
             </a:fld>
             <a:endParaRPr lang="en-US" dirty="0"/>
           </a:p>
@@ -3640,7 +4755,7 @@
           <a:p>
             <a:fld id="{AB134690-1557-4C89-A502-4959FE7FAD70}" type="datetimeFigureOut">
               <a:rPr lang="en-US" smtClean="0"/>
-              <a:t>5/18/2021</a:t>
+              <a:t>5/19/2021</a:t>
             </a:fld>
             <a:endParaRPr lang="en-US" dirty="0"/>
           </a:p>
@@ -4116,7 +5231,7 @@
           <a:p>
             <a:fld id="{1160EA64-D806-43AC-9DF2-F8C432F32B4C}" type="datetimeFigureOut">
               <a:rPr lang="en-US" smtClean="0"/>
-              <a:t>5/18/2021</a:t>
+              <a:t>5/19/2021</a:t>
             </a:fld>
             <a:endParaRPr lang="en-US" dirty="0"/>
           </a:p>
@@ -4244,7 +5359,7 @@
           <a:p>
             <a:fld id="{E1037C31-9E7A-4F99-8774-A0E530DE1A42}" type="datetimeFigureOut">
               <a:rPr lang="en-US" smtClean="0"/>
-              <a:t>5/18/2021</a:t>
+              <a:t>5/19/2021</a:t>
             </a:fld>
             <a:endParaRPr lang="en-US" dirty="0"/>
           </a:p>
@@ -4349,7 +5464,7 @@
           <a:p>
             <a:fld id="{C278504F-A551-4DE0-9316-4DCD1D8CC752}" type="datetimeFigureOut">
               <a:rPr lang="en-US" smtClean="0"/>
-              <a:t>5/18/2021</a:t>
+              <a:t>5/19/2021</a:t>
             </a:fld>
             <a:endParaRPr lang="en-US" dirty="0"/>
           </a:p>
@@ -4613,7 +5728,7 @@
           <a:p>
             <a:fld id="{D1BE4249-C0D0-4B06-8692-E8BB871AF643}" type="datetimeFigureOut">
               <a:rPr lang="en-US" smtClean="0"/>
-              <a:t>5/18/2021</a:t>
+              <a:t>5/19/2021</a:t>
             </a:fld>
             <a:endParaRPr lang="en-US" dirty="0"/>
           </a:p>
@@ -5156,7 +6271,7 @@
           <a:p>
             <a:fld id="{042B0DB6-F5C7-45FB-8CF3-31B45F9C2DAC}" type="datetimeFigureOut">
               <a:rPr lang="en-US" smtClean="0"/>
-              <a:t>5/18/2021</a:t>
+              <a:t>5/19/2021</a:t>
             </a:fld>
             <a:endParaRPr lang="en-US" dirty="0"/>
           </a:p>
@@ -5465,7 +6580,7 @@
             <a:fld id="{B61BEF0D-F0BB-DE4B-95CE-6DB70DBA9567}" type="datetimeFigureOut">
               <a:rPr lang="en-US" smtClean="0"/>
               <a:pPr/>
-              <a:t>5/18/2021</a:t>
+              <a:t>5/19/2021</a:t>
             </a:fld>
             <a:endParaRPr lang="en-US" dirty="0"/>
           </a:p>
@@ -5668,7 +6783,7 @@
             <a:fld id="{B61BEF0D-F0BB-DE4B-95CE-6DB70DBA9567}" type="datetimeFigureOut">
               <a:rPr lang="en-US" smtClean="0"/>
               <a:pPr/>
-              <a:t>5/18/2021</a:t>
+              <a:t>5/19/2021</a:t>
             </a:fld>
             <a:endParaRPr lang="en-US" dirty="0"/>
           </a:p>
@@ -5940,7 +7055,7 @@
             <a:fld id="{B61BEF0D-F0BB-DE4B-95CE-6DB70DBA9567}" type="datetimeFigureOut">
               <a:rPr lang="en-US" smtClean="0"/>
               <a:pPr/>
-              <a:t>5/18/2021</a:t>
+              <a:t>5/19/2021</a:t>
             </a:fld>
             <a:endParaRPr lang="en-US" dirty="0"/>
           </a:p>
@@ -6375,7 +7490,7 @@
             <a:fld id="{B61BEF0D-F0BB-DE4B-95CE-6DB70DBA9567}" type="datetimeFigureOut">
               <a:rPr lang="en-US" smtClean="0"/>
               <a:pPr/>
-              <a:t>5/18/2021</a:t>
+              <a:t>5/19/2021</a:t>
             </a:fld>
             <a:endParaRPr lang="en-US" dirty="0"/>
           </a:p>
@@ -6923,7 +8038,7 @@
             <a:fld id="{B61BEF0D-F0BB-DE4B-95CE-6DB70DBA9567}" type="datetimeFigureOut">
               <a:rPr lang="en-US" smtClean="0"/>
               <a:pPr/>
-              <a:t>5/18/2021</a:t>
+              <a:t>5/19/2021</a:t>
             </a:fld>
             <a:endParaRPr lang="en-US" dirty="0"/>
           </a:p>
@@ -7798,7 +8913,7 @@
             <a:fld id="{B61BEF0D-F0BB-DE4B-95CE-6DB70DBA9567}" type="datetimeFigureOut">
               <a:rPr lang="en-US" smtClean="0"/>
               <a:pPr/>
-              <a:t>5/18/2021</a:t>
+              <a:t>5/19/2021</a:t>
             </a:fld>
             <a:endParaRPr lang="en-US" dirty="0"/>
           </a:p>
@@ -7978,7 +9093,7 @@
           <a:p>
             <a:fld id="{E9F9C37B-1D36-470B-8223-D6C91242EC14}" type="datetimeFigureOut">
               <a:rPr lang="en-US" smtClean="0"/>
-              <a:t>5/18/2021</a:t>
+              <a:t>5/19/2021</a:t>
             </a:fld>
             <a:endParaRPr lang="en-US" dirty="0"/>
           </a:p>
@@ -8172,7 +9287,7 @@
           <a:p>
             <a:fld id="{67C6F52A-A82B-47A2-A83A-8C4C91F2D59F}" type="datetimeFigureOut">
               <a:rPr lang="en-US" smtClean="0"/>
-              <a:t>5/18/2021</a:t>
+              <a:t>5/19/2021</a:t>
             </a:fld>
             <a:endParaRPr lang="en-US" dirty="0"/>
           </a:p>
@@ -12707,7 +13822,7 @@
             <a:fld id="{8E36636D-D922-432D-A958-524484B5923D}" type="datetimeFigureOut">
               <a:rPr lang="en-US" dirty="0"/>
               <a:pPr/>
-              <a:t>5/18/2021</a:t>
+              <a:t>5/19/2021</a:t>
             </a:fld>
             <a:endParaRPr lang="en-US" dirty="0"/>
           </a:p>
@@ -13596,7 +14711,7 @@
         </p:spPr>
         <p:txBody>
           <a:bodyPr spcFirstLastPara="1" wrap="square" lIns="91425" tIns="91425" rIns="91425" bIns="91425" anchor="t" anchorCtr="0">
-            <a:normAutofit/>
+            <a:normAutofit lnSpcReduction="10000"/>
           </a:bodyPr>
           <a:lstStyle/>
           <a:p>
@@ -13616,6 +14731,313 @@
                 </a:solidFill>
               </a:rPr>
               <a:t>Papers: </a:t>
+            </a:r>
+          </a:p>
+          <a:p>
+            <a:pPr marL="0" lvl="0" indent="0" algn="l" rtl="0">
+              <a:spcBef>
+                <a:spcPts val="0"/>
+              </a:spcBef>
+              <a:spcAft>
+                <a:spcPts val="0"/>
+              </a:spcAft>
+              <a:buNone/>
+            </a:pPr>
+            <a:r>
+              <a:rPr lang="en-US" sz="1100" dirty="0">
+                <a:solidFill>
+                  <a:schemeClr val="tx1"/>
+                </a:solidFill>
+              </a:rPr>
+              <a:t>D. Zhou and M. </a:t>
+            </a:r>
+            <a:r>
+              <a:rPr lang="en-US" sz="1100" dirty="0" err="1">
+                <a:solidFill>
+                  <a:schemeClr val="tx1"/>
+                </a:solidFill>
+              </a:rPr>
+              <a:t>Schwager</a:t>
+            </a:r>
+            <a:r>
+              <a:rPr lang="en-US" sz="1100" dirty="0">
+                <a:solidFill>
+                  <a:schemeClr val="tx1"/>
+                </a:solidFill>
+              </a:rPr>
+              <a:t>, "Vector field following for quadrotors using differential flatness," 2014 IEEE International Conference on Robotics and Automation (ICRA), Hong Kong, China, 2014, pp. 6567-6572, </a:t>
+            </a:r>
+            <a:r>
+              <a:rPr lang="en-US" sz="1100" dirty="0" err="1">
+                <a:solidFill>
+                  <a:schemeClr val="tx1"/>
+                </a:solidFill>
+              </a:rPr>
+              <a:t>doi</a:t>
+            </a:r>
+            <a:r>
+              <a:rPr lang="en-US" sz="1100" dirty="0">
+                <a:solidFill>
+                  <a:schemeClr val="tx1"/>
+                </a:solidFill>
+              </a:rPr>
+              <a:t>: 10.1109/ICRA.2014.6907828</a:t>
+            </a:r>
+          </a:p>
+          <a:p>
+            <a:pPr marL="0" lvl="0" indent="0" algn="l" rtl="0">
+              <a:spcBef>
+                <a:spcPts val="0"/>
+              </a:spcBef>
+              <a:spcAft>
+                <a:spcPts val="0"/>
+              </a:spcAft>
+              <a:buNone/>
+            </a:pPr>
+            <a:endParaRPr lang="en-US" sz="1100" dirty="0">
+              <a:solidFill>
+                <a:schemeClr val="tx1"/>
+              </a:solidFill>
+            </a:endParaRPr>
+          </a:p>
+          <a:p>
+            <a:pPr marL="0" lvl="0" indent="0" algn="l" rtl="0">
+              <a:spcBef>
+                <a:spcPts val="0"/>
+              </a:spcBef>
+              <a:spcAft>
+                <a:spcPts val="0"/>
+              </a:spcAft>
+              <a:buNone/>
+            </a:pPr>
+            <a:r>
+              <a:rPr lang="en-US" sz="1100" dirty="0">
+                <a:solidFill>
+                  <a:schemeClr val="tx1"/>
+                </a:solidFill>
+              </a:rPr>
+              <a:t>Ramasamy, Suresh &amp; Wu, </a:t>
+            </a:r>
+            <a:r>
+              <a:rPr lang="en-US" sz="1100" dirty="0" err="1">
+                <a:solidFill>
+                  <a:schemeClr val="tx1"/>
+                </a:solidFill>
+              </a:rPr>
+              <a:t>Guofan</a:t>
+            </a:r>
+            <a:r>
+              <a:rPr lang="en-US" sz="1100" dirty="0">
+                <a:solidFill>
+                  <a:schemeClr val="tx1"/>
+                </a:solidFill>
+              </a:rPr>
+              <a:t> &amp; </a:t>
+            </a:r>
+            <a:r>
+              <a:rPr lang="en-US" sz="1100" dirty="0" err="1">
+                <a:solidFill>
+                  <a:schemeClr val="tx1"/>
+                </a:solidFill>
+              </a:rPr>
+              <a:t>Sreenath</a:t>
+            </a:r>
+            <a:r>
+              <a:rPr lang="en-US" sz="1100" dirty="0">
+                <a:solidFill>
+                  <a:schemeClr val="tx1"/>
+                </a:solidFill>
+              </a:rPr>
+              <a:t>, </a:t>
+            </a:r>
+            <a:r>
+              <a:rPr lang="en-US" sz="1100" dirty="0" err="1">
+                <a:solidFill>
+                  <a:schemeClr val="tx1"/>
+                </a:solidFill>
+              </a:rPr>
+              <a:t>Koushil</a:t>
+            </a:r>
+            <a:r>
+              <a:rPr lang="en-US" sz="1100" dirty="0">
+                <a:solidFill>
+                  <a:schemeClr val="tx1"/>
+                </a:solidFill>
+              </a:rPr>
+              <a:t>. (2014). Dynamically Feasible Motion Planning through Partial Differential Flatness.. 10.15607/RSS.2014.X.053.</a:t>
+            </a:r>
+          </a:p>
+          <a:p>
+            <a:pPr marL="0" lvl="0" indent="0" algn="l" rtl="0">
+              <a:spcBef>
+                <a:spcPts val="0"/>
+              </a:spcBef>
+              <a:spcAft>
+                <a:spcPts val="0"/>
+              </a:spcAft>
+              <a:buNone/>
+            </a:pPr>
+            <a:endParaRPr lang="en-US" sz="1100" dirty="0">
+              <a:solidFill>
+                <a:schemeClr val="tx1"/>
+              </a:solidFill>
+            </a:endParaRPr>
+          </a:p>
+          <a:p>
+            <a:pPr marL="0" lvl="0" indent="0" algn="l" rtl="0">
+              <a:spcBef>
+                <a:spcPts val="0"/>
+              </a:spcBef>
+              <a:spcAft>
+                <a:spcPts val="0"/>
+              </a:spcAft>
+              <a:buNone/>
+            </a:pPr>
+            <a:r>
+              <a:rPr lang="en-US" sz="1200" b="0" i="0" dirty="0">
+                <a:solidFill>
+                  <a:srgbClr val="333333"/>
+                </a:solidFill>
+                <a:effectLst/>
+                <a:latin typeface="Arial" panose="020B0604020202020204" pitchFamily="34" charset="0"/>
+              </a:rPr>
+              <a:t>V. M. Goncalves, L. C. A. </a:t>
+            </a:r>
+            <a:r>
+              <a:rPr lang="en-US" sz="1200" b="0" i="0" dirty="0" err="1">
+                <a:solidFill>
+                  <a:srgbClr val="333333"/>
+                </a:solidFill>
+                <a:effectLst/>
+                <a:latin typeface="Arial" panose="020B0604020202020204" pitchFamily="34" charset="0"/>
+              </a:rPr>
+              <a:t>Pimenta</a:t>
+            </a:r>
+            <a:r>
+              <a:rPr lang="en-US" sz="1200" b="0" i="0" dirty="0">
+                <a:solidFill>
+                  <a:srgbClr val="333333"/>
+                </a:solidFill>
+                <a:effectLst/>
+                <a:latin typeface="Arial" panose="020B0604020202020204" pitchFamily="34" charset="0"/>
+              </a:rPr>
+              <a:t>, C. A. Maia, B. C. O. Dutra and G. A. S. Pereira, "Vector Fields for Robot Navigation Along Time-Varying Curves in </a:t>
+            </a:r>
+            <a:r>
+              <a:rPr lang="en-US" sz="1200" b="0" i="0" dirty="0">
+                <a:solidFill>
+                  <a:srgbClr val="888888"/>
+                </a:solidFill>
+                <a:effectLst/>
+                <a:latin typeface="Arial" panose="020B0604020202020204" pitchFamily="34" charset="0"/>
+              </a:rPr>
+              <a:t>n</a:t>
+            </a:r>
+            <a:r>
+              <a:rPr lang="en-US" sz="1200" b="0" i="0" dirty="0">
+                <a:solidFill>
+                  <a:srgbClr val="333333"/>
+                </a:solidFill>
+                <a:effectLst/>
+                <a:latin typeface="Arial" panose="020B0604020202020204" pitchFamily="34" charset="0"/>
+              </a:rPr>
+              <a:t> -Dimensions," in </a:t>
+            </a:r>
+            <a:r>
+              <a:rPr lang="en-US" sz="1200" b="0" i="1" dirty="0">
+                <a:solidFill>
+                  <a:srgbClr val="333333"/>
+                </a:solidFill>
+                <a:effectLst/>
+                <a:latin typeface="Arial" panose="020B0604020202020204" pitchFamily="34" charset="0"/>
+              </a:rPr>
+              <a:t>IEEE Transactions on Robotics</a:t>
+            </a:r>
+            <a:r>
+              <a:rPr lang="en-US" sz="1200" b="0" i="0" dirty="0">
+                <a:solidFill>
+                  <a:srgbClr val="333333"/>
+                </a:solidFill>
+                <a:effectLst/>
+                <a:latin typeface="Arial" panose="020B0604020202020204" pitchFamily="34" charset="0"/>
+              </a:rPr>
+              <a:t>, vol. 26, no. 4, pp. 647-659, Aug. 2010, </a:t>
+            </a:r>
+            <a:r>
+              <a:rPr lang="en-US" sz="1200" b="0" i="0" dirty="0" err="1">
+                <a:solidFill>
+                  <a:srgbClr val="333333"/>
+                </a:solidFill>
+                <a:effectLst/>
+                <a:latin typeface="Arial" panose="020B0604020202020204" pitchFamily="34" charset="0"/>
+              </a:rPr>
+              <a:t>doi</a:t>
+            </a:r>
+            <a:r>
+              <a:rPr lang="en-US" sz="1200" b="0" i="0" dirty="0">
+                <a:solidFill>
+                  <a:srgbClr val="333333"/>
+                </a:solidFill>
+                <a:effectLst/>
+                <a:latin typeface="Arial" panose="020B0604020202020204" pitchFamily="34" charset="0"/>
+              </a:rPr>
+              <a:t>: 10.1109/TRO.2010.2053077.</a:t>
+            </a:r>
+            <a:endParaRPr lang="en-US" sz="1100" dirty="0">
+              <a:solidFill>
+                <a:schemeClr val="tx1"/>
+              </a:solidFill>
+            </a:endParaRPr>
+          </a:p>
+          <a:p>
+            <a:pPr marL="0" lvl="0" indent="0" algn="l" rtl="0">
+              <a:spcBef>
+                <a:spcPts val="0"/>
+              </a:spcBef>
+              <a:spcAft>
+                <a:spcPts val="0"/>
+              </a:spcAft>
+              <a:buNone/>
+            </a:pPr>
+            <a:endParaRPr lang="en" sz="1100" dirty="0">
+              <a:solidFill>
+                <a:schemeClr val="tx1"/>
+              </a:solidFill>
+            </a:endParaRPr>
+          </a:p>
+          <a:p>
+            <a:pPr marL="0" lvl="0" indent="0" algn="l" rtl="0">
+              <a:spcBef>
+                <a:spcPts val="0"/>
+              </a:spcBef>
+              <a:spcAft>
+                <a:spcPts val="0"/>
+              </a:spcAft>
+              <a:buNone/>
+            </a:pPr>
+            <a:endParaRPr lang="en" sz="1100" dirty="0">
+              <a:solidFill>
+                <a:schemeClr val="tx1"/>
+              </a:solidFill>
+            </a:endParaRPr>
+          </a:p>
+          <a:p>
+            <a:pPr marL="0" lvl="0" indent="0" algn="l" rtl="0">
+              <a:spcBef>
+                <a:spcPts val="0"/>
+              </a:spcBef>
+              <a:spcAft>
+                <a:spcPts val="0"/>
+              </a:spcAft>
+              <a:buNone/>
+            </a:pPr>
+            <a:r>
+              <a:rPr lang="en" sz="1100" dirty="0">
+                <a:solidFill>
+                  <a:schemeClr val="tx1"/>
+                </a:solidFill>
+              </a:rPr>
+              <a:t>Other sources: </a:t>
             </a:r>
           </a:p>
           <a:p>
@@ -14315,7 +15737,7 @@
         </p:spPr>
         <p:txBody>
           <a:bodyPr spcFirstLastPara="1" vert="horz" wrap="square" lIns="91425" tIns="91425" rIns="91425" bIns="91425" rtlCol="0" anchor="t" anchorCtr="0">
-            <a:normAutofit/>
+            <a:normAutofit fontScale="92500" lnSpcReduction="10000"/>
           </a:bodyPr>
           <a:lstStyle>
             <a:lvl1pPr marL="457200" lvl="0" indent="-342900" algn="l" defTabSz="342900" rtl="0" eaLnBrk="1" latinLnBrk="0" hangingPunct="1">
@@ -14690,7 +16112,7 @@
           </a:lstStyle>
           <a:p>
             <a:r>
-              <a:rPr lang="en-US" dirty="0">
+              <a:rPr lang="en-US" sz="2000" dirty="0">
                 <a:effectLst>
                   <a:outerShdw blurRad="38100" dist="38100" dir="2700000" algn="tl">
                     <a:srgbClr val="000000">
@@ -14702,13 +16124,13 @@
                 <a:cs typeface="Lora"/>
                 <a:sym typeface="Lora"/>
               </a:rPr>
-              <a:t>Many Control and planning techniques give an output in the form of a vector field along which the robot is intended to follow to accomplish the desired task</a:t>
+              <a:t>Many control and planning techniques give an output in the form of a vector field along which the robot is intended to follow to accomplish the desired task</a:t>
             </a:r>
           </a:p>
           <a:p>
             <a:pPr lvl="1"/>
             <a:r>
-              <a:rPr lang="en-US" dirty="0">
+              <a:rPr lang="en-US" sz="2000" i="1" dirty="0">
                 <a:effectLst>
                   <a:outerShdw blurRad="38100" dist="38100" dir="2700000" algn="tl">
                     <a:srgbClr val="000000">
@@ -14725,7 +16147,7 @@
           </a:p>
           <a:p>
             <a:r>
-              <a:rPr lang="en-US" dirty="0">
+              <a:rPr lang="en-US" sz="2000" dirty="0">
                 <a:effectLst>
                   <a:outerShdw blurRad="38100" dist="38100" dir="2700000" algn="tl">
                     <a:srgbClr val="000000">
@@ -14743,7 +16165,7 @@
           <a:p>
             <a:pPr lvl="1"/>
             <a:r>
-              <a:rPr lang="en-US" dirty="0">
+              <a:rPr lang="en-US" sz="2000" i="1" dirty="0">
                 <a:effectLst>
                   <a:outerShdw blurRad="38100" dist="38100" dir="2700000" algn="tl">
                     <a:srgbClr val="000000">
@@ -14756,6 +16178,24 @@
                 <a:sym typeface="Lora"/>
               </a:rPr>
               <a:t>Examples : Ground robots w/ gear reduction, slow moving aerial robots</a:t>
+            </a:r>
+          </a:p>
+          <a:p>
+            <a:pPr lvl="1"/>
+            <a:r>
+              <a:rPr lang="en-US" sz="2000" i="1" dirty="0">
+                <a:effectLst>
+                  <a:outerShdw blurRad="38100" dist="38100" dir="2700000" algn="tl">
+                    <a:srgbClr val="000000">
+                      <a:alpha val="43137"/>
+                    </a:srgbClr>
+                  </a:outerShdw>
+                </a:effectLst>
+                <a:ea typeface="Lora"/>
+                <a:cs typeface="Lora"/>
+                <a:sym typeface="Lora"/>
+              </a:rPr>
+              <a:t>Exception: Vehicles with the differential flatness property </a:t>
             </a:r>
           </a:p>
           <a:p>
@@ -14917,7 +16357,7 @@
         </p:spPr>
         <p:txBody>
           <a:bodyPr spcFirstLastPara="1" vert="horz" wrap="square" lIns="91425" tIns="91425" rIns="91425" bIns="91425" rtlCol="0" anchor="t" anchorCtr="0">
-            <a:normAutofit fontScale="85000" lnSpcReduction="10000"/>
+            <a:normAutofit fontScale="85000" lnSpcReduction="20000"/>
           </a:bodyPr>
           <a:lstStyle>
             <a:lvl1pPr marL="457200" lvl="0" indent="-342900" algn="l" defTabSz="342900" rtl="0" eaLnBrk="1" latinLnBrk="0" hangingPunct="1">
@@ -15298,7 +16738,7 @@
                 <a:cs typeface="Lora"/>
                 <a:sym typeface="Lora"/>
               </a:rPr>
-              <a:t>Vector Fields are like Potential Fields however, Vector Field (right) simply indicates a desired direction and different from potential fiend because it does not represent the gradient of a potential field </a:t>
+              <a:t>Vector Fields are like Potential Fields however, Vector Field (left) simply indicates a desired direction and is different from potential field because it does not represent the gradient of a potential field </a:t>
             </a:r>
           </a:p>
           <a:p>
@@ -15311,6 +16751,24 @@
               </a:rPr>
               <a:t>Vector fields are general enough for any trajectory </a:t>
             </a:r>
+          </a:p>
+          <a:p>
+            <a:endParaRPr lang="en-US" sz="2000" dirty="0">
+              <a:latin typeface="Calisto MT (Body)"/>
+              <a:sym typeface="Lora"/>
+            </a:endParaRPr>
+          </a:p>
+          <a:p>
+            <a:endParaRPr lang="en-US" sz="2000" dirty="0">
+              <a:latin typeface="Calisto MT (Body)"/>
+              <a:sym typeface="Lora"/>
+            </a:endParaRPr>
+          </a:p>
+          <a:p>
+            <a:endParaRPr lang="en-US" sz="2000" dirty="0">
+              <a:latin typeface="Calisto MT (Body)"/>
+              <a:sym typeface="Lora"/>
+            </a:endParaRPr>
           </a:p>
           <a:p>
             <a:r>
@@ -15569,6 +17027,539 @@
           </a:p>
         </p:txBody>
       </p:sp>
+      <p:sp>
+        <p:nvSpPr>
+          <p:cNvPr id="4" name="Text Placeholder 2">
+            <a:extLst>
+              <a:ext uri="{FF2B5EF4-FFF2-40B4-BE49-F238E27FC236}">
+                <a16:creationId xmlns:a16="http://schemas.microsoft.com/office/drawing/2014/main" id="{A06E08F9-CF75-4945-9D0D-B614C68012A7}"/>
+              </a:ext>
+            </a:extLst>
+          </p:cNvPr>
+          <p:cNvSpPr txBox="1">
+            <a:spLocks/>
+          </p:cNvSpPr>
+          <p:nvPr/>
+        </p:nvSpPr>
+        <p:spPr>
+          <a:xfrm>
+            <a:off x="464100" y="1304875"/>
+            <a:ext cx="4989049" cy="3416400"/>
+          </a:xfrm>
+          <a:prstGeom prst="rect">
+            <a:avLst/>
+          </a:prstGeom>
+          <a:noFill/>
+          <a:ln>
+            <a:noFill/>
+          </a:ln>
+          <a:effectLst>
+            <a:outerShdw blurRad="25400" dir="17880000">
+              <a:srgbClr val="000000">
+                <a:alpha val="46000"/>
+              </a:srgbClr>
+            </a:outerShdw>
+          </a:effectLst>
+        </p:spPr>
+        <p:txBody>
+          <a:bodyPr spcFirstLastPara="1" vert="horz" wrap="square" lIns="91425" tIns="91425" rIns="91425" bIns="91425" rtlCol="0" anchor="t" anchorCtr="0">
+            <a:normAutofit/>
+          </a:bodyPr>
+          <a:lstStyle>
+            <a:lvl1pPr marL="457200" lvl="0" indent="-342900" algn="l" defTabSz="342900" rtl="0" eaLnBrk="1" latinLnBrk="0" hangingPunct="1">
+              <a:lnSpc>
+                <a:spcPct val="115000"/>
+              </a:lnSpc>
+              <a:spcBef>
+                <a:spcPts val="0"/>
+              </a:spcBef>
+              <a:spcAft>
+                <a:spcPts val="0"/>
+              </a:spcAft>
+              <a:buClr>
+                <a:schemeClr val="tx2"/>
+              </a:buClr>
+              <a:buSzPts val="1800"/>
+              <a:buFont typeface="Wingdings 2" charset="2"/>
+              <a:buChar char="●"/>
+              <a:defRPr sz="1500" kern="1200">
+                <a:ln>
+                  <a:solidFill>
+                    <a:schemeClr val="bg1">
+                      <a:lumMod val="75000"/>
+                      <a:lumOff val="25000"/>
+                      <a:alpha val="10000"/>
+                    </a:schemeClr>
+                  </a:solidFill>
+                </a:ln>
+                <a:solidFill>
+                  <a:schemeClr val="tx2"/>
+                </a:solidFill>
+                <a:effectLst>
+                  <a:outerShdw blurRad="9525" dist="25400" dir="14640000" algn="tl" rotWithShape="0">
+                    <a:schemeClr val="bg1">
+                      <a:alpha val="30000"/>
+                    </a:schemeClr>
+                  </a:outerShdw>
+                </a:effectLst>
+                <a:latin typeface="+mn-lt"/>
+                <a:ea typeface="+mn-ea"/>
+                <a:cs typeface="+mn-cs"/>
+              </a:defRPr>
+            </a:lvl1pPr>
+            <a:lvl2pPr marL="914400" lvl="1" indent="-317500" algn="l" defTabSz="342900" rtl="0" eaLnBrk="1" latinLnBrk="0" hangingPunct="1">
+              <a:lnSpc>
+                <a:spcPct val="115000"/>
+              </a:lnSpc>
+              <a:spcBef>
+                <a:spcPts val="0"/>
+              </a:spcBef>
+              <a:spcAft>
+                <a:spcPts val="0"/>
+              </a:spcAft>
+              <a:buClr>
+                <a:schemeClr val="tx2"/>
+              </a:buClr>
+              <a:buSzPts val="1400"/>
+              <a:buFont typeface="Wingdings 2" charset="2"/>
+              <a:buChar char="○"/>
+              <a:defRPr sz="1350" kern="1200">
+                <a:ln>
+                  <a:solidFill>
+                    <a:schemeClr val="bg1">
+                      <a:lumMod val="75000"/>
+                      <a:lumOff val="25000"/>
+                      <a:alpha val="10000"/>
+                    </a:schemeClr>
+                  </a:solidFill>
+                </a:ln>
+                <a:solidFill>
+                  <a:schemeClr val="tx2"/>
+                </a:solidFill>
+                <a:effectLst>
+                  <a:outerShdw blurRad="9525" dist="25400" dir="14640000" algn="tl" rotWithShape="0">
+                    <a:schemeClr val="bg1">
+                      <a:alpha val="30000"/>
+                    </a:schemeClr>
+                  </a:outerShdw>
+                </a:effectLst>
+                <a:latin typeface="+mn-lt"/>
+                <a:ea typeface="+mn-ea"/>
+                <a:cs typeface="+mn-cs"/>
+              </a:defRPr>
+            </a:lvl2pPr>
+            <a:lvl3pPr marL="1371600" lvl="2" indent="-317500" algn="l" defTabSz="342900" rtl="0" eaLnBrk="1" latinLnBrk="0" hangingPunct="1">
+              <a:lnSpc>
+                <a:spcPct val="115000"/>
+              </a:lnSpc>
+              <a:spcBef>
+                <a:spcPts val="0"/>
+              </a:spcBef>
+              <a:spcAft>
+                <a:spcPts val="0"/>
+              </a:spcAft>
+              <a:buClr>
+                <a:schemeClr val="tx2"/>
+              </a:buClr>
+              <a:buSzPts val="1400"/>
+              <a:buFont typeface="Wingdings 2" charset="2"/>
+              <a:buChar char="■"/>
+              <a:defRPr sz="1200" kern="1200">
+                <a:ln>
+                  <a:solidFill>
+                    <a:schemeClr val="bg1">
+                      <a:lumMod val="75000"/>
+                      <a:lumOff val="25000"/>
+                      <a:alpha val="10000"/>
+                    </a:schemeClr>
+                  </a:solidFill>
+                </a:ln>
+                <a:solidFill>
+                  <a:schemeClr val="tx2"/>
+                </a:solidFill>
+                <a:effectLst>
+                  <a:outerShdw blurRad="9525" dist="25400" dir="14640000" algn="tl" rotWithShape="0">
+                    <a:schemeClr val="bg1">
+                      <a:alpha val="30000"/>
+                    </a:schemeClr>
+                  </a:outerShdw>
+                </a:effectLst>
+                <a:latin typeface="+mn-lt"/>
+                <a:ea typeface="+mn-ea"/>
+                <a:cs typeface="+mn-cs"/>
+              </a:defRPr>
+            </a:lvl3pPr>
+            <a:lvl4pPr marL="1828800" lvl="3" indent="-317500" algn="l" defTabSz="342900" rtl="0" eaLnBrk="1" latinLnBrk="0" hangingPunct="1">
+              <a:lnSpc>
+                <a:spcPct val="115000"/>
+              </a:lnSpc>
+              <a:spcBef>
+                <a:spcPts val="0"/>
+              </a:spcBef>
+              <a:spcAft>
+                <a:spcPts val="0"/>
+              </a:spcAft>
+              <a:buClr>
+                <a:schemeClr val="tx2"/>
+              </a:buClr>
+              <a:buSzPts val="1400"/>
+              <a:buFont typeface="Wingdings 2" charset="2"/>
+              <a:buChar char="●"/>
+              <a:defRPr sz="1050" kern="1200">
+                <a:ln>
+                  <a:solidFill>
+                    <a:schemeClr val="bg1">
+                      <a:lumMod val="75000"/>
+                      <a:lumOff val="25000"/>
+                      <a:alpha val="10000"/>
+                    </a:schemeClr>
+                  </a:solidFill>
+                </a:ln>
+                <a:solidFill>
+                  <a:schemeClr val="tx2"/>
+                </a:solidFill>
+                <a:effectLst>
+                  <a:outerShdw blurRad="9525" dist="25400" dir="14640000" algn="tl" rotWithShape="0">
+                    <a:schemeClr val="bg1">
+                      <a:alpha val="30000"/>
+                    </a:schemeClr>
+                  </a:outerShdw>
+                </a:effectLst>
+                <a:latin typeface="+mn-lt"/>
+                <a:ea typeface="+mn-ea"/>
+                <a:cs typeface="+mn-cs"/>
+              </a:defRPr>
+            </a:lvl4pPr>
+            <a:lvl5pPr marL="2286000" lvl="4" indent="-317500" algn="l" defTabSz="342900" rtl="0" eaLnBrk="1" latinLnBrk="0" hangingPunct="1">
+              <a:lnSpc>
+                <a:spcPct val="115000"/>
+              </a:lnSpc>
+              <a:spcBef>
+                <a:spcPts val="0"/>
+              </a:spcBef>
+              <a:spcAft>
+                <a:spcPts val="0"/>
+              </a:spcAft>
+              <a:buClr>
+                <a:schemeClr val="tx2"/>
+              </a:buClr>
+              <a:buSzPts val="1400"/>
+              <a:buFont typeface="Wingdings 2" charset="2"/>
+              <a:buChar char="○"/>
+              <a:defRPr sz="1050" kern="1200">
+                <a:ln>
+                  <a:solidFill>
+                    <a:schemeClr val="bg1">
+                      <a:lumMod val="75000"/>
+                      <a:lumOff val="25000"/>
+                      <a:alpha val="10000"/>
+                    </a:schemeClr>
+                  </a:solidFill>
+                </a:ln>
+                <a:solidFill>
+                  <a:schemeClr val="tx2"/>
+                </a:solidFill>
+                <a:effectLst>
+                  <a:outerShdw blurRad="9525" dist="25400" dir="14640000" algn="tl" rotWithShape="0">
+                    <a:schemeClr val="bg1">
+                      <a:alpha val="30000"/>
+                    </a:schemeClr>
+                  </a:outerShdw>
+                </a:effectLst>
+                <a:latin typeface="+mn-lt"/>
+                <a:ea typeface="+mn-ea"/>
+                <a:cs typeface="+mn-cs"/>
+              </a:defRPr>
+            </a:lvl5pPr>
+            <a:lvl6pPr marL="2743200" lvl="5" indent="-317500" algn="l" defTabSz="342900" rtl="0" eaLnBrk="1" latinLnBrk="0" hangingPunct="1">
+              <a:lnSpc>
+                <a:spcPct val="115000"/>
+              </a:lnSpc>
+              <a:spcBef>
+                <a:spcPts val="0"/>
+              </a:spcBef>
+              <a:spcAft>
+                <a:spcPts val="0"/>
+              </a:spcAft>
+              <a:buClr>
+                <a:schemeClr val="tx2"/>
+              </a:buClr>
+              <a:buSzPts val="1400"/>
+              <a:buFont typeface="Wingdings 2" charset="2"/>
+              <a:buChar char="■"/>
+              <a:defRPr sz="1050" kern="1200">
+                <a:ln>
+                  <a:solidFill>
+                    <a:schemeClr val="bg1">
+                      <a:lumMod val="75000"/>
+                      <a:lumOff val="25000"/>
+                      <a:alpha val="10000"/>
+                    </a:schemeClr>
+                  </a:solidFill>
+                </a:ln>
+                <a:solidFill>
+                  <a:schemeClr val="tx2"/>
+                </a:solidFill>
+                <a:effectLst>
+                  <a:outerShdw blurRad="9525" dist="25400" dir="14640000" algn="tl" rotWithShape="0">
+                    <a:schemeClr val="bg1">
+                      <a:alpha val="30000"/>
+                    </a:schemeClr>
+                  </a:outerShdw>
+                </a:effectLst>
+                <a:latin typeface="+mn-lt"/>
+                <a:ea typeface="+mn-ea"/>
+                <a:cs typeface="+mn-cs"/>
+              </a:defRPr>
+            </a:lvl6pPr>
+            <a:lvl7pPr marL="3200400" lvl="6" indent="-317500" algn="l" defTabSz="342900" rtl="0" eaLnBrk="1" latinLnBrk="0" hangingPunct="1">
+              <a:lnSpc>
+                <a:spcPct val="115000"/>
+              </a:lnSpc>
+              <a:spcBef>
+                <a:spcPts val="0"/>
+              </a:spcBef>
+              <a:spcAft>
+                <a:spcPts val="0"/>
+              </a:spcAft>
+              <a:buClr>
+                <a:schemeClr val="tx2"/>
+              </a:buClr>
+              <a:buSzPts val="1400"/>
+              <a:buFont typeface="Wingdings 2" charset="2"/>
+              <a:buChar char="●"/>
+              <a:defRPr sz="1050" kern="1200">
+                <a:ln>
+                  <a:solidFill>
+                    <a:schemeClr val="bg1">
+                      <a:lumMod val="75000"/>
+                      <a:lumOff val="25000"/>
+                      <a:alpha val="10000"/>
+                    </a:schemeClr>
+                  </a:solidFill>
+                </a:ln>
+                <a:solidFill>
+                  <a:schemeClr val="tx2"/>
+                </a:solidFill>
+                <a:effectLst>
+                  <a:outerShdw blurRad="9525" dist="25400" dir="14640000" algn="tl" rotWithShape="0">
+                    <a:schemeClr val="bg1">
+                      <a:alpha val="30000"/>
+                    </a:schemeClr>
+                  </a:outerShdw>
+                </a:effectLst>
+                <a:latin typeface="+mn-lt"/>
+                <a:ea typeface="+mn-ea"/>
+                <a:cs typeface="+mn-cs"/>
+              </a:defRPr>
+            </a:lvl7pPr>
+            <a:lvl8pPr marL="3657600" lvl="7" indent="-317500" algn="l" defTabSz="342900" rtl="0" eaLnBrk="1" latinLnBrk="0" hangingPunct="1">
+              <a:lnSpc>
+                <a:spcPct val="115000"/>
+              </a:lnSpc>
+              <a:spcBef>
+                <a:spcPts val="0"/>
+              </a:spcBef>
+              <a:spcAft>
+                <a:spcPts val="0"/>
+              </a:spcAft>
+              <a:buClr>
+                <a:schemeClr val="tx2"/>
+              </a:buClr>
+              <a:buSzPts val="1400"/>
+              <a:buFont typeface="Wingdings 2" charset="2"/>
+              <a:buChar char="○"/>
+              <a:defRPr sz="1050" kern="1200">
+                <a:ln>
+                  <a:solidFill>
+                    <a:schemeClr val="bg1">
+                      <a:lumMod val="75000"/>
+                      <a:lumOff val="25000"/>
+                      <a:alpha val="10000"/>
+                    </a:schemeClr>
+                  </a:solidFill>
+                </a:ln>
+                <a:solidFill>
+                  <a:schemeClr val="tx2"/>
+                </a:solidFill>
+                <a:effectLst>
+                  <a:outerShdw blurRad="9525" dist="25400" dir="14640000" algn="tl" rotWithShape="0">
+                    <a:schemeClr val="bg1">
+                      <a:alpha val="30000"/>
+                    </a:schemeClr>
+                  </a:outerShdw>
+                </a:effectLst>
+                <a:latin typeface="+mn-lt"/>
+                <a:ea typeface="+mn-ea"/>
+                <a:cs typeface="+mn-cs"/>
+              </a:defRPr>
+            </a:lvl8pPr>
+            <a:lvl9pPr marL="4114800" lvl="8" indent="-317500" algn="l" defTabSz="342900" rtl="0" eaLnBrk="1" latinLnBrk="0" hangingPunct="1">
+              <a:lnSpc>
+                <a:spcPct val="115000"/>
+              </a:lnSpc>
+              <a:spcBef>
+                <a:spcPts val="0"/>
+              </a:spcBef>
+              <a:spcAft>
+                <a:spcPts val="0"/>
+              </a:spcAft>
+              <a:buClr>
+                <a:schemeClr val="tx2"/>
+              </a:buClr>
+              <a:buSzPts val="1400"/>
+              <a:buFont typeface="Wingdings 2" charset="2"/>
+              <a:buChar char="■"/>
+              <a:defRPr sz="1050" kern="1200">
+                <a:ln>
+                  <a:solidFill>
+                    <a:schemeClr val="bg1">
+                      <a:lumMod val="75000"/>
+                      <a:lumOff val="25000"/>
+                      <a:alpha val="10000"/>
+                    </a:schemeClr>
+                  </a:solidFill>
+                </a:ln>
+                <a:solidFill>
+                  <a:schemeClr val="tx2"/>
+                </a:solidFill>
+                <a:effectLst>
+                  <a:outerShdw blurRad="9525" dist="25400" dir="14640000" algn="tl" rotWithShape="0">
+                    <a:schemeClr val="bg1">
+                      <a:alpha val="30000"/>
+                    </a:schemeClr>
+                  </a:outerShdw>
+                </a:effectLst>
+                <a:latin typeface="+mn-lt"/>
+                <a:ea typeface="+mn-ea"/>
+                <a:cs typeface="+mn-cs"/>
+              </a:defRPr>
+            </a:lvl9pPr>
+          </a:lstStyle>
+          <a:p>
+            <a:r>
+              <a:rPr lang="en-US" sz="1600" b="0" i="0" dirty="0">
+                <a:solidFill>
+                  <a:srgbClr val="4D5156"/>
+                </a:solidFill>
+                <a:effectLst/>
+                <a:latin typeface="Roboto" panose="02000000000000000000" pitchFamily="2" charset="0"/>
+              </a:rPr>
+              <a:t>“A </a:t>
+            </a:r>
+            <a:r>
+              <a:rPr lang="en-US" sz="1600" b="1" i="0" dirty="0">
+                <a:solidFill>
+                  <a:srgbClr val="5F6368"/>
+                </a:solidFill>
+                <a:effectLst/>
+                <a:latin typeface="Roboto" panose="02000000000000000000" pitchFamily="2" charset="0"/>
+              </a:rPr>
+              <a:t>limit cycle</a:t>
+            </a:r>
+            <a:r>
+              <a:rPr lang="en-US" sz="1600" b="0" i="0" dirty="0">
+                <a:solidFill>
+                  <a:srgbClr val="4D5156"/>
+                </a:solidFill>
+                <a:effectLst/>
+                <a:latin typeface="Roboto" panose="02000000000000000000" pitchFamily="2" charset="0"/>
+              </a:rPr>
+              <a:t> is a closed trajectory in phase space having the property that at least one other trajectory spirals into it either as time approaches infinity or as time approaches negative infinity.” – Science Direct </a:t>
+            </a:r>
+          </a:p>
+          <a:p>
+            <a:r>
+              <a:rPr lang="en-US" sz="1600" dirty="0">
+                <a:solidFill>
+                  <a:srgbClr val="4D5156"/>
+                </a:solidFill>
+                <a:effectLst/>
+                <a:latin typeface="Roboto" panose="02000000000000000000" pitchFamily="2" charset="0"/>
+              </a:rPr>
+              <a:t>Oscillation occurring only in non-linear systems</a:t>
+            </a:r>
+          </a:p>
+          <a:p>
+            <a:r>
+              <a:rPr lang="en-US" sz="1600" dirty="0">
+                <a:solidFill>
+                  <a:srgbClr val="4D5156"/>
+                </a:solidFill>
+                <a:effectLst/>
+                <a:latin typeface="Roboto" panose="02000000000000000000" pitchFamily="2" charset="0"/>
+              </a:rPr>
+              <a:t>An isolated closed trajectory in phase space</a:t>
+            </a:r>
+            <a:endParaRPr lang="en-US" sz="1600" dirty="0"/>
+          </a:p>
+        </p:txBody>
+      </p:sp>
+      <p:pic>
+        <p:nvPicPr>
+          <p:cNvPr id="3" name="Picture 2">
+            <a:extLst>
+              <a:ext uri="{FF2B5EF4-FFF2-40B4-BE49-F238E27FC236}">
+                <a16:creationId xmlns:a16="http://schemas.microsoft.com/office/drawing/2014/main" id="{51AFD687-0A04-4099-AF42-1018555D2356}"/>
+              </a:ext>
+            </a:extLst>
+          </p:cNvPr>
+          <p:cNvPicPr>
+            <a:picLocks noChangeAspect="1"/>
+          </p:cNvPicPr>
+          <p:nvPr/>
+        </p:nvPicPr>
+        <p:blipFill>
+          <a:blip r:embed="rId3"/>
+          <a:stretch>
+            <a:fillRect/>
+          </a:stretch>
+        </p:blipFill>
+        <p:spPr>
+          <a:xfrm>
+            <a:off x="5701927" y="1304875"/>
+            <a:ext cx="2977973" cy="951375"/>
+          </a:xfrm>
+          <a:prstGeom prst="rect">
+            <a:avLst/>
+          </a:prstGeom>
+        </p:spPr>
+      </p:pic>
+      <p:sp>
+        <p:nvSpPr>
+          <p:cNvPr id="5" name="TextBox 4">
+            <a:extLst>
+              <a:ext uri="{FF2B5EF4-FFF2-40B4-BE49-F238E27FC236}">
+                <a16:creationId xmlns:a16="http://schemas.microsoft.com/office/drawing/2014/main" id="{191E4109-206D-48E1-90C8-9ED0D29176ED}"/>
+              </a:ext>
+            </a:extLst>
+          </p:cNvPr>
+          <p:cNvSpPr txBox="1"/>
+          <p:nvPr/>
+        </p:nvSpPr>
+        <p:spPr>
+          <a:xfrm>
+            <a:off x="6523454" y="2391000"/>
+            <a:ext cx="2518756" cy="307777"/>
+          </a:xfrm>
+          <a:prstGeom prst="rect">
+            <a:avLst/>
+          </a:prstGeom>
+          <a:noFill/>
+        </p:spPr>
+        <p:txBody>
+          <a:bodyPr wrap="square" rtlCol="0">
+            <a:spAutoFit/>
+          </a:bodyPr>
+          <a:lstStyle/>
+          <a:p>
+            <a:r>
+              <a:rPr lang="en-US" dirty="0"/>
+              <a:t>SpringerLink</a:t>
+            </a:r>
+          </a:p>
+        </p:txBody>
+      </p:sp>
     </p:spTree>
     <p:extLst>
       <p:ext uri="{BB962C8B-B14F-4D97-AF65-F5344CB8AC3E}">
@@ -15631,7 +17622,7 @@
             </a:pPr>
             <a:r>
               <a:rPr lang="en-US" dirty="0"/>
-              <a:t>VF Function for Limit Cycle</a:t>
+              <a:t>I. VF Function for Limit Cycle</a:t>
             </a:r>
             <a:endParaRPr dirty="0"/>
           </a:p>
@@ -15684,6 +17675,476 @@
               <a:buNone/>
             </a:pPr>
             <a:endParaRPr dirty="0"/>
+          </a:p>
+        </p:txBody>
+      </p:sp>
+      <p:sp>
+        <p:nvSpPr>
+          <p:cNvPr id="4" name="Text Placeholder 2">
+            <a:extLst>
+              <a:ext uri="{FF2B5EF4-FFF2-40B4-BE49-F238E27FC236}">
+                <a16:creationId xmlns:a16="http://schemas.microsoft.com/office/drawing/2014/main" id="{F26671C0-6D38-45DB-AF1F-A97CAB85E62E}"/>
+              </a:ext>
+            </a:extLst>
+          </p:cNvPr>
+          <p:cNvSpPr txBox="1">
+            <a:spLocks/>
+          </p:cNvSpPr>
+          <p:nvPr/>
+        </p:nvSpPr>
+        <p:spPr>
+          <a:xfrm>
+            <a:off x="464100" y="1304875"/>
+            <a:ext cx="8520600" cy="3416400"/>
+          </a:xfrm>
+          <a:prstGeom prst="rect">
+            <a:avLst/>
+          </a:prstGeom>
+          <a:noFill/>
+          <a:ln>
+            <a:noFill/>
+          </a:ln>
+          <a:effectLst>
+            <a:outerShdw blurRad="25400" dir="17880000">
+              <a:srgbClr val="000000">
+                <a:alpha val="46000"/>
+              </a:srgbClr>
+            </a:outerShdw>
+          </a:effectLst>
+        </p:spPr>
+        <p:txBody>
+          <a:bodyPr spcFirstLastPara="1" vert="horz" wrap="square" lIns="91425" tIns="91425" rIns="91425" bIns="91425" rtlCol="0" anchor="t" anchorCtr="0">
+            <a:normAutofit/>
+          </a:bodyPr>
+          <a:lstStyle>
+            <a:lvl1pPr marL="457200" lvl="0" indent="-342900" algn="l" defTabSz="342900" rtl="0" eaLnBrk="1" latinLnBrk="0" hangingPunct="1">
+              <a:lnSpc>
+                <a:spcPct val="115000"/>
+              </a:lnSpc>
+              <a:spcBef>
+                <a:spcPts val="0"/>
+              </a:spcBef>
+              <a:spcAft>
+                <a:spcPts val="0"/>
+              </a:spcAft>
+              <a:buClr>
+                <a:schemeClr val="tx2"/>
+              </a:buClr>
+              <a:buSzPts val="1800"/>
+              <a:buFont typeface="Wingdings 2" charset="2"/>
+              <a:buChar char="●"/>
+              <a:defRPr sz="1500" kern="1200">
+                <a:ln>
+                  <a:solidFill>
+                    <a:schemeClr val="bg1">
+                      <a:lumMod val="75000"/>
+                      <a:lumOff val="25000"/>
+                      <a:alpha val="10000"/>
+                    </a:schemeClr>
+                  </a:solidFill>
+                </a:ln>
+                <a:solidFill>
+                  <a:schemeClr val="tx2"/>
+                </a:solidFill>
+                <a:effectLst>
+                  <a:outerShdw blurRad="9525" dist="25400" dir="14640000" algn="tl" rotWithShape="0">
+                    <a:schemeClr val="bg1">
+                      <a:alpha val="30000"/>
+                    </a:schemeClr>
+                  </a:outerShdw>
+                </a:effectLst>
+                <a:latin typeface="+mn-lt"/>
+                <a:ea typeface="+mn-ea"/>
+                <a:cs typeface="+mn-cs"/>
+              </a:defRPr>
+            </a:lvl1pPr>
+            <a:lvl2pPr marL="914400" lvl="1" indent="-317500" algn="l" defTabSz="342900" rtl="0" eaLnBrk="1" latinLnBrk="0" hangingPunct="1">
+              <a:lnSpc>
+                <a:spcPct val="115000"/>
+              </a:lnSpc>
+              <a:spcBef>
+                <a:spcPts val="0"/>
+              </a:spcBef>
+              <a:spcAft>
+                <a:spcPts val="0"/>
+              </a:spcAft>
+              <a:buClr>
+                <a:schemeClr val="tx2"/>
+              </a:buClr>
+              <a:buSzPts val="1400"/>
+              <a:buFont typeface="Wingdings 2" charset="2"/>
+              <a:buChar char="○"/>
+              <a:defRPr sz="1350" kern="1200">
+                <a:ln>
+                  <a:solidFill>
+                    <a:schemeClr val="bg1">
+                      <a:lumMod val="75000"/>
+                      <a:lumOff val="25000"/>
+                      <a:alpha val="10000"/>
+                    </a:schemeClr>
+                  </a:solidFill>
+                </a:ln>
+                <a:solidFill>
+                  <a:schemeClr val="tx2"/>
+                </a:solidFill>
+                <a:effectLst>
+                  <a:outerShdw blurRad="9525" dist="25400" dir="14640000" algn="tl" rotWithShape="0">
+                    <a:schemeClr val="bg1">
+                      <a:alpha val="30000"/>
+                    </a:schemeClr>
+                  </a:outerShdw>
+                </a:effectLst>
+                <a:latin typeface="+mn-lt"/>
+                <a:ea typeface="+mn-ea"/>
+                <a:cs typeface="+mn-cs"/>
+              </a:defRPr>
+            </a:lvl2pPr>
+            <a:lvl3pPr marL="1371600" lvl="2" indent="-317500" algn="l" defTabSz="342900" rtl="0" eaLnBrk="1" latinLnBrk="0" hangingPunct="1">
+              <a:lnSpc>
+                <a:spcPct val="115000"/>
+              </a:lnSpc>
+              <a:spcBef>
+                <a:spcPts val="0"/>
+              </a:spcBef>
+              <a:spcAft>
+                <a:spcPts val="0"/>
+              </a:spcAft>
+              <a:buClr>
+                <a:schemeClr val="tx2"/>
+              </a:buClr>
+              <a:buSzPts val="1400"/>
+              <a:buFont typeface="Wingdings 2" charset="2"/>
+              <a:buChar char="■"/>
+              <a:defRPr sz="1200" kern="1200">
+                <a:ln>
+                  <a:solidFill>
+                    <a:schemeClr val="bg1">
+                      <a:lumMod val="75000"/>
+                      <a:lumOff val="25000"/>
+                      <a:alpha val="10000"/>
+                    </a:schemeClr>
+                  </a:solidFill>
+                </a:ln>
+                <a:solidFill>
+                  <a:schemeClr val="tx2"/>
+                </a:solidFill>
+                <a:effectLst>
+                  <a:outerShdw blurRad="9525" dist="25400" dir="14640000" algn="tl" rotWithShape="0">
+                    <a:schemeClr val="bg1">
+                      <a:alpha val="30000"/>
+                    </a:schemeClr>
+                  </a:outerShdw>
+                </a:effectLst>
+                <a:latin typeface="+mn-lt"/>
+                <a:ea typeface="+mn-ea"/>
+                <a:cs typeface="+mn-cs"/>
+              </a:defRPr>
+            </a:lvl3pPr>
+            <a:lvl4pPr marL="1828800" lvl="3" indent="-317500" algn="l" defTabSz="342900" rtl="0" eaLnBrk="1" latinLnBrk="0" hangingPunct="1">
+              <a:lnSpc>
+                <a:spcPct val="115000"/>
+              </a:lnSpc>
+              <a:spcBef>
+                <a:spcPts val="0"/>
+              </a:spcBef>
+              <a:spcAft>
+                <a:spcPts val="0"/>
+              </a:spcAft>
+              <a:buClr>
+                <a:schemeClr val="tx2"/>
+              </a:buClr>
+              <a:buSzPts val="1400"/>
+              <a:buFont typeface="Wingdings 2" charset="2"/>
+              <a:buChar char="●"/>
+              <a:defRPr sz="1050" kern="1200">
+                <a:ln>
+                  <a:solidFill>
+                    <a:schemeClr val="bg1">
+                      <a:lumMod val="75000"/>
+                      <a:lumOff val="25000"/>
+                      <a:alpha val="10000"/>
+                    </a:schemeClr>
+                  </a:solidFill>
+                </a:ln>
+                <a:solidFill>
+                  <a:schemeClr val="tx2"/>
+                </a:solidFill>
+                <a:effectLst>
+                  <a:outerShdw blurRad="9525" dist="25400" dir="14640000" algn="tl" rotWithShape="0">
+                    <a:schemeClr val="bg1">
+                      <a:alpha val="30000"/>
+                    </a:schemeClr>
+                  </a:outerShdw>
+                </a:effectLst>
+                <a:latin typeface="+mn-lt"/>
+                <a:ea typeface="+mn-ea"/>
+                <a:cs typeface="+mn-cs"/>
+              </a:defRPr>
+            </a:lvl4pPr>
+            <a:lvl5pPr marL="2286000" lvl="4" indent="-317500" algn="l" defTabSz="342900" rtl="0" eaLnBrk="1" latinLnBrk="0" hangingPunct="1">
+              <a:lnSpc>
+                <a:spcPct val="115000"/>
+              </a:lnSpc>
+              <a:spcBef>
+                <a:spcPts val="0"/>
+              </a:spcBef>
+              <a:spcAft>
+                <a:spcPts val="0"/>
+              </a:spcAft>
+              <a:buClr>
+                <a:schemeClr val="tx2"/>
+              </a:buClr>
+              <a:buSzPts val="1400"/>
+              <a:buFont typeface="Wingdings 2" charset="2"/>
+              <a:buChar char="○"/>
+              <a:defRPr sz="1050" kern="1200">
+                <a:ln>
+                  <a:solidFill>
+                    <a:schemeClr val="bg1">
+                      <a:lumMod val="75000"/>
+                      <a:lumOff val="25000"/>
+                      <a:alpha val="10000"/>
+                    </a:schemeClr>
+                  </a:solidFill>
+                </a:ln>
+                <a:solidFill>
+                  <a:schemeClr val="tx2"/>
+                </a:solidFill>
+                <a:effectLst>
+                  <a:outerShdw blurRad="9525" dist="25400" dir="14640000" algn="tl" rotWithShape="0">
+                    <a:schemeClr val="bg1">
+                      <a:alpha val="30000"/>
+                    </a:schemeClr>
+                  </a:outerShdw>
+                </a:effectLst>
+                <a:latin typeface="+mn-lt"/>
+                <a:ea typeface="+mn-ea"/>
+                <a:cs typeface="+mn-cs"/>
+              </a:defRPr>
+            </a:lvl5pPr>
+            <a:lvl6pPr marL="2743200" lvl="5" indent="-317500" algn="l" defTabSz="342900" rtl="0" eaLnBrk="1" latinLnBrk="0" hangingPunct="1">
+              <a:lnSpc>
+                <a:spcPct val="115000"/>
+              </a:lnSpc>
+              <a:spcBef>
+                <a:spcPts val="0"/>
+              </a:spcBef>
+              <a:spcAft>
+                <a:spcPts val="0"/>
+              </a:spcAft>
+              <a:buClr>
+                <a:schemeClr val="tx2"/>
+              </a:buClr>
+              <a:buSzPts val="1400"/>
+              <a:buFont typeface="Wingdings 2" charset="2"/>
+              <a:buChar char="■"/>
+              <a:defRPr sz="1050" kern="1200">
+                <a:ln>
+                  <a:solidFill>
+                    <a:schemeClr val="bg1">
+                      <a:lumMod val="75000"/>
+                      <a:lumOff val="25000"/>
+                      <a:alpha val="10000"/>
+                    </a:schemeClr>
+                  </a:solidFill>
+                </a:ln>
+                <a:solidFill>
+                  <a:schemeClr val="tx2"/>
+                </a:solidFill>
+                <a:effectLst>
+                  <a:outerShdw blurRad="9525" dist="25400" dir="14640000" algn="tl" rotWithShape="0">
+                    <a:schemeClr val="bg1">
+                      <a:alpha val="30000"/>
+                    </a:schemeClr>
+                  </a:outerShdw>
+                </a:effectLst>
+                <a:latin typeface="+mn-lt"/>
+                <a:ea typeface="+mn-ea"/>
+                <a:cs typeface="+mn-cs"/>
+              </a:defRPr>
+            </a:lvl6pPr>
+            <a:lvl7pPr marL="3200400" lvl="6" indent="-317500" algn="l" defTabSz="342900" rtl="0" eaLnBrk="1" latinLnBrk="0" hangingPunct="1">
+              <a:lnSpc>
+                <a:spcPct val="115000"/>
+              </a:lnSpc>
+              <a:spcBef>
+                <a:spcPts val="0"/>
+              </a:spcBef>
+              <a:spcAft>
+                <a:spcPts val="0"/>
+              </a:spcAft>
+              <a:buClr>
+                <a:schemeClr val="tx2"/>
+              </a:buClr>
+              <a:buSzPts val="1400"/>
+              <a:buFont typeface="Wingdings 2" charset="2"/>
+              <a:buChar char="●"/>
+              <a:defRPr sz="1050" kern="1200">
+                <a:ln>
+                  <a:solidFill>
+                    <a:schemeClr val="bg1">
+                      <a:lumMod val="75000"/>
+                      <a:lumOff val="25000"/>
+                      <a:alpha val="10000"/>
+                    </a:schemeClr>
+                  </a:solidFill>
+                </a:ln>
+                <a:solidFill>
+                  <a:schemeClr val="tx2"/>
+                </a:solidFill>
+                <a:effectLst>
+                  <a:outerShdw blurRad="9525" dist="25400" dir="14640000" algn="tl" rotWithShape="0">
+                    <a:schemeClr val="bg1">
+                      <a:alpha val="30000"/>
+                    </a:schemeClr>
+                  </a:outerShdw>
+                </a:effectLst>
+                <a:latin typeface="+mn-lt"/>
+                <a:ea typeface="+mn-ea"/>
+                <a:cs typeface="+mn-cs"/>
+              </a:defRPr>
+            </a:lvl7pPr>
+            <a:lvl8pPr marL="3657600" lvl="7" indent="-317500" algn="l" defTabSz="342900" rtl="0" eaLnBrk="1" latinLnBrk="0" hangingPunct="1">
+              <a:lnSpc>
+                <a:spcPct val="115000"/>
+              </a:lnSpc>
+              <a:spcBef>
+                <a:spcPts val="0"/>
+              </a:spcBef>
+              <a:spcAft>
+                <a:spcPts val="0"/>
+              </a:spcAft>
+              <a:buClr>
+                <a:schemeClr val="tx2"/>
+              </a:buClr>
+              <a:buSzPts val="1400"/>
+              <a:buFont typeface="Wingdings 2" charset="2"/>
+              <a:buChar char="○"/>
+              <a:defRPr sz="1050" kern="1200">
+                <a:ln>
+                  <a:solidFill>
+                    <a:schemeClr val="bg1">
+                      <a:lumMod val="75000"/>
+                      <a:lumOff val="25000"/>
+                      <a:alpha val="10000"/>
+                    </a:schemeClr>
+                  </a:solidFill>
+                </a:ln>
+                <a:solidFill>
+                  <a:schemeClr val="tx2"/>
+                </a:solidFill>
+                <a:effectLst>
+                  <a:outerShdw blurRad="9525" dist="25400" dir="14640000" algn="tl" rotWithShape="0">
+                    <a:schemeClr val="bg1">
+                      <a:alpha val="30000"/>
+                    </a:schemeClr>
+                  </a:outerShdw>
+                </a:effectLst>
+                <a:latin typeface="+mn-lt"/>
+                <a:ea typeface="+mn-ea"/>
+                <a:cs typeface="+mn-cs"/>
+              </a:defRPr>
+            </a:lvl8pPr>
+            <a:lvl9pPr marL="4114800" lvl="8" indent="-317500" algn="l" defTabSz="342900" rtl="0" eaLnBrk="1" latinLnBrk="0" hangingPunct="1">
+              <a:lnSpc>
+                <a:spcPct val="115000"/>
+              </a:lnSpc>
+              <a:spcBef>
+                <a:spcPts val="0"/>
+              </a:spcBef>
+              <a:spcAft>
+                <a:spcPts val="0"/>
+              </a:spcAft>
+              <a:buClr>
+                <a:schemeClr val="tx2"/>
+              </a:buClr>
+              <a:buSzPts val="1400"/>
+              <a:buFont typeface="Wingdings 2" charset="2"/>
+              <a:buChar char="■"/>
+              <a:defRPr sz="1050" kern="1200">
+                <a:ln>
+                  <a:solidFill>
+                    <a:schemeClr val="bg1">
+                      <a:lumMod val="75000"/>
+                      <a:lumOff val="25000"/>
+                      <a:alpha val="10000"/>
+                    </a:schemeClr>
+                  </a:solidFill>
+                </a:ln>
+                <a:solidFill>
+                  <a:schemeClr val="tx2"/>
+                </a:solidFill>
+                <a:effectLst>
+                  <a:outerShdw blurRad="9525" dist="25400" dir="14640000" algn="tl" rotWithShape="0">
+                    <a:schemeClr val="bg1">
+                      <a:alpha val="30000"/>
+                    </a:schemeClr>
+                  </a:outerShdw>
+                </a:effectLst>
+                <a:latin typeface="+mn-lt"/>
+                <a:ea typeface="+mn-ea"/>
+                <a:cs typeface="+mn-cs"/>
+              </a:defRPr>
+            </a:lvl9pPr>
+          </a:lstStyle>
+          <a:p>
+            <a:r>
+              <a:rPr lang="en-US" sz="2000" dirty="0">
+                <a:effectLst>
+                  <a:outerShdw blurRad="38100" dist="38100" dir="2700000" algn="tl">
+                    <a:srgbClr val="000000">
+                      <a:alpha val="43137"/>
+                    </a:srgbClr>
+                  </a:outerShdw>
+                </a:effectLst>
+                <a:sym typeface="Lora"/>
+              </a:rPr>
+              <a:t>From a paper where they compute several different artificial vector fields for various tasks (Goncalves </a:t>
+            </a:r>
+            <a:r>
+              <a:rPr lang="en-US" sz="2000" i="1" dirty="0">
+                <a:effectLst>
+                  <a:outerShdw blurRad="38100" dist="38100" dir="2700000" algn="tl">
+                    <a:srgbClr val="000000">
+                      <a:alpha val="43137"/>
+                    </a:srgbClr>
+                  </a:outerShdw>
+                </a:effectLst>
+                <a:sym typeface="Lora"/>
+              </a:rPr>
+              <a:t>et al </a:t>
+            </a:r>
+            <a:r>
+              <a:rPr lang="en-US" sz="2000" dirty="0">
+                <a:effectLst>
+                  <a:outerShdw blurRad="38100" dist="38100" dir="2700000" algn="tl">
+                    <a:srgbClr val="000000">
+                      <a:alpha val="43137"/>
+                    </a:srgbClr>
+                  </a:outerShdw>
+                </a:effectLst>
+                <a:sym typeface="Lora"/>
+              </a:rPr>
+              <a:t>2010, Vector Fields for Robot Navigation Along Time-Varying Curves in n-Dimensions)</a:t>
+            </a:r>
+          </a:p>
+          <a:p>
+            <a:r>
+              <a:rPr lang="en-US" sz="2000" dirty="0">
+                <a:effectLst>
+                  <a:outerShdw blurRad="38100" dist="38100" dir="2700000" algn="tl">
+                    <a:srgbClr val="000000">
+                      <a:alpha val="43137"/>
+                    </a:srgbClr>
+                  </a:outerShdw>
+                </a:effectLst>
+                <a:sym typeface="Lora"/>
+              </a:rPr>
+              <a:t>Composed of a circulating term and attracting term</a:t>
+            </a:r>
+          </a:p>
+          <a:p>
+            <a:endParaRPr lang="en-US" dirty="0"/>
           </a:p>
         </p:txBody>
       </p:sp>
@@ -15749,7 +18210,23 @@
             </a:pPr>
             <a:r>
               <a:rPr lang="en-US" dirty="0"/>
-              <a:t>RK4</a:t>
+              <a:t>II. 4</a:t>
+            </a:r>
+            <a:r>
+              <a:rPr lang="en-US" baseline="30000" dirty="0"/>
+              <a:t>th</a:t>
+            </a:r>
+            <a:r>
+              <a:rPr lang="en-US" dirty="0"/>
+              <a:t> Order Runge-</a:t>
+            </a:r>
+            <a:r>
+              <a:rPr lang="en-US" dirty="0" err="1"/>
+              <a:t>Kutta</a:t>
+            </a:r>
+            <a:r>
+              <a:rPr lang="en-US" dirty="0"/>
+              <a:t> Integration Algorithm </a:t>
             </a:r>
             <a:endParaRPr dirty="0"/>
           </a:p>
@@ -15802,6 +18279,651 @@
               <a:buNone/>
             </a:pPr>
             <a:endParaRPr dirty="0"/>
+          </a:p>
+        </p:txBody>
+      </p:sp>
+      <p:sp>
+        <p:nvSpPr>
+          <p:cNvPr id="5" name="Text Placeholder 2">
+            <a:extLst>
+              <a:ext uri="{FF2B5EF4-FFF2-40B4-BE49-F238E27FC236}">
+                <a16:creationId xmlns:a16="http://schemas.microsoft.com/office/drawing/2014/main" id="{E765F6E3-61EF-4B3A-B8BB-77EBED82DA73}"/>
+              </a:ext>
+            </a:extLst>
+          </p:cNvPr>
+          <p:cNvSpPr txBox="1">
+            <a:spLocks/>
+          </p:cNvSpPr>
+          <p:nvPr/>
+        </p:nvSpPr>
+        <p:spPr>
+          <a:xfrm>
+            <a:off x="440853" y="1282075"/>
+            <a:ext cx="8520600" cy="3416400"/>
+          </a:xfrm>
+          <a:prstGeom prst="rect">
+            <a:avLst/>
+          </a:prstGeom>
+          <a:noFill/>
+          <a:ln>
+            <a:noFill/>
+          </a:ln>
+          <a:effectLst>
+            <a:outerShdw blurRad="25400" dir="17880000">
+              <a:srgbClr val="000000">
+                <a:alpha val="46000"/>
+              </a:srgbClr>
+            </a:outerShdw>
+          </a:effectLst>
+        </p:spPr>
+        <p:txBody>
+          <a:bodyPr spcFirstLastPara="1" vert="horz" wrap="square" lIns="91425" tIns="91425" rIns="91425" bIns="91425" rtlCol="0" anchor="t" anchorCtr="0">
+            <a:normAutofit lnSpcReduction="10000"/>
+          </a:bodyPr>
+          <a:lstStyle>
+            <a:lvl1pPr marL="457200" lvl="0" indent="-342900" algn="l" defTabSz="342900" rtl="0" eaLnBrk="1" latinLnBrk="0" hangingPunct="1">
+              <a:lnSpc>
+                <a:spcPct val="115000"/>
+              </a:lnSpc>
+              <a:spcBef>
+                <a:spcPts val="0"/>
+              </a:spcBef>
+              <a:spcAft>
+                <a:spcPts val="0"/>
+              </a:spcAft>
+              <a:buClr>
+                <a:schemeClr val="tx2"/>
+              </a:buClr>
+              <a:buSzPts val="1800"/>
+              <a:buFont typeface="Wingdings 2" charset="2"/>
+              <a:buChar char="●"/>
+              <a:defRPr sz="1500" kern="1200">
+                <a:ln>
+                  <a:solidFill>
+                    <a:schemeClr val="bg1">
+                      <a:lumMod val="75000"/>
+                      <a:lumOff val="25000"/>
+                      <a:alpha val="10000"/>
+                    </a:schemeClr>
+                  </a:solidFill>
+                </a:ln>
+                <a:solidFill>
+                  <a:schemeClr val="tx2"/>
+                </a:solidFill>
+                <a:effectLst>
+                  <a:outerShdw blurRad="9525" dist="25400" dir="14640000" algn="tl" rotWithShape="0">
+                    <a:schemeClr val="bg1">
+                      <a:alpha val="30000"/>
+                    </a:schemeClr>
+                  </a:outerShdw>
+                </a:effectLst>
+                <a:latin typeface="+mn-lt"/>
+                <a:ea typeface="+mn-ea"/>
+                <a:cs typeface="+mn-cs"/>
+              </a:defRPr>
+            </a:lvl1pPr>
+            <a:lvl2pPr marL="914400" lvl="1" indent="-317500" algn="l" defTabSz="342900" rtl="0" eaLnBrk="1" latinLnBrk="0" hangingPunct="1">
+              <a:lnSpc>
+                <a:spcPct val="115000"/>
+              </a:lnSpc>
+              <a:spcBef>
+                <a:spcPts val="0"/>
+              </a:spcBef>
+              <a:spcAft>
+                <a:spcPts val="0"/>
+              </a:spcAft>
+              <a:buClr>
+                <a:schemeClr val="tx2"/>
+              </a:buClr>
+              <a:buSzPts val="1400"/>
+              <a:buFont typeface="Wingdings 2" charset="2"/>
+              <a:buChar char="○"/>
+              <a:defRPr sz="1350" kern="1200">
+                <a:ln>
+                  <a:solidFill>
+                    <a:schemeClr val="bg1">
+                      <a:lumMod val="75000"/>
+                      <a:lumOff val="25000"/>
+                      <a:alpha val="10000"/>
+                    </a:schemeClr>
+                  </a:solidFill>
+                </a:ln>
+                <a:solidFill>
+                  <a:schemeClr val="tx2"/>
+                </a:solidFill>
+                <a:effectLst>
+                  <a:outerShdw blurRad="9525" dist="25400" dir="14640000" algn="tl" rotWithShape="0">
+                    <a:schemeClr val="bg1">
+                      <a:alpha val="30000"/>
+                    </a:schemeClr>
+                  </a:outerShdw>
+                </a:effectLst>
+                <a:latin typeface="+mn-lt"/>
+                <a:ea typeface="+mn-ea"/>
+                <a:cs typeface="+mn-cs"/>
+              </a:defRPr>
+            </a:lvl2pPr>
+            <a:lvl3pPr marL="1371600" lvl="2" indent="-317500" algn="l" defTabSz="342900" rtl="0" eaLnBrk="1" latinLnBrk="0" hangingPunct="1">
+              <a:lnSpc>
+                <a:spcPct val="115000"/>
+              </a:lnSpc>
+              <a:spcBef>
+                <a:spcPts val="0"/>
+              </a:spcBef>
+              <a:spcAft>
+                <a:spcPts val="0"/>
+              </a:spcAft>
+              <a:buClr>
+                <a:schemeClr val="tx2"/>
+              </a:buClr>
+              <a:buSzPts val="1400"/>
+              <a:buFont typeface="Wingdings 2" charset="2"/>
+              <a:buChar char="■"/>
+              <a:defRPr sz="1200" kern="1200">
+                <a:ln>
+                  <a:solidFill>
+                    <a:schemeClr val="bg1">
+                      <a:lumMod val="75000"/>
+                      <a:lumOff val="25000"/>
+                      <a:alpha val="10000"/>
+                    </a:schemeClr>
+                  </a:solidFill>
+                </a:ln>
+                <a:solidFill>
+                  <a:schemeClr val="tx2"/>
+                </a:solidFill>
+                <a:effectLst>
+                  <a:outerShdw blurRad="9525" dist="25400" dir="14640000" algn="tl" rotWithShape="0">
+                    <a:schemeClr val="bg1">
+                      <a:alpha val="30000"/>
+                    </a:schemeClr>
+                  </a:outerShdw>
+                </a:effectLst>
+                <a:latin typeface="+mn-lt"/>
+                <a:ea typeface="+mn-ea"/>
+                <a:cs typeface="+mn-cs"/>
+              </a:defRPr>
+            </a:lvl3pPr>
+            <a:lvl4pPr marL="1828800" lvl="3" indent="-317500" algn="l" defTabSz="342900" rtl="0" eaLnBrk="1" latinLnBrk="0" hangingPunct="1">
+              <a:lnSpc>
+                <a:spcPct val="115000"/>
+              </a:lnSpc>
+              <a:spcBef>
+                <a:spcPts val="0"/>
+              </a:spcBef>
+              <a:spcAft>
+                <a:spcPts val="0"/>
+              </a:spcAft>
+              <a:buClr>
+                <a:schemeClr val="tx2"/>
+              </a:buClr>
+              <a:buSzPts val="1400"/>
+              <a:buFont typeface="Wingdings 2" charset="2"/>
+              <a:buChar char="●"/>
+              <a:defRPr sz="1050" kern="1200">
+                <a:ln>
+                  <a:solidFill>
+                    <a:schemeClr val="bg1">
+                      <a:lumMod val="75000"/>
+                      <a:lumOff val="25000"/>
+                      <a:alpha val="10000"/>
+                    </a:schemeClr>
+                  </a:solidFill>
+                </a:ln>
+                <a:solidFill>
+                  <a:schemeClr val="tx2"/>
+                </a:solidFill>
+                <a:effectLst>
+                  <a:outerShdw blurRad="9525" dist="25400" dir="14640000" algn="tl" rotWithShape="0">
+                    <a:schemeClr val="bg1">
+                      <a:alpha val="30000"/>
+                    </a:schemeClr>
+                  </a:outerShdw>
+                </a:effectLst>
+                <a:latin typeface="+mn-lt"/>
+                <a:ea typeface="+mn-ea"/>
+                <a:cs typeface="+mn-cs"/>
+              </a:defRPr>
+            </a:lvl4pPr>
+            <a:lvl5pPr marL="2286000" lvl="4" indent="-317500" algn="l" defTabSz="342900" rtl="0" eaLnBrk="1" latinLnBrk="0" hangingPunct="1">
+              <a:lnSpc>
+                <a:spcPct val="115000"/>
+              </a:lnSpc>
+              <a:spcBef>
+                <a:spcPts val="0"/>
+              </a:spcBef>
+              <a:spcAft>
+                <a:spcPts val="0"/>
+              </a:spcAft>
+              <a:buClr>
+                <a:schemeClr val="tx2"/>
+              </a:buClr>
+              <a:buSzPts val="1400"/>
+              <a:buFont typeface="Wingdings 2" charset="2"/>
+              <a:buChar char="○"/>
+              <a:defRPr sz="1050" kern="1200">
+                <a:ln>
+                  <a:solidFill>
+                    <a:schemeClr val="bg1">
+                      <a:lumMod val="75000"/>
+                      <a:lumOff val="25000"/>
+                      <a:alpha val="10000"/>
+                    </a:schemeClr>
+                  </a:solidFill>
+                </a:ln>
+                <a:solidFill>
+                  <a:schemeClr val="tx2"/>
+                </a:solidFill>
+                <a:effectLst>
+                  <a:outerShdw blurRad="9525" dist="25400" dir="14640000" algn="tl" rotWithShape="0">
+                    <a:schemeClr val="bg1">
+                      <a:alpha val="30000"/>
+                    </a:schemeClr>
+                  </a:outerShdw>
+                </a:effectLst>
+                <a:latin typeface="+mn-lt"/>
+                <a:ea typeface="+mn-ea"/>
+                <a:cs typeface="+mn-cs"/>
+              </a:defRPr>
+            </a:lvl5pPr>
+            <a:lvl6pPr marL="2743200" lvl="5" indent="-317500" algn="l" defTabSz="342900" rtl="0" eaLnBrk="1" latinLnBrk="0" hangingPunct="1">
+              <a:lnSpc>
+                <a:spcPct val="115000"/>
+              </a:lnSpc>
+              <a:spcBef>
+                <a:spcPts val="0"/>
+              </a:spcBef>
+              <a:spcAft>
+                <a:spcPts val="0"/>
+              </a:spcAft>
+              <a:buClr>
+                <a:schemeClr val="tx2"/>
+              </a:buClr>
+              <a:buSzPts val="1400"/>
+              <a:buFont typeface="Wingdings 2" charset="2"/>
+              <a:buChar char="■"/>
+              <a:defRPr sz="1050" kern="1200">
+                <a:ln>
+                  <a:solidFill>
+                    <a:schemeClr val="bg1">
+                      <a:lumMod val="75000"/>
+                      <a:lumOff val="25000"/>
+                      <a:alpha val="10000"/>
+                    </a:schemeClr>
+                  </a:solidFill>
+                </a:ln>
+                <a:solidFill>
+                  <a:schemeClr val="tx2"/>
+                </a:solidFill>
+                <a:effectLst>
+                  <a:outerShdw blurRad="9525" dist="25400" dir="14640000" algn="tl" rotWithShape="0">
+                    <a:schemeClr val="bg1">
+                      <a:alpha val="30000"/>
+                    </a:schemeClr>
+                  </a:outerShdw>
+                </a:effectLst>
+                <a:latin typeface="+mn-lt"/>
+                <a:ea typeface="+mn-ea"/>
+                <a:cs typeface="+mn-cs"/>
+              </a:defRPr>
+            </a:lvl6pPr>
+            <a:lvl7pPr marL="3200400" lvl="6" indent="-317500" algn="l" defTabSz="342900" rtl="0" eaLnBrk="1" latinLnBrk="0" hangingPunct="1">
+              <a:lnSpc>
+                <a:spcPct val="115000"/>
+              </a:lnSpc>
+              <a:spcBef>
+                <a:spcPts val="0"/>
+              </a:spcBef>
+              <a:spcAft>
+                <a:spcPts val="0"/>
+              </a:spcAft>
+              <a:buClr>
+                <a:schemeClr val="tx2"/>
+              </a:buClr>
+              <a:buSzPts val="1400"/>
+              <a:buFont typeface="Wingdings 2" charset="2"/>
+              <a:buChar char="●"/>
+              <a:defRPr sz="1050" kern="1200">
+                <a:ln>
+                  <a:solidFill>
+                    <a:schemeClr val="bg1">
+                      <a:lumMod val="75000"/>
+                      <a:lumOff val="25000"/>
+                      <a:alpha val="10000"/>
+                    </a:schemeClr>
+                  </a:solidFill>
+                </a:ln>
+                <a:solidFill>
+                  <a:schemeClr val="tx2"/>
+                </a:solidFill>
+                <a:effectLst>
+                  <a:outerShdw blurRad="9525" dist="25400" dir="14640000" algn="tl" rotWithShape="0">
+                    <a:schemeClr val="bg1">
+                      <a:alpha val="30000"/>
+                    </a:schemeClr>
+                  </a:outerShdw>
+                </a:effectLst>
+                <a:latin typeface="+mn-lt"/>
+                <a:ea typeface="+mn-ea"/>
+                <a:cs typeface="+mn-cs"/>
+              </a:defRPr>
+            </a:lvl7pPr>
+            <a:lvl8pPr marL="3657600" lvl="7" indent="-317500" algn="l" defTabSz="342900" rtl="0" eaLnBrk="1" latinLnBrk="0" hangingPunct="1">
+              <a:lnSpc>
+                <a:spcPct val="115000"/>
+              </a:lnSpc>
+              <a:spcBef>
+                <a:spcPts val="0"/>
+              </a:spcBef>
+              <a:spcAft>
+                <a:spcPts val="0"/>
+              </a:spcAft>
+              <a:buClr>
+                <a:schemeClr val="tx2"/>
+              </a:buClr>
+              <a:buSzPts val="1400"/>
+              <a:buFont typeface="Wingdings 2" charset="2"/>
+              <a:buChar char="○"/>
+              <a:defRPr sz="1050" kern="1200">
+                <a:ln>
+                  <a:solidFill>
+                    <a:schemeClr val="bg1">
+                      <a:lumMod val="75000"/>
+                      <a:lumOff val="25000"/>
+                      <a:alpha val="10000"/>
+                    </a:schemeClr>
+                  </a:solidFill>
+                </a:ln>
+                <a:solidFill>
+                  <a:schemeClr val="tx2"/>
+                </a:solidFill>
+                <a:effectLst>
+                  <a:outerShdw blurRad="9525" dist="25400" dir="14640000" algn="tl" rotWithShape="0">
+                    <a:schemeClr val="bg1">
+                      <a:alpha val="30000"/>
+                    </a:schemeClr>
+                  </a:outerShdw>
+                </a:effectLst>
+                <a:latin typeface="+mn-lt"/>
+                <a:ea typeface="+mn-ea"/>
+                <a:cs typeface="+mn-cs"/>
+              </a:defRPr>
+            </a:lvl8pPr>
+            <a:lvl9pPr marL="4114800" lvl="8" indent="-317500" algn="l" defTabSz="342900" rtl="0" eaLnBrk="1" latinLnBrk="0" hangingPunct="1">
+              <a:lnSpc>
+                <a:spcPct val="115000"/>
+              </a:lnSpc>
+              <a:spcBef>
+                <a:spcPts val="0"/>
+              </a:spcBef>
+              <a:spcAft>
+                <a:spcPts val="0"/>
+              </a:spcAft>
+              <a:buClr>
+                <a:schemeClr val="tx2"/>
+              </a:buClr>
+              <a:buSzPts val="1400"/>
+              <a:buFont typeface="Wingdings 2" charset="2"/>
+              <a:buChar char="■"/>
+              <a:defRPr sz="1050" kern="1200">
+                <a:ln>
+                  <a:solidFill>
+                    <a:schemeClr val="bg1">
+                      <a:lumMod val="75000"/>
+                      <a:lumOff val="25000"/>
+                      <a:alpha val="10000"/>
+                    </a:schemeClr>
+                  </a:solidFill>
+                </a:ln>
+                <a:solidFill>
+                  <a:schemeClr val="tx2"/>
+                </a:solidFill>
+                <a:effectLst>
+                  <a:outerShdw blurRad="9525" dist="25400" dir="14640000" algn="tl" rotWithShape="0">
+                    <a:schemeClr val="bg1">
+                      <a:alpha val="30000"/>
+                    </a:schemeClr>
+                  </a:outerShdw>
+                </a:effectLst>
+                <a:latin typeface="+mn-lt"/>
+                <a:ea typeface="+mn-ea"/>
+                <a:cs typeface="+mn-cs"/>
+              </a:defRPr>
+            </a:lvl9pPr>
+          </a:lstStyle>
+          <a:p>
+            <a:r>
+              <a:rPr lang="en-US" sz="2000" dirty="0">
+                <a:effectLst>
+                  <a:outerShdw blurRad="38100" dist="38100" dir="2700000" algn="tl">
+                    <a:srgbClr val="000000">
+                      <a:alpha val="43137"/>
+                    </a:srgbClr>
+                  </a:outerShdw>
+                </a:effectLst>
+                <a:sym typeface="Lora"/>
+              </a:rPr>
+              <a:t>Given a vector field that defines a trajectory have differential equations to solve</a:t>
+            </a:r>
+          </a:p>
+          <a:p>
+            <a:r>
+              <a:rPr lang="en-US" sz="2000" dirty="0">
+                <a:effectLst>
+                  <a:outerShdw blurRad="38100" dist="38100" dir="2700000" algn="tl">
+                    <a:srgbClr val="000000">
+                      <a:alpha val="43137"/>
+                    </a:srgbClr>
+                  </a:outerShdw>
+                </a:effectLst>
+                <a:sym typeface="Lora"/>
+              </a:rPr>
+              <a:t>Instead of integrating equations (because the equations could be non-linear) could use Runge-</a:t>
+            </a:r>
+            <a:r>
+              <a:rPr lang="en-US" sz="2000" dirty="0" err="1">
+                <a:effectLst>
+                  <a:outerShdw blurRad="38100" dist="38100" dir="2700000" algn="tl">
+                    <a:srgbClr val="000000">
+                      <a:alpha val="43137"/>
+                    </a:srgbClr>
+                  </a:outerShdw>
+                </a:effectLst>
+                <a:sym typeface="Lora"/>
+              </a:rPr>
+              <a:t>Kutta</a:t>
+            </a:r>
+            <a:r>
+              <a:rPr lang="en-US" sz="2000" dirty="0">
+                <a:effectLst>
+                  <a:outerShdw blurRad="38100" dist="38100" dir="2700000" algn="tl">
+                    <a:srgbClr val="000000">
+                      <a:alpha val="43137"/>
+                    </a:srgbClr>
+                  </a:outerShdw>
+                </a:effectLst>
+                <a:sym typeface="Lora"/>
+              </a:rPr>
+              <a:t> method to estimate y given initial condition</a:t>
+            </a:r>
+          </a:p>
+          <a:p>
+            <a:pPr lvl="1"/>
+            <a:r>
+              <a:rPr lang="en-US" sz="1850" dirty="0">
+                <a:effectLst>
+                  <a:outerShdw blurRad="38100" dist="38100" dir="2700000" algn="tl">
+                    <a:srgbClr val="000000">
+                      <a:alpha val="43137"/>
+                    </a:srgbClr>
+                  </a:outerShdw>
+                </a:effectLst>
+                <a:sym typeface="Lora"/>
+              </a:rPr>
+              <a:t>The Runge-</a:t>
+            </a:r>
+            <a:r>
+              <a:rPr lang="en-US" sz="1850" dirty="0" err="1">
+                <a:effectLst>
+                  <a:outerShdw blurRad="38100" dist="38100" dir="2700000" algn="tl">
+                    <a:srgbClr val="000000">
+                      <a:alpha val="43137"/>
+                    </a:srgbClr>
+                  </a:outerShdw>
+                </a:effectLst>
+                <a:sym typeface="Lora"/>
+              </a:rPr>
+              <a:t>Kutta</a:t>
+            </a:r>
+            <a:r>
+              <a:rPr lang="en-US" sz="1850" dirty="0">
+                <a:effectLst>
+                  <a:outerShdw blurRad="38100" dist="38100" dir="2700000" algn="tl">
+                    <a:srgbClr val="000000">
+                      <a:alpha val="43137"/>
+                    </a:srgbClr>
+                  </a:outerShdw>
+                </a:effectLst>
+                <a:sym typeface="Lora"/>
+              </a:rPr>
+              <a:t> method finds the next value yn+1 from the present value </a:t>
+            </a:r>
+            <a:r>
+              <a:rPr lang="en-US" sz="1850" dirty="0" err="1">
+                <a:effectLst>
+                  <a:outerShdw blurRad="38100" dist="38100" dir="2700000" algn="tl">
+                    <a:srgbClr val="000000">
+                      <a:alpha val="43137"/>
+                    </a:srgbClr>
+                  </a:outerShdw>
+                </a:effectLst>
+                <a:sym typeface="Lora"/>
+              </a:rPr>
+              <a:t>yn</a:t>
+            </a:r>
+            <a:r>
+              <a:rPr lang="en-US" sz="1850" dirty="0">
+                <a:effectLst>
+                  <a:outerShdw blurRad="38100" dist="38100" dir="2700000" algn="tl">
+                    <a:srgbClr val="000000">
+                      <a:alpha val="43137"/>
+                    </a:srgbClr>
+                  </a:outerShdw>
+                </a:effectLst>
+                <a:sym typeface="Lora"/>
+              </a:rPr>
+              <a:t> with the help of following equation:</a:t>
+            </a:r>
+          </a:p>
+          <a:p>
+            <a:pPr lvl="2"/>
+            <a:r>
+              <a:rPr lang="en-US" sz="1700" dirty="0">
+                <a:effectLst>
+                  <a:outerShdw blurRad="38100" dist="38100" dir="2700000" algn="tl">
+                    <a:srgbClr val="000000">
+                      <a:alpha val="43137"/>
+                    </a:srgbClr>
+                  </a:outerShdw>
+                </a:effectLst>
+                <a:sym typeface="Lora"/>
+              </a:rPr>
+              <a:t>yn+1 = </a:t>
+            </a:r>
+            <a:r>
+              <a:rPr lang="en-US" sz="1700" dirty="0" err="1">
+                <a:effectLst>
+                  <a:outerShdw blurRad="38100" dist="38100" dir="2700000" algn="tl">
+                    <a:srgbClr val="000000">
+                      <a:alpha val="43137"/>
+                    </a:srgbClr>
+                  </a:outerShdw>
+                </a:effectLst>
+                <a:sym typeface="Lora"/>
+              </a:rPr>
+              <a:t>yn</a:t>
+            </a:r>
+            <a:r>
+              <a:rPr lang="en-US" sz="1700" dirty="0">
+                <a:effectLst>
+                  <a:outerShdw blurRad="38100" dist="38100" dir="2700000" algn="tl">
+                    <a:srgbClr val="000000">
+                      <a:alpha val="43137"/>
+                    </a:srgbClr>
+                  </a:outerShdw>
+                </a:effectLst>
+                <a:sym typeface="Lora"/>
+              </a:rPr>
+              <a:t> + h/6 (k1 + 2 * k2 + 2 * k3 + k4)</a:t>
+            </a:r>
+          </a:p>
+          <a:p>
+            <a:r>
+              <a:rPr lang="en-US" sz="2000" dirty="0">
+                <a:effectLst>
+                  <a:outerShdw blurRad="38100" dist="38100" dir="2700000" algn="tl">
+                    <a:srgbClr val="000000">
+                      <a:alpha val="43137"/>
+                    </a:srgbClr>
+                  </a:outerShdw>
+                </a:effectLst>
+                <a:sym typeface="Lora"/>
+              </a:rPr>
+              <a:t>More specifically, the </a:t>
+            </a:r>
+            <a:r>
+              <a:rPr lang="en-US" sz="2000" dirty="0" err="1">
+                <a:effectLst>
+                  <a:outerShdw blurRad="38100" dist="38100" dir="2700000" algn="tl">
+                    <a:srgbClr val="000000">
+                      <a:alpha val="43137"/>
+                    </a:srgbClr>
+                  </a:outerShdw>
+                </a:effectLst>
+                <a:sym typeface="Lora"/>
+              </a:rPr>
+              <a:t>Nyström</a:t>
+            </a:r>
+            <a:r>
+              <a:rPr lang="en-US" sz="2000" dirty="0">
+                <a:effectLst>
+                  <a:outerShdw blurRad="38100" dist="38100" dir="2700000" algn="tl">
+                    <a:srgbClr val="000000">
+                      <a:alpha val="43137"/>
+                    </a:srgbClr>
+                  </a:outerShdw>
+                </a:effectLst>
+                <a:sym typeface="Lora"/>
+              </a:rPr>
+              <a:t> modification of the fourth-order Runge-</a:t>
+            </a:r>
+            <a:r>
+              <a:rPr lang="en-US" sz="2000" dirty="0" err="1">
+                <a:effectLst>
+                  <a:outerShdw blurRad="38100" dist="38100" dir="2700000" algn="tl">
+                    <a:srgbClr val="000000">
+                      <a:alpha val="43137"/>
+                    </a:srgbClr>
+                  </a:outerShdw>
+                </a:effectLst>
+                <a:sym typeface="Lora"/>
+              </a:rPr>
+              <a:t>Kutta</a:t>
+            </a:r>
+            <a:r>
+              <a:rPr lang="en-US" sz="2000" dirty="0">
+                <a:effectLst>
+                  <a:outerShdw blurRad="38100" dist="38100" dir="2700000" algn="tl">
+                    <a:srgbClr val="000000">
+                      <a:alpha val="43137"/>
+                    </a:srgbClr>
+                  </a:outerShdw>
+                </a:effectLst>
+                <a:sym typeface="Lora"/>
+              </a:rPr>
+              <a:t> method for second order differential equation with initial condition</a:t>
+            </a:r>
+            <a:endParaRPr lang="en-US" dirty="0"/>
           </a:p>
         </p:txBody>
       </p:sp>
@@ -15867,7 +18989,7 @@
             </a:pPr>
             <a:r>
               <a:rPr lang="en-US" dirty="0"/>
-              <a:t>SE(3) Controller </a:t>
+              <a:t>III. SE(3) Controller </a:t>
             </a:r>
             <a:endParaRPr dirty="0"/>
           </a:p>
@@ -15920,6 +19042,459 @@
               <a:buNone/>
             </a:pPr>
             <a:endParaRPr dirty="0"/>
+          </a:p>
+        </p:txBody>
+      </p:sp>
+      <p:sp>
+        <p:nvSpPr>
+          <p:cNvPr id="4" name="Text Placeholder 2">
+            <a:extLst>
+              <a:ext uri="{FF2B5EF4-FFF2-40B4-BE49-F238E27FC236}">
+                <a16:creationId xmlns:a16="http://schemas.microsoft.com/office/drawing/2014/main" id="{560168B2-2BB1-476F-BFD0-B916393FCD80}"/>
+              </a:ext>
+            </a:extLst>
+          </p:cNvPr>
+          <p:cNvSpPr txBox="1">
+            <a:spLocks/>
+          </p:cNvSpPr>
+          <p:nvPr/>
+        </p:nvSpPr>
+        <p:spPr>
+          <a:xfrm>
+            <a:off x="464100" y="1304875"/>
+            <a:ext cx="8520600" cy="3416400"/>
+          </a:xfrm>
+          <a:prstGeom prst="rect">
+            <a:avLst/>
+          </a:prstGeom>
+          <a:noFill/>
+          <a:ln>
+            <a:noFill/>
+          </a:ln>
+          <a:effectLst>
+            <a:outerShdw blurRad="25400" dir="17880000">
+              <a:srgbClr val="000000">
+                <a:alpha val="46000"/>
+              </a:srgbClr>
+            </a:outerShdw>
+          </a:effectLst>
+        </p:spPr>
+        <p:txBody>
+          <a:bodyPr spcFirstLastPara="1" vert="horz" wrap="square" lIns="91425" tIns="91425" rIns="91425" bIns="91425" rtlCol="0" anchor="t" anchorCtr="0">
+            <a:normAutofit/>
+          </a:bodyPr>
+          <a:lstStyle>
+            <a:lvl1pPr marL="457200" lvl="0" indent="-342900" algn="l" defTabSz="342900" rtl="0" eaLnBrk="1" latinLnBrk="0" hangingPunct="1">
+              <a:lnSpc>
+                <a:spcPct val="115000"/>
+              </a:lnSpc>
+              <a:spcBef>
+                <a:spcPts val="0"/>
+              </a:spcBef>
+              <a:spcAft>
+                <a:spcPts val="0"/>
+              </a:spcAft>
+              <a:buClr>
+                <a:schemeClr val="tx2"/>
+              </a:buClr>
+              <a:buSzPts val="1800"/>
+              <a:buFont typeface="Wingdings 2" charset="2"/>
+              <a:buChar char="●"/>
+              <a:defRPr sz="1500" kern="1200">
+                <a:ln>
+                  <a:solidFill>
+                    <a:schemeClr val="bg1">
+                      <a:lumMod val="75000"/>
+                      <a:lumOff val="25000"/>
+                      <a:alpha val="10000"/>
+                    </a:schemeClr>
+                  </a:solidFill>
+                </a:ln>
+                <a:solidFill>
+                  <a:schemeClr val="tx2"/>
+                </a:solidFill>
+                <a:effectLst>
+                  <a:outerShdw blurRad="9525" dist="25400" dir="14640000" algn="tl" rotWithShape="0">
+                    <a:schemeClr val="bg1">
+                      <a:alpha val="30000"/>
+                    </a:schemeClr>
+                  </a:outerShdw>
+                </a:effectLst>
+                <a:latin typeface="+mn-lt"/>
+                <a:ea typeface="+mn-ea"/>
+                <a:cs typeface="+mn-cs"/>
+              </a:defRPr>
+            </a:lvl1pPr>
+            <a:lvl2pPr marL="914400" lvl="1" indent="-317500" algn="l" defTabSz="342900" rtl="0" eaLnBrk="1" latinLnBrk="0" hangingPunct="1">
+              <a:lnSpc>
+                <a:spcPct val="115000"/>
+              </a:lnSpc>
+              <a:spcBef>
+                <a:spcPts val="0"/>
+              </a:spcBef>
+              <a:spcAft>
+                <a:spcPts val="0"/>
+              </a:spcAft>
+              <a:buClr>
+                <a:schemeClr val="tx2"/>
+              </a:buClr>
+              <a:buSzPts val="1400"/>
+              <a:buFont typeface="Wingdings 2" charset="2"/>
+              <a:buChar char="○"/>
+              <a:defRPr sz="1350" kern="1200">
+                <a:ln>
+                  <a:solidFill>
+                    <a:schemeClr val="bg1">
+                      <a:lumMod val="75000"/>
+                      <a:lumOff val="25000"/>
+                      <a:alpha val="10000"/>
+                    </a:schemeClr>
+                  </a:solidFill>
+                </a:ln>
+                <a:solidFill>
+                  <a:schemeClr val="tx2"/>
+                </a:solidFill>
+                <a:effectLst>
+                  <a:outerShdw blurRad="9525" dist="25400" dir="14640000" algn="tl" rotWithShape="0">
+                    <a:schemeClr val="bg1">
+                      <a:alpha val="30000"/>
+                    </a:schemeClr>
+                  </a:outerShdw>
+                </a:effectLst>
+                <a:latin typeface="+mn-lt"/>
+                <a:ea typeface="+mn-ea"/>
+                <a:cs typeface="+mn-cs"/>
+              </a:defRPr>
+            </a:lvl2pPr>
+            <a:lvl3pPr marL="1371600" lvl="2" indent="-317500" algn="l" defTabSz="342900" rtl="0" eaLnBrk="1" latinLnBrk="0" hangingPunct="1">
+              <a:lnSpc>
+                <a:spcPct val="115000"/>
+              </a:lnSpc>
+              <a:spcBef>
+                <a:spcPts val="0"/>
+              </a:spcBef>
+              <a:spcAft>
+                <a:spcPts val="0"/>
+              </a:spcAft>
+              <a:buClr>
+                <a:schemeClr val="tx2"/>
+              </a:buClr>
+              <a:buSzPts val="1400"/>
+              <a:buFont typeface="Wingdings 2" charset="2"/>
+              <a:buChar char="■"/>
+              <a:defRPr sz="1200" kern="1200">
+                <a:ln>
+                  <a:solidFill>
+                    <a:schemeClr val="bg1">
+                      <a:lumMod val="75000"/>
+                      <a:lumOff val="25000"/>
+                      <a:alpha val="10000"/>
+                    </a:schemeClr>
+                  </a:solidFill>
+                </a:ln>
+                <a:solidFill>
+                  <a:schemeClr val="tx2"/>
+                </a:solidFill>
+                <a:effectLst>
+                  <a:outerShdw blurRad="9525" dist="25400" dir="14640000" algn="tl" rotWithShape="0">
+                    <a:schemeClr val="bg1">
+                      <a:alpha val="30000"/>
+                    </a:schemeClr>
+                  </a:outerShdw>
+                </a:effectLst>
+                <a:latin typeface="+mn-lt"/>
+                <a:ea typeface="+mn-ea"/>
+                <a:cs typeface="+mn-cs"/>
+              </a:defRPr>
+            </a:lvl3pPr>
+            <a:lvl4pPr marL="1828800" lvl="3" indent="-317500" algn="l" defTabSz="342900" rtl="0" eaLnBrk="1" latinLnBrk="0" hangingPunct="1">
+              <a:lnSpc>
+                <a:spcPct val="115000"/>
+              </a:lnSpc>
+              <a:spcBef>
+                <a:spcPts val="0"/>
+              </a:spcBef>
+              <a:spcAft>
+                <a:spcPts val="0"/>
+              </a:spcAft>
+              <a:buClr>
+                <a:schemeClr val="tx2"/>
+              </a:buClr>
+              <a:buSzPts val="1400"/>
+              <a:buFont typeface="Wingdings 2" charset="2"/>
+              <a:buChar char="●"/>
+              <a:defRPr sz="1050" kern="1200">
+                <a:ln>
+                  <a:solidFill>
+                    <a:schemeClr val="bg1">
+                      <a:lumMod val="75000"/>
+                      <a:lumOff val="25000"/>
+                      <a:alpha val="10000"/>
+                    </a:schemeClr>
+                  </a:solidFill>
+                </a:ln>
+                <a:solidFill>
+                  <a:schemeClr val="tx2"/>
+                </a:solidFill>
+                <a:effectLst>
+                  <a:outerShdw blurRad="9525" dist="25400" dir="14640000" algn="tl" rotWithShape="0">
+                    <a:schemeClr val="bg1">
+                      <a:alpha val="30000"/>
+                    </a:schemeClr>
+                  </a:outerShdw>
+                </a:effectLst>
+                <a:latin typeface="+mn-lt"/>
+                <a:ea typeface="+mn-ea"/>
+                <a:cs typeface="+mn-cs"/>
+              </a:defRPr>
+            </a:lvl4pPr>
+            <a:lvl5pPr marL="2286000" lvl="4" indent="-317500" algn="l" defTabSz="342900" rtl="0" eaLnBrk="1" latinLnBrk="0" hangingPunct="1">
+              <a:lnSpc>
+                <a:spcPct val="115000"/>
+              </a:lnSpc>
+              <a:spcBef>
+                <a:spcPts val="0"/>
+              </a:spcBef>
+              <a:spcAft>
+                <a:spcPts val="0"/>
+              </a:spcAft>
+              <a:buClr>
+                <a:schemeClr val="tx2"/>
+              </a:buClr>
+              <a:buSzPts val="1400"/>
+              <a:buFont typeface="Wingdings 2" charset="2"/>
+              <a:buChar char="○"/>
+              <a:defRPr sz="1050" kern="1200">
+                <a:ln>
+                  <a:solidFill>
+                    <a:schemeClr val="bg1">
+                      <a:lumMod val="75000"/>
+                      <a:lumOff val="25000"/>
+                      <a:alpha val="10000"/>
+                    </a:schemeClr>
+                  </a:solidFill>
+                </a:ln>
+                <a:solidFill>
+                  <a:schemeClr val="tx2"/>
+                </a:solidFill>
+                <a:effectLst>
+                  <a:outerShdw blurRad="9525" dist="25400" dir="14640000" algn="tl" rotWithShape="0">
+                    <a:schemeClr val="bg1">
+                      <a:alpha val="30000"/>
+                    </a:schemeClr>
+                  </a:outerShdw>
+                </a:effectLst>
+                <a:latin typeface="+mn-lt"/>
+                <a:ea typeface="+mn-ea"/>
+                <a:cs typeface="+mn-cs"/>
+              </a:defRPr>
+            </a:lvl5pPr>
+            <a:lvl6pPr marL="2743200" lvl="5" indent="-317500" algn="l" defTabSz="342900" rtl="0" eaLnBrk="1" latinLnBrk="0" hangingPunct="1">
+              <a:lnSpc>
+                <a:spcPct val="115000"/>
+              </a:lnSpc>
+              <a:spcBef>
+                <a:spcPts val="0"/>
+              </a:spcBef>
+              <a:spcAft>
+                <a:spcPts val="0"/>
+              </a:spcAft>
+              <a:buClr>
+                <a:schemeClr val="tx2"/>
+              </a:buClr>
+              <a:buSzPts val="1400"/>
+              <a:buFont typeface="Wingdings 2" charset="2"/>
+              <a:buChar char="■"/>
+              <a:defRPr sz="1050" kern="1200">
+                <a:ln>
+                  <a:solidFill>
+                    <a:schemeClr val="bg1">
+                      <a:lumMod val="75000"/>
+                      <a:lumOff val="25000"/>
+                      <a:alpha val="10000"/>
+                    </a:schemeClr>
+                  </a:solidFill>
+                </a:ln>
+                <a:solidFill>
+                  <a:schemeClr val="tx2"/>
+                </a:solidFill>
+                <a:effectLst>
+                  <a:outerShdw blurRad="9525" dist="25400" dir="14640000" algn="tl" rotWithShape="0">
+                    <a:schemeClr val="bg1">
+                      <a:alpha val="30000"/>
+                    </a:schemeClr>
+                  </a:outerShdw>
+                </a:effectLst>
+                <a:latin typeface="+mn-lt"/>
+                <a:ea typeface="+mn-ea"/>
+                <a:cs typeface="+mn-cs"/>
+              </a:defRPr>
+            </a:lvl6pPr>
+            <a:lvl7pPr marL="3200400" lvl="6" indent="-317500" algn="l" defTabSz="342900" rtl="0" eaLnBrk="1" latinLnBrk="0" hangingPunct="1">
+              <a:lnSpc>
+                <a:spcPct val="115000"/>
+              </a:lnSpc>
+              <a:spcBef>
+                <a:spcPts val="0"/>
+              </a:spcBef>
+              <a:spcAft>
+                <a:spcPts val="0"/>
+              </a:spcAft>
+              <a:buClr>
+                <a:schemeClr val="tx2"/>
+              </a:buClr>
+              <a:buSzPts val="1400"/>
+              <a:buFont typeface="Wingdings 2" charset="2"/>
+              <a:buChar char="●"/>
+              <a:defRPr sz="1050" kern="1200">
+                <a:ln>
+                  <a:solidFill>
+                    <a:schemeClr val="bg1">
+                      <a:lumMod val="75000"/>
+                      <a:lumOff val="25000"/>
+                      <a:alpha val="10000"/>
+                    </a:schemeClr>
+                  </a:solidFill>
+                </a:ln>
+                <a:solidFill>
+                  <a:schemeClr val="tx2"/>
+                </a:solidFill>
+                <a:effectLst>
+                  <a:outerShdw blurRad="9525" dist="25400" dir="14640000" algn="tl" rotWithShape="0">
+                    <a:schemeClr val="bg1">
+                      <a:alpha val="30000"/>
+                    </a:schemeClr>
+                  </a:outerShdw>
+                </a:effectLst>
+                <a:latin typeface="+mn-lt"/>
+                <a:ea typeface="+mn-ea"/>
+                <a:cs typeface="+mn-cs"/>
+              </a:defRPr>
+            </a:lvl7pPr>
+            <a:lvl8pPr marL="3657600" lvl="7" indent="-317500" algn="l" defTabSz="342900" rtl="0" eaLnBrk="1" latinLnBrk="0" hangingPunct="1">
+              <a:lnSpc>
+                <a:spcPct val="115000"/>
+              </a:lnSpc>
+              <a:spcBef>
+                <a:spcPts val="0"/>
+              </a:spcBef>
+              <a:spcAft>
+                <a:spcPts val="0"/>
+              </a:spcAft>
+              <a:buClr>
+                <a:schemeClr val="tx2"/>
+              </a:buClr>
+              <a:buSzPts val="1400"/>
+              <a:buFont typeface="Wingdings 2" charset="2"/>
+              <a:buChar char="○"/>
+              <a:defRPr sz="1050" kern="1200">
+                <a:ln>
+                  <a:solidFill>
+                    <a:schemeClr val="bg1">
+                      <a:lumMod val="75000"/>
+                      <a:lumOff val="25000"/>
+                      <a:alpha val="10000"/>
+                    </a:schemeClr>
+                  </a:solidFill>
+                </a:ln>
+                <a:solidFill>
+                  <a:schemeClr val="tx2"/>
+                </a:solidFill>
+                <a:effectLst>
+                  <a:outerShdw blurRad="9525" dist="25400" dir="14640000" algn="tl" rotWithShape="0">
+                    <a:schemeClr val="bg1">
+                      <a:alpha val="30000"/>
+                    </a:schemeClr>
+                  </a:outerShdw>
+                </a:effectLst>
+                <a:latin typeface="+mn-lt"/>
+                <a:ea typeface="+mn-ea"/>
+                <a:cs typeface="+mn-cs"/>
+              </a:defRPr>
+            </a:lvl8pPr>
+            <a:lvl9pPr marL="4114800" lvl="8" indent="-317500" algn="l" defTabSz="342900" rtl="0" eaLnBrk="1" latinLnBrk="0" hangingPunct="1">
+              <a:lnSpc>
+                <a:spcPct val="115000"/>
+              </a:lnSpc>
+              <a:spcBef>
+                <a:spcPts val="0"/>
+              </a:spcBef>
+              <a:spcAft>
+                <a:spcPts val="0"/>
+              </a:spcAft>
+              <a:buClr>
+                <a:schemeClr val="tx2"/>
+              </a:buClr>
+              <a:buSzPts val="1400"/>
+              <a:buFont typeface="Wingdings 2" charset="2"/>
+              <a:buChar char="■"/>
+              <a:defRPr sz="1050" kern="1200">
+                <a:ln>
+                  <a:solidFill>
+                    <a:schemeClr val="bg1">
+                      <a:lumMod val="75000"/>
+                      <a:lumOff val="25000"/>
+                      <a:alpha val="10000"/>
+                    </a:schemeClr>
+                  </a:solidFill>
+                </a:ln>
+                <a:solidFill>
+                  <a:schemeClr val="tx2"/>
+                </a:solidFill>
+                <a:effectLst>
+                  <a:outerShdw blurRad="9525" dist="25400" dir="14640000" algn="tl" rotWithShape="0">
+                    <a:schemeClr val="bg1">
+                      <a:alpha val="30000"/>
+                    </a:schemeClr>
+                  </a:outerShdw>
+                </a:effectLst>
+                <a:latin typeface="+mn-lt"/>
+                <a:ea typeface="+mn-ea"/>
+                <a:cs typeface="+mn-cs"/>
+              </a:defRPr>
+            </a:lvl9pPr>
+          </a:lstStyle>
+          <a:p>
+            <a:r>
+              <a:rPr lang="en-US" sz="2000" dirty="0">
+                <a:effectLst>
+                  <a:outerShdw blurRad="38100" dist="38100" dir="2700000" algn="tl">
+                    <a:srgbClr val="000000">
+                      <a:alpha val="43137"/>
+                    </a:srgbClr>
+                  </a:outerShdw>
+                </a:effectLst>
+                <a:sym typeface="Lora"/>
+              </a:rPr>
+              <a:t>Use the velocity from the vector field and the estimated position from the 4</a:t>
+            </a:r>
+            <a:r>
+              <a:rPr lang="en-US" sz="2000" baseline="30000" dirty="0">
+                <a:effectLst>
+                  <a:outerShdw blurRad="38100" dist="38100" dir="2700000" algn="tl">
+                    <a:srgbClr val="000000">
+                      <a:alpha val="43137"/>
+                    </a:srgbClr>
+                  </a:outerShdw>
+                </a:effectLst>
+                <a:sym typeface="Lora"/>
+              </a:rPr>
+              <a:t>th</a:t>
+            </a:r>
+            <a:r>
+              <a:rPr lang="en-US" sz="2000" dirty="0">
+                <a:effectLst>
+                  <a:outerShdw blurRad="38100" dist="38100" dir="2700000" algn="tl">
+                    <a:srgbClr val="000000">
+                      <a:alpha val="43137"/>
+                    </a:srgbClr>
+                  </a:outerShdw>
+                </a:effectLst>
+                <a:sym typeface="Lora"/>
+              </a:rPr>
+              <a:t> Order Runge-Kunta Integration Algorithm to control the point-robot to the desired destinations </a:t>
+            </a:r>
+            <a:endParaRPr lang="en-US" dirty="0"/>
           </a:p>
         </p:txBody>
       </p:sp>
@@ -16306,7 +19881,7 @@
             </a:pPr>
             <a:r>
               <a:rPr lang="en-US" dirty="0"/>
-              <a:t>Differential Flatness Based Methods</a:t>
+              <a:t>Future Extensions: Differential Flatness</a:t>
             </a:r>
             <a:endParaRPr dirty="0"/>
           </a:p>
@@ -16362,6 +19937,966 @@
           </a:p>
         </p:txBody>
       </p:sp>
+      <p:sp>
+        <p:nvSpPr>
+          <p:cNvPr id="4" name="Text Placeholder 2">
+            <a:extLst>
+              <a:ext uri="{FF2B5EF4-FFF2-40B4-BE49-F238E27FC236}">
+                <a16:creationId xmlns:a16="http://schemas.microsoft.com/office/drawing/2014/main" id="{67F37A2F-CD01-4417-8A05-ED615E387B0F}"/>
+              </a:ext>
+            </a:extLst>
+          </p:cNvPr>
+          <p:cNvSpPr txBox="1">
+            <a:spLocks/>
+          </p:cNvSpPr>
+          <p:nvPr/>
+        </p:nvSpPr>
+        <p:spPr>
+          <a:xfrm>
+            <a:off x="464100" y="1304875"/>
+            <a:ext cx="8520600" cy="3416400"/>
+          </a:xfrm>
+          <a:prstGeom prst="rect">
+            <a:avLst/>
+          </a:prstGeom>
+          <a:noFill/>
+          <a:ln>
+            <a:noFill/>
+          </a:ln>
+          <a:effectLst>
+            <a:outerShdw blurRad="25400" dir="17880000">
+              <a:srgbClr val="000000">
+                <a:alpha val="46000"/>
+              </a:srgbClr>
+            </a:outerShdw>
+          </a:effectLst>
+        </p:spPr>
+        <p:txBody>
+          <a:bodyPr spcFirstLastPara="1" vert="horz" wrap="square" lIns="91425" tIns="91425" rIns="91425" bIns="91425" rtlCol="0" anchor="t" anchorCtr="0">
+            <a:normAutofit/>
+          </a:bodyPr>
+          <a:lstStyle>
+            <a:lvl1pPr marL="457200" lvl="0" indent="-342900" algn="l" defTabSz="342900" rtl="0" eaLnBrk="1" latinLnBrk="0" hangingPunct="1">
+              <a:lnSpc>
+                <a:spcPct val="115000"/>
+              </a:lnSpc>
+              <a:spcBef>
+                <a:spcPts val="0"/>
+              </a:spcBef>
+              <a:spcAft>
+                <a:spcPts val="0"/>
+              </a:spcAft>
+              <a:buClr>
+                <a:schemeClr val="tx2"/>
+              </a:buClr>
+              <a:buSzPts val="1800"/>
+              <a:buFont typeface="Wingdings 2" charset="2"/>
+              <a:buChar char="●"/>
+              <a:defRPr sz="1500" kern="1200">
+                <a:ln>
+                  <a:solidFill>
+                    <a:schemeClr val="bg1">
+                      <a:lumMod val="75000"/>
+                      <a:lumOff val="25000"/>
+                      <a:alpha val="10000"/>
+                    </a:schemeClr>
+                  </a:solidFill>
+                </a:ln>
+                <a:solidFill>
+                  <a:schemeClr val="tx2"/>
+                </a:solidFill>
+                <a:effectLst>
+                  <a:outerShdw blurRad="9525" dist="25400" dir="14640000" algn="tl" rotWithShape="0">
+                    <a:schemeClr val="bg1">
+                      <a:alpha val="30000"/>
+                    </a:schemeClr>
+                  </a:outerShdw>
+                </a:effectLst>
+                <a:latin typeface="+mn-lt"/>
+                <a:ea typeface="+mn-ea"/>
+                <a:cs typeface="+mn-cs"/>
+              </a:defRPr>
+            </a:lvl1pPr>
+            <a:lvl2pPr marL="914400" lvl="1" indent="-317500" algn="l" defTabSz="342900" rtl="0" eaLnBrk="1" latinLnBrk="0" hangingPunct="1">
+              <a:lnSpc>
+                <a:spcPct val="115000"/>
+              </a:lnSpc>
+              <a:spcBef>
+                <a:spcPts val="0"/>
+              </a:spcBef>
+              <a:spcAft>
+                <a:spcPts val="0"/>
+              </a:spcAft>
+              <a:buClr>
+                <a:schemeClr val="tx2"/>
+              </a:buClr>
+              <a:buSzPts val="1400"/>
+              <a:buFont typeface="Wingdings 2" charset="2"/>
+              <a:buChar char="○"/>
+              <a:defRPr sz="1350" kern="1200">
+                <a:ln>
+                  <a:solidFill>
+                    <a:schemeClr val="bg1">
+                      <a:lumMod val="75000"/>
+                      <a:lumOff val="25000"/>
+                      <a:alpha val="10000"/>
+                    </a:schemeClr>
+                  </a:solidFill>
+                </a:ln>
+                <a:solidFill>
+                  <a:schemeClr val="tx2"/>
+                </a:solidFill>
+                <a:effectLst>
+                  <a:outerShdw blurRad="9525" dist="25400" dir="14640000" algn="tl" rotWithShape="0">
+                    <a:schemeClr val="bg1">
+                      <a:alpha val="30000"/>
+                    </a:schemeClr>
+                  </a:outerShdw>
+                </a:effectLst>
+                <a:latin typeface="+mn-lt"/>
+                <a:ea typeface="+mn-ea"/>
+                <a:cs typeface="+mn-cs"/>
+              </a:defRPr>
+            </a:lvl2pPr>
+            <a:lvl3pPr marL="1371600" lvl="2" indent="-317500" algn="l" defTabSz="342900" rtl="0" eaLnBrk="1" latinLnBrk="0" hangingPunct="1">
+              <a:lnSpc>
+                <a:spcPct val="115000"/>
+              </a:lnSpc>
+              <a:spcBef>
+                <a:spcPts val="0"/>
+              </a:spcBef>
+              <a:spcAft>
+                <a:spcPts val="0"/>
+              </a:spcAft>
+              <a:buClr>
+                <a:schemeClr val="tx2"/>
+              </a:buClr>
+              <a:buSzPts val="1400"/>
+              <a:buFont typeface="Wingdings 2" charset="2"/>
+              <a:buChar char="■"/>
+              <a:defRPr sz="1200" kern="1200">
+                <a:ln>
+                  <a:solidFill>
+                    <a:schemeClr val="bg1">
+                      <a:lumMod val="75000"/>
+                      <a:lumOff val="25000"/>
+                      <a:alpha val="10000"/>
+                    </a:schemeClr>
+                  </a:solidFill>
+                </a:ln>
+                <a:solidFill>
+                  <a:schemeClr val="tx2"/>
+                </a:solidFill>
+                <a:effectLst>
+                  <a:outerShdw blurRad="9525" dist="25400" dir="14640000" algn="tl" rotWithShape="0">
+                    <a:schemeClr val="bg1">
+                      <a:alpha val="30000"/>
+                    </a:schemeClr>
+                  </a:outerShdw>
+                </a:effectLst>
+                <a:latin typeface="+mn-lt"/>
+                <a:ea typeface="+mn-ea"/>
+                <a:cs typeface="+mn-cs"/>
+              </a:defRPr>
+            </a:lvl3pPr>
+            <a:lvl4pPr marL="1828800" lvl="3" indent="-317500" algn="l" defTabSz="342900" rtl="0" eaLnBrk="1" latinLnBrk="0" hangingPunct="1">
+              <a:lnSpc>
+                <a:spcPct val="115000"/>
+              </a:lnSpc>
+              <a:spcBef>
+                <a:spcPts val="0"/>
+              </a:spcBef>
+              <a:spcAft>
+                <a:spcPts val="0"/>
+              </a:spcAft>
+              <a:buClr>
+                <a:schemeClr val="tx2"/>
+              </a:buClr>
+              <a:buSzPts val="1400"/>
+              <a:buFont typeface="Wingdings 2" charset="2"/>
+              <a:buChar char="●"/>
+              <a:defRPr sz="1050" kern="1200">
+                <a:ln>
+                  <a:solidFill>
+                    <a:schemeClr val="bg1">
+                      <a:lumMod val="75000"/>
+                      <a:lumOff val="25000"/>
+                      <a:alpha val="10000"/>
+                    </a:schemeClr>
+                  </a:solidFill>
+                </a:ln>
+                <a:solidFill>
+                  <a:schemeClr val="tx2"/>
+                </a:solidFill>
+                <a:effectLst>
+                  <a:outerShdw blurRad="9525" dist="25400" dir="14640000" algn="tl" rotWithShape="0">
+                    <a:schemeClr val="bg1">
+                      <a:alpha val="30000"/>
+                    </a:schemeClr>
+                  </a:outerShdw>
+                </a:effectLst>
+                <a:latin typeface="+mn-lt"/>
+                <a:ea typeface="+mn-ea"/>
+                <a:cs typeface="+mn-cs"/>
+              </a:defRPr>
+            </a:lvl4pPr>
+            <a:lvl5pPr marL="2286000" lvl="4" indent="-317500" algn="l" defTabSz="342900" rtl="0" eaLnBrk="1" latinLnBrk="0" hangingPunct="1">
+              <a:lnSpc>
+                <a:spcPct val="115000"/>
+              </a:lnSpc>
+              <a:spcBef>
+                <a:spcPts val="0"/>
+              </a:spcBef>
+              <a:spcAft>
+                <a:spcPts val="0"/>
+              </a:spcAft>
+              <a:buClr>
+                <a:schemeClr val="tx2"/>
+              </a:buClr>
+              <a:buSzPts val="1400"/>
+              <a:buFont typeface="Wingdings 2" charset="2"/>
+              <a:buChar char="○"/>
+              <a:defRPr sz="1050" kern="1200">
+                <a:ln>
+                  <a:solidFill>
+                    <a:schemeClr val="bg1">
+                      <a:lumMod val="75000"/>
+                      <a:lumOff val="25000"/>
+                      <a:alpha val="10000"/>
+                    </a:schemeClr>
+                  </a:solidFill>
+                </a:ln>
+                <a:solidFill>
+                  <a:schemeClr val="tx2"/>
+                </a:solidFill>
+                <a:effectLst>
+                  <a:outerShdw blurRad="9525" dist="25400" dir="14640000" algn="tl" rotWithShape="0">
+                    <a:schemeClr val="bg1">
+                      <a:alpha val="30000"/>
+                    </a:schemeClr>
+                  </a:outerShdw>
+                </a:effectLst>
+                <a:latin typeface="+mn-lt"/>
+                <a:ea typeface="+mn-ea"/>
+                <a:cs typeface="+mn-cs"/>
+              </a:defRPr>
+            </a:lvl5pPr>
+            <a:lvl6pPr marL="2743200" lvl="5" indent="-317500" algn="l" defTabSz="342900" rtl="0" eaLnBrk="1" latinLnBrk="0" hangingPunct="1">
+              <a:lnSpc>
+                <a:spcPct val="115000"/>
+              </a:lnSpc>
+              <a:spcBef>
+                <a:spcPts val="0"/>
+              </a:spcBef>
+              <a:spcAft>
+                <a:spcPts val="0"/>
+              </a:spcAft>
+              <a:buClr>
+                <a:schemeClr val="tx2"/>
+              </a:buClr>
+              <a:buSzPts val="1400"/>
+              <a:buFont typeface="Wingdings 2" charset="2"/>
+              <a:buChar char="■"/>
+              <a:defRPr sz="1050" kern="1200">
+                <a:ln>
+                  <a:solidFill>
+                    <a:schemeClr val="bg1">
+                      <a:lumMod val="75000"/>
+                      <a:lumOff val="25000"/>
+                      <a:alpha val="10000"/>
+                    </a:schemeClr>
+                  </a:solidFill>
+                </a:ln>
+                <a:solidFill>
+                  <a:schemeClr val="tx2"/>
+                </a:solidFill>
+                <a:effectLst>
+                  <a:outerShdw blurRad="9525" dist="25400" dir="14640000" algn="tl" rotWithShape="0">
+                    <a:schemeClr val="bg1">
+                      <a:alpha val="30000"/>
+                    </a:schemeClr>
+                  </a:outerShdw>
+                </a:effectLst>
+                <a:latin typeface="+mn-lt"/>
+                <a:ea typeface="+mn-ea"/>
+                <a:cs typeface="+mn-cs"/>
+              </a:defRPr>
+            </a:lvl6pPr>
+            <a:lvl7pPr marL="3200400" lvl="6" indent="-317500" algn="l" defTabSz="342900" rtl="0" eaLnBrk="1" latinLnBrk="0" hangingPunct="1">
+              <a:lnSpc>
+                <a:spcPct val="115000"/>
+              </a:lnSpc>
+              <a:spcBef>
+                <a:spcPts val="0"/>
+              </a:spcBef>
+              <a:spcAft>
+                <a:spcPts val="0"/>
+              </a:spcAft>
+              <a:buClr>
+                <a:schemeClr val="tx2"/>
+              </a:buClr>
+              <a:buSzPts val="1400"/>
+              <a:buFont typeface="Wingdings 2" charset="2"/>
+              <a:buChar char="●"/>
+              <a:defRPr sz="1050" kern="1200">
+                <a:ln>
+                  <a:solidFill>
+                    <a:schemeClr val="bg1">
+                      <a:lumMod val="75000"/>
+                      <a:lumOff val="25000"/>
+                      <a:alpha val="10000"/>
+                    </a:schemeClr>
+                  </a:solidFill>
+                </a:ln>
+                <a:solidFill>
+                  <a:schemeClr val="tx2"/>
+                </a:solidFill>
+                <a:effectLst>
+                  <a:outerShdw blurRad="9525" dist="25400" dir="14640000" algn="tl" rotWithShape="0">
+                    <a:schemeClr val="bg1">
+                      <a:alpha val="30000"/>
+                    </a:schemeClr>
+                  </a:outerShdw>
+                </a:effectLst>
+                <a:latin typeface="+mn-lt"/>
+                <a:ea typeface="+mn-ea"/>
+                <a:cs typeface="+mn-cs"/>
+              </a:defRPr>
+            </a:lvl7pPr>
+            <a:lvl8pPr marL="3657600" lvl="7" indent="-317500" algn="l" defTabSz="342900" rtl="0" eaLnBrk="1" latinLnBrk="0" hangingPunct="1">
+              <a:lnSpc>
+                <a:spcPct val="115000"/>
+              </a:lnSpc>
+              <a:spcBef>
+                <a:spcPts val="0"/>
+              </a:spcBef>
+              <a:spcAft>
+                <a:spcPts val="0"/>
+              </a:spcAft>
+              <a:buClr>
+                <a:schemeClr val="tx2"/>
+              </a:buClr>
+              <a:buSzPts val="1400"/>
+              <a:buFont typeface="Wingdings 2" charset="2"/>
+              <a:buChar char="○"/>
+              <a:defRPr sz="1050" kern="1200">
+                <a:ln>
+                  <a:solidFill>
+                    <a:schemeClr val="bg1">
+                      <a:lumMod val="75000"/>
+                      <a:lumOff val="25000"/>
+                      <a:alpha val="10000"/>
+                    </a:schemeClr>
+                  </a:solidFill>
+                </a:ln>
+                <a:solidFill>
+                  <a:schemeClr val="tx2"/>
+                </a:solidFill>
+                <a:effectLst>
+                  <a:outerShdw blurRad="9525" dist="25400" dir="14640000" algn="tl" rotWithShape="0">
+                    <a:schemeClr val="bg1">
+                      <a:alpha val="30000"/>
+                    </a:schemeClr>
+                  </a:outerShdw>
+                </a:effectLst>
+                <a:latin typeface="+mn-lt"/>
+                <a:ea typeface="+mn-ea"/>
+                <a:cs typeface="+mn-cs"/>
+              </a:defRPr>
+            </a:lvl8pPr>
+            <a:lvl9pPr marL="4114800" lvl="8" indent="-317500" algn="l" defTabSz="342900" rtl="0" eaLnBrk="1" latinLnBrk="0" hangingPunct="1">
+              <a:lnSpc>
+                <a:spcPct val="115000"/>
+              </a:lnSpc>
+              <a:spcBef>
+                <a:spcPts val="0"/>
+              </a:spcBef>
+              <a:spcAft>
+                <a:spcPts val="0"/>
+              </a:spcAft>
+              <a:buClr>
+                <a:schemeClr val="tx2"/>
+              </a:buClr>
+              <a:buSzPts val="1400"/>
+              <a:buFont typeface="Wingdings 2" charset="2"/>
+              <a:buChar char="■"/>
+              <a:defRPr sz="1050" kern="1200">
+                <a:ln>
+                  <a:solidFill>
+                    <a:schemeClr val="bg1">
+                      <a:lumMod val="75000"/>
+                      <a:lumOff val="25000"/>
+                      <a:alpha val="10000"/>
+                    </a:schemeClr>
+                  </a:solidFill>
+                </a:ln>
+                <a:solidFill>
+                  <a:schemeClr val="tx2"/>
+                </a:solidFill>
+                <a:effectLst>
+                  <a:outerShdw blurRad="9525" dist="25400" dir="14640000" algn="tl" rotWithShape="0">
+                    <a:schemeClr val="bg1">
+                      <a:alpha val="30000"/>
+                    </a:schemeClr>
+                  </a:outerShdw>
+                </a:effectLst>
+                <a:latin typeface="+mn-lt"/>
+                <a:ea typeface="+mn-ea"/>
+                <a:cs typeface="+mn-cs"/>
+              </a:defRPr>
+            </a:lvl9pPr>
+          </a:lstStyle>
+          <a:p>
+            <a:r>
+              <a:rPr lang="en-US" sz="1800" b="0" i="0" u="none" strike="noStrike" dirty="0">
+                <a:solidFill>
+                  <a:srgbClr val="FFFFFF"/>
+                </a:solidFill>
+                <a:effectLst/>
+                <a:latin typeface="Lora"/>
+              </a:rPr>
+              <a:t>Using the endogenous transformation get states and inputs for the quadrotor to be used as a control reference to control it along the desired vector field </a:t>
+            </a:r>
+            <a:endParaRPr lang="en-US" sz="2000" b="0" i="0" u="none" strike="noStrike" dirty="0">
+              <a:solidFill>
+                <a:srgbClr val="FFFFFF"/>
+              </a:solidFill>
+              <a:effectLst>
+                <a:outerShdw blurRad="38100" dist="38100" dir="2700000" algn="tl">
+                  <a:srgbClr val="000000">
+                    <a:alpha val="43137"/>
+                  </a:srgbClr>
+                </a:outerShdw>
+              </a:effectLst>
+              <a:latin typeface="Lora"/>
+              <a:sym typeface="Lora"/>
+            </a:endParaRPr>
+          </a:p>
+          <a:p>
+            <a:pPr rtl="0" fontAlgn="base">
+              <a:spcBef>
+                <a:spcPts val="0"/>
+              </a:spcBef>
+              <a:spcAft>
+                <a:spcPts val="0"/>
+              </a:spcAft>
+              <a:buFont typeface="Arial" panose="020B0604020202020204" pitchFamily="34" charset="0"/>
+              <a:buChar char="•"/>
+            </a:pPr>
+            <a:r>
+              <a:rPr lang="en-US" sz="1800" b="0" i="1" u="none" strike="noStrike" dirty="0">
+                <a:solidFill>
+                  <a:srgbClr val="FFFFFF"/>
+                </a:solidFill>
+                <a:effectLst/>
+                <a:latin typeface="Lora"/>
+              </a:rPr>
+              <a:t>State </a:t>
+            </a:r>
+            <a:r>
+              <a:rPr lang="el-GR" sz="1800" b="0" i="1" u="none" strike="noStrike" dirty="0">
+                <a:solidFill>
+                  <a:srgbClr val="FFFFFF"/>
+                </a:solidFill>
+                <a:effectLst/>
+                <a:latin typeface="Lora"/>
+              </a:rPr>
+              <a:t>ξ </a:t>
+            </a:r>
+            <a:r>
+              <a:rPr lang="el-GR" sz="1800" b="0" i="1" u="none" strike="noStrike" dirty="0">
+                <a:solidFill>
+                  <a:schemeClr val="tx1"/>
+                </a:solidFill>
+                <a:effectLst/>
+                <a:latin typeface="Lora"/>
+              </a:rPr>
+              <a:t>= [</a:t>
+            </a:r>
+            <a:r>
+              <a:rPr lang="en-US" sz="1800" b="0" i="1" u="none" strike="noStrike" dirty="0">
+                <a:solidFill>
+                  <a:schemeClr val="tx1"/>
+                </a:solidFill>
+                <a:effectLst/>
+                <a:latin typeface="Lora"/>
+              </a:rPr>
+              <a:t>x, y, z, </a:t>
+            </a:r>
+            <a:r>
+              <a:rPr lang="en-US" sz="1800" b="0" i="1" u="none" strike="noStrike" dirty="0" err="1">
+                <a:solidFill>
+                  <a:schemeClr val="tx1"/>
+                </a:solidFill>
+                <a:effectLst/>
+                <a:latin typeface="Lora"/>
+              </a:rPr>
+              <a:t>vx</a:t>
+            </a:r>
+            <a:r>
+              <a:rPr lang="en-US" sz="1800" b="0" i="1" u="none" strike="noStrike" dirty="0">
+                <a:solidFill>
+                  <a:schemeClr val="tx1"/>
+                </a:solidFill>
+                <a:effectLst/>
+                <a:latin typeface="Lora"/>
+              </a:rPr>
+              <a:t>, </a:t>
+            </a:r>
+            <a:r>
+              <a:rPr lang="en-US" sz="1800" b="0" i="1" u="none" strike="noStrike" dirty="0" err="1">
+                <a:solidFill>
+                  <a:schemeClr val="tx1"/>
+                </a:solidFill>
+                <a:effectLst/>
+                <a:latin typeface="Lora"/>
+              </a:rPr>
+              <a:t>vy</a:t>
+            </a:r>
+            <a:r>
+              <a:rPr lang="en-US" sz="1800" b="0" i="1" u="none" strike="noStrike" dirty="0">
+                <a:solidFill>
+                  <a:schemeClr val="tx1"/>
+                </a:solidFill>
+                <a:effectLst/>
+                <a:latin typeface="Lora"/>
+              </a:rPr>
+              <a:t>, </a:t>
+            </a:r>
+            <a:r>
+              <a:rPr lang="en-US" sz="1800" b="0" i="1" u="none" strike="noStrike" dirty="0" err="1">
+                <a:solidFill>
+                  <a:schemeClr val="tx1"/>
+                </a:solidFill>
+                <a:effectLst/>
+                <a:latin typeface="Lora"/>
+              </a:rPr>
+              <a:t>vz</a:t>
+            </a:r>
+            <a:r>
+              <a:rPr lang="en-US" sz="1800" b="0" i="1" u="none" strike="noStrike" dirty="0">
+                <a:solidFill>
+                  <a:schemeClr val="tx1"/>
+                </a:solidFill>
+                <a:effectLst/>
+                <a:latin typeface="Lora"/>
+              </a:rPr>
+              <a:t>, </a:t>
+            </a:r>
+            <a:r>
+              <a:rPr lang="el-GR" sz="1800" b="0" i="1" u="none" strike="noStrike" dirty="0">
+                <a:solidFill>
+                  <a:schemeClr val="tx1"/>
+                </a:solidFill>
+                <a:effectLst/>
+                <a:latin typeface="Lora"/>
+              </a:rPr>
+              <a:t>ψ, θ, φ, </a:t>
+            </a:r>
+            <a:r>
+              <a:rPr lang="en-US" sz="1800" b="0" i="1" u="none" strike="noStrike" dirty="0">
+                <a:solidFill>
+                  <a:schemeClr val="tx1"/>
+                </a:solidFill>
+                <a:effectLst/>
+                <a:latin typeface="Lora"/>
+              </a:rPr>
+              <a:t>p, q, r] T </a:t>
+            </a:r>
+          </a:p>
+          <a:p>
+            <a:pPr rtl="0" fontAlgn="base">
+              <a:spcBef>
+                <a:spcPts val="0"/>
+              </a:spcBef>
+              <a:spcAft>
+                <a:spcPts val="0"/>
+              </a:spcAft>
+              <a:buFont typeface="Arial" panose="020B0604020202020204" pitchFamily="34" charset="0"/>
+              <a:buChar char="•"/>
+            </a:pPr>
+            <a:r>
+              <a:rPr lang="en-US" sz="1800" b="0" i="1" u="none" strike="noStrike" dirty="0">
+                <a:solidFill>
+                  <a:schemeClr val="tx1"/>
+                </a:solidFill>
+                <a:effectLst/>
+                <a:latin typeface="Lora"/>
+              </a:rPr>
+              <a:t>Input µ = [</a:t>
+            </a:r>
+            <a:r>
+              <a:rPr lang="en-US" sz="1800" b="0" i="1" u="none" strike="noStrike" dirty="0" err="1">
+                <a:solidFill>
+                  <a:schemeClr val="tx1"/>
+                </a:solidFill>
+                <a:effectLst/>
+                <a:latin typeface="Lora"/>
+              </a:rPr>
+              <a:t>fz</a:t>
+            </a:r>
+            <a:r>
+              <a:rPr lang="en-US" sz="1800" b="0" i="1" u="none" strike="noStrike" dirty="0">
+                <a:solidFill>
+                  <a:schemeClr val="tx1"/>
+                </a:solidFill>
+                <a:effectLst/>
+                <a:latin typeface="Lora"/>
+              </a:rPr>
+              <a:t>, </a:t>
+            </a:r>
+            <a:r>
+              <a:rPr lang="el-GR" sz="1800" b="0" i="1" u="none" strike="noStrike" dirty="0">
+                <a:solidFill>
+                  <a:schemeClr val="tx1"/>
+                </a:solidFill>
+                <a:effectLst/>
+                <a:latin typeface="Lora"/>
+              </a:rPr>
+              <a:t>τ</a:t>
+            </a:r>
+            <a:r>
+              <a:rPr lang="en-US" sz="1800" b="0" i="1" u="none" strike="noStrike" dirty="0">
+                <a:solidFill>
+                  <a:schemeClr val="tx1"/>
+                </a:solidFill>
+                <a:effectLst/>
+                <a:latin typeface="Lora"/>
+              </a:rPr>
+              <a:t>x, </a:t>
+            </a:r>
+            <a:r>
+              <a:rPr lang="el-GR" sz="1800" b="0" i="1" u="none" strike="noStrike" dirty="0">
+                <a:solidFill>
+                  <a:schemeClr val="tx1"/>
+                </a:solidFill>
+                <a:effectLst/>
+                <a:latin typeface="Lora"/>
+              </a:rPr>
+              <a:t>τ</a:t>
+            </a:r>
+            <a:r>
+              <a:rPr lang="en-US" sz="1800" b="0" i="1" u="none" strike="noStrike" dirty="0">
+                <a:solidFill>
+                  <a:schemeClr val="tx1"/>
+                </a:solidFill>
+                <a:effectLst/>
+                <a:latin typeface="Lora"/>
+              </a:rPr>
+              <a:t>y, </a:t>
+            </a:r>
+            <a:r>
+              <a:rPr lang="el-GR" sz="1800" b="0" i="1" u="none" strike="noStrike" dirty="0">
+                <a:solidFill>
+                  <a:schemeClr val="tx1"/>
+                </a:solidFill>
+                <a:effectLst/>
+                <a:latin typeface="Lora"/>
+              </a:rPr>
+              <a:t>τ</a:t>
+            </a:r>
+            <a:r>
+              <a:rPr lang="en-US" sz="1800" b="0" i="1" u="none" strike="noStrike" dirty="0">
+                <a:solidFill>
+                  <a:schemeClr val="tx1"/>
+                </a:solidFill>
+                <a:effectLst/>
+                <a:latin typeface="Lora"/>
+              </a:rPr>
+              <a:t>z] T </a:t>
+            </a:r>
+          </a:p>
+          <a:p>
+            <a:pPr rtl="0" fontAlgn="base">
+              <a:spcBef>
+                <a:spcPts val="0"/>
+              </a:spcBef>
+              <a:spcAft>
+                <a:spcPts val="0"/>
+              </a:spcAft>
+              <a:buFont typeface="Arial" panose="020B0604020202020204" pitchFamily="34" charset="0"/>
+              <a:buChar char="•"/>
+            </a:pPr>
+            <a:r>
+              <a:rPr lang="en-US" sz="1400" b="0" i="0" u="none" strike="noStrike" dirty="0">
+                <a:solidFill>
+                  <a:schemeClr val="tx1"/>
+                </a:solidFill>
+                <a:effectLst/>
+                <a:latin typeface="Roboto" panose="02000000000000000000" pitchFamily="2" charset="0"/>
+              </a:rPr>
+              <a:t>Get Vector field → spatial derivatives of vector field → time derivatives → states and inputs of the quadrotor using the endogenous transformation and </a:t>
+            </a:r>
+            <a:r>
+              <a:rPr lang="en-US" sz="1400" b="0" i="0" u="none" strike="noStrike" dirty="0" err="1">
+                <a:solidFill>
+                  <a:schemeClr val="tx1"/>
+                </a:solidFill>
+                <a:effectLst/>
+                <a:latin typeface="Roboto" panose="02000000000000000000" pitchFamily="2" charset="0"/>
+              </a:rPr>
+              <a:t>thm</a:t>
+            </a:r>
+            <a:r>
+              <a:rPr lang="en-US" sz="1400" b="0" i="0" u="none" strike="noStrike" dirty="0">
+                <a:solidFill>
+                  <a:schemeClr val="tx1"/>
+                </a:solidFill>
+                <a:effectLst/>
+                <a:latin typeface="Roboto" panose="02000000000000000000" pitchFamily="2" charset="0"/>
+              </a:rPr>
+              <a:t> 1 </a:t>
+            </a:r>
+            <a:endParaRPr lang="en-US" sz="1400" i="1" dirty="0">
+              <a:solidFill>
+                <a:schemeClr val="tx1"/>
+              </a:solidFill>
+              <a:effectLst/>
+              <a:latin typeface="Lora"/>
+            </a:endParaRPr>
+          </a:p>
+          <a:p>
+            <a:pPr rtl="0">
+              <a:spcBef>
+                <a:spcPts val="0"/>
+              </a:spcBef>
+              <a:spcAft>
+                <a:spcPts val="0"/>
+              </a:spcAft>
+            </a:pPr>
+            <a:r>
+              <a:rPr lang="en-US" sz="1800" b="1" i="0" u="none" strike="noStrike" dirty="0">
+                <a:solidFill>
+                  <a:schemeClr val="tx1"/>
+                </a:solidFill>
+                <a:effectLst/>
+                <a:latin typeface="Arial" panose="020B0604020202020204" pitchFamily="34" charset="0"/>
+              </a:rPr>
+              <a:t>Endogenous transformation</a:t>
+            </a:r>
+            <a:r>
+              <a:rPr lang="en-US" sz="1800" b="0" i="0" u="none" strike="noStrike" dirty="0">
+                <a:solidFill>
+                  <a:schemeClr val="tx1"/>
+                </a:solidFill>
+                <a:effectLst/>
+                <a:latin typeface="Arial" panose="020B0604020202020204" pitchFamily="34" charset="0"/>
+              </a:rPr>
+              <a:t> - the function that maps</a:t>
+            </a:r>
+            <a:r>
+              <a:rPr lang="en-US" sz="1800" b="1" i="0" u="none" strike="noStrike" dirty="0">
+                <a:solidFill>
+                  <a:schemeClr val="tx1"/>
+                </a:solidFill>
+                <a:effectLst/>
+                <a:latin typeface="Arial" panose="020B0604020202020204" pitchFamily="34" charset="0"/>
+              </a:rPr>
+              <a:t> from the outputs and their time derivatives</a:t>
+            </a:r>
+            <a:r>
+              <a:rPr lang="en-US" sz="1800" b="0" i="0" u="none" strike="noStrike" dirty="0">
+                <a:solidFill>
+                  <a:schemeClr val="tx1"/>
+                </a:solidFill>
+                <a:effectLst/>
+                <a:latin typeface="Arial" panose="020B0604020202020204" pitchFamily="34" charset="0"/>
+              </a:rPr>
+              <a:t> to the</a:t>
+            </a:r>
+            <a:r>
+              <a:rPr lang="en-US" sz="1800" b="1" i="0" u="none" strike="noStrike" dirty="0">
+                <a:solidFill>
+                  <a:schemeClr val="tx1"/>
+                </a:solidFill>
+                <a:effectLst/>
+                <a:latin typeface="Arial" panose="020B0604020202020204" pitchFamily="34" charset="0"/>
+              </a:rPr>
+              <a:t> states and inputs </a:t>
+            </a:r>
+            <a:r>
+              <a:rPr lang="en-US" sz="1800" b="0" i="0" u="none" strike="noStrike" dirty="0">
+                <a:solidFill>
+                  <a:schemeClr val="tx1"/>
+                </a:solidFill>
+                <a:effectLst/>
+                <a:latin typeface="Arial" panose="020B0604020202020204" pitchFamily="34" charset="0"/>
+              </a:rPr>
+              <a:t>is known as the endogenous transformation </a:t>
+            </a:r>
+          </a:p>
+          <a:p>
+            <a:pPr marL="114300" indent="0" rtl="0">
+              <a:spcBef>
+                <a:spcPts val="0"/>
+              </a:spcBef>
+              <a:spcAft>
+                <a:spcPts val="0"/>
+              </a:spcAft>
+              <a:buNone/>
+            </a:pPr>
+            <a:r>
+              <a:rPr lang="en-US" sz="1200" b="0" i="0" u="none" strike="noStrike" dirty="0">
+                <a:solidFill>
+                  <a:schemeClr val="tx1"/>
+                </a:solidFill>
+                <a:effectLst/>
+                <a:latin typeface="Arial" panose="020B0604020202020204" pitchFamily="34" charset="0"/>
+              </a:rPr>
+              <a:t>Zhou </a:t>
+            </a:r>
+            <a:r>
+              <a:rPr lang="en-US" sz="1200" b="0" i="1" u="none" strike="noStrike" dirty="0">
+                <a:solidFill>
+                  <a:schemeClr val="tx1"/>
+                </a:solidFill>
+                <a:effectLst/>
+                <a:latin typeface="Arial" panose="020B0604020202020204" pitchFamily="34" charset="0"/>
+              </a:rPr>
+              <a:t>et al</a:t>
+            </a:r>
+            <a:r>
+              <a:rPr lang="en-US" sz="1200" b="0" i="0" u="none" strike="noStrike" dirty="0">
+                <a:solidFill>
+                  <a:schemeClr val="tx1"/>
+                </a:solidFill>
+                <a:effectLst/>
+                <a:latin typeface="Arial" panose="020B0604020202020204" pitchFamily="34" charset="0"/>
+              </a:rPr>
+              <a:t>. 2014 - </a:t>
+            </a:r>
+            <a:r>
+              <a:rPr lang="en-US" sz="1200" b="0" i="1" u="none" strike="noStrike" dirty="0">
+                <a:solidFill>
+                  <a:schemeClr val="tx1"/>
+                </a:solidFill>
+                <a:effectLst/>
+                <a:latin typeface="Arial" panose="020B0604020202020204" pitchFamily="34" charset="0"/>
+              </a:rPr>
+              <a:t>Vector Field Following using Differential Flatness</a:t>
+            </a:r>
+          </a:p>
+          <a:p>
+            <a:pPr rtl="0">
+              <a:spcBef>
+                <a:spcPts val="0"/>
+              </a:spcBef>
+              <a:spcAft>
+                <a:spcPts val="0"/>
+              </a:spcAft>
+            </a:pPr>
+            <a:endParaRPr lang="en-US" sz="2000" b="0" dirty="0">
+              <a:effectLst/>
+            </a:endParaRPr>
+          </a:p>
+          <a:p>
+            <a:endParaRPr lang="en-US" sz="1800" b="0" i="1" u="none" strike="noStrike" dirty="0">
+              <a:solidFill>
+                <a:srgbClr val="FFFFFF"/>
+              </a:solidFill>
+              <a:effectLst/>
+              <a:latin typeface="Lora"/>
+            </a:endParaRPr>
+          </a:p>
+          <a:p>
+            <a:pPr rtl="0" fontAlgn="base">
+              <a:spcBef>
+                <a:spcPts val="0"/>
+              </a:spcBef>
+              <a:spcAft>
+                <a:spcPts val="0"/>
+              </a:spcAft>
+              <a:buFont typeface="Arial" panose="020B0604020202020204" pitchFamily="34" charset="0"/>
+              <a:buChar char="•"/>
+            </a:pPr>
+            <a:endParaRPr lang="en-US" sz="1800" b="0" i="1" u="none" strike="noStrike" dirty="0">
+              <a:solidFill>
+                <a:srgbClr val="FFFFFF"/>
+              </a:solidFill>
+              <a:effectLst/>
+              <a:latin typeface="Lora"/>
+            </a:endParaRPr>
+          </a:p>
+          <a:p>
+            <a:endParaRPr lang="en-US" dirty="0"/>
+          </a:p>
+        </p:txBody>
+      </p:sp>
+      <p:pic>
+        <p:nvPicPr>
+          <p:cNvPr id="1028" name="Picture 4">
+            <a:extLst>
+              <a:ext uri="{FF2B5EF4-FFF2-40B4-BE49-F238E27FC236}">
+                <a16:creationId xmlns:a16="http://schemas.microsoft.com/office/drawing/2014/main" id="{320DD8BD-A949-43A7-A9B3-8964E170D0C6}"/>
+              </a:ext>
+            </a:extLst>
+          </p:cNvPr>
+          <p:cNvPicPr>
+            <a:picLocks noChangeAspect="1" noChangeArrowheads="1"/>
+          </p:cNvPicPr>
+          <p:nvPr/>
+        </p:nvPicPr>
+        <p:blipFill rotWithShape="1">
+          <a:blip r:embed="rId3">
+            <a:extLst>
+              <a:ext uri="{28A0092B-C50C-407E-A947-70E740481C1C}">
+                <a14:useLocalDpi xmlns:a14="http://schemas.microsoft.com/office/drawing/2010/main" val="0"/>
+              </a:ext>
+            </a:extLst>
+          </a:blip>
+          <a:srcRect l="5653" t="7779" r="51515" b="30616"/>
+          <a:stretch/>
+        </p:blipFill>
+        <p:spPr bwMode="auto">
+          <a:xfrm>
+            <a:off x="7351370" y="3938994"/>
+            <a:ext cx="1480930" cy="909509"/>
+          </a:xfrm>
+          <a:prstGeom prst="rect">
+            <a:avLst/>
+          </a:prstGeom>
+          <a:noFill/>
+          <a:extLst>
+            <a:ext uri="{909E8E84-426E-40DD-AFC4-6F175D3DCCD1}">
+              <a14:hiddenFill xmlns:a14="http://schemas.microsoft.com/office/drawing/2010/main">
+                <a:solidFill>
+                  <a:srgbClr val="FFFFFF"/>
+                </a:solidFill>
+              </a14:hiddenFill>
+            </a:ext>
+          </a:extLst>
+        </p:spPr>
+      </p:pic>
+      <p:pic>
+        <p:nvPicPr>
+          <p:cNvPr id="3" name="Picture 2">
+            <a:extLst>
+              <a:ext uri="{FF2B5EF4-FFF2-40B4-BE49-F238E27FC236}">
+                <a16:creationId xmlns:a16="http://schemas.microsoft.com/office/drawing/2014/main" id="{1AC0313F-23BD-4CD0-B8EF-C5E02786F08E}"/>
+              </a:ext>
+            </a:extLst>
+          </p:cNvPr>
+          <p:cNvPicPr>
+            <a:picLocks noChangeAspect="1"/>
+          </p:cNvPicPr>
+          <p:nvPr/>
+        </p:nvPicPr>
+        <p:blipFill>
+          <a:blip r:embed="rId4"/>
+          <a:stretch>
+            <a:fillRect/>
+          </a:stretch>
+        </p:blipFill>
+        <p:spPr>
+          <a:xfrm>
+            <a:off x="4682854" y="4479371"/>
+            <a:ext cx="2592316" cy="369132"/>
+          </a:xfrm>
+          <a:prstGeom prst="rect">
+            <a:avLst/>
+          </a:prstGeom>
+        </p:spPr>
+      </p:pic>
     </p:spTree>
     <p:extLst>
       <p:ext uri="{BB962C8B-B14F-4D97-AF65-F5344CB8AC3E}">

--- a/Aerial Robotics Final Project Presentation .pptx
+++ b/Aerial Robotics Final Project Presentation .pptx
@@ -1789,7 +1789,11 @@
             </a:pPr>
             <a:r>
               <a:rPr lang="en-US" dirty="0"/>
-              <a:t>main challenges to obtain good solutions. The composition of</a:t>
+              <a:t>main challenges to obtain good solutions. </a:t>
+            </a:r>
+            <a:r>
+              <a:rPr lang="en-US" b="1" dirty="0"/>
+              <a:t>The composition of</a:t>
             </a:r>
           </a:p>
           <a:p>
@@ -1803,7 +1807,7 @@
               <a:buNone/>
             </a:pPr>
             <a:r>
-              <a:rPr lang="en-US" dirty="0"/>
+              <a:rPr lang="en-US" b="1" dirty="0"/>
               <a:t>an attractive and a rotational ﬁeld usually creates a stable limit</a:t>
             </a:r>
           </a:p>
@@ -1818,7 +1822,7 @@
               <a:buNone/>
             </a:pPr>
             <a:r>
-              <a:rPr lang="en-US" dirty="0"/>
+              <a:rPr lang="en-US" b="1" dirty="0"/>
               <a:t>cycle in the robot conﬁguration space.</a:t>
             </a:r>
           </a:p>
@@ -1870,7 +1874,15 @@
             </a:pPr>
             <a:r>
               <a:rPr lang="en-US" dirty="0"/>
-              <a:t>This paper presents a methodology for computation of artiﬁcial vector ﬁelds that allows a robot to converge to and circulate around generic curves speciﬁed in n-dimensional spaces. These vector ﬁelds may be directly applied to solve several robot-navigation problems such as border monitoring, surveillance, tar-get tracking, and multirobot pattern generation, with special application to ﬁxed-wing aerial robots, which must keep a positive forward velocity and cannot converge to a single point.</a:t>
+              <a:t>This paper presents a methodology for computation of artiﬁcial vector ﬁelds that allows a robot to </a:t>
+            </a:r>
+            <a:r>
+              <a:rPr lang="en-US" b="1" dirty="0"/>
+              <a:t>converge to and circulate around generic curves </a:t>
+            </a:r>
+            <a:r>
+              <a:rPr lang="en-US" dirty="0"/>
+              <a:t>speciﬁed in n-dimensional spaces. These vector ﬁelds may be directly applied to solve several robot-navigation problems such as border monitoring, surveillance, tar-get tracking, and multirobot pattern generation, with special application to ﬁxed-wing aerial robots, which must keep a positive forward velocity and cannot converge to a single point.</a:t>
             </a:r>
           </a:p>
           <a:p>
@@ -2092,6 +2104,105 @@
             <a:r>
               <a:rPr lang="en-US" dirty="0"/>
               <a:t>http://www.cpdee.ufmg.br/~gpereira/papers/tro2010.pdf</a:t>
+            </a:r>
+          </a:p>
+          <a:p>
+            <a:pPr marL="0" lvl="0" indent="0" algn="l" rtl="0">
+              <a:spcBef>
+                <a:spcPts val="0"/>
+              </a:spcBef>
+              <a:spcAft>
+                <a:spcPts val="0"/>
+              </a:spcAft>
+              <a:buNone/>
+            </a:pPr>
+            <a:endParaRPr lang="en-US" dirty="0"/>
+          </a:p>
+          <a:p>
+            <a:pPr marL="0" lvl="0" indent="0" algn="l" rtl="0">
+              <a:spcBef>
+                <a:spcPts val="0"/>
+              </a:spcBef>
+              <a:spcAft>
+                <a:spcPts val="0"/>
+              </a:spcAft>
+              <a:buNone/>
+            </a:pPr>
+            <a:r>
+              <a:rPr lang="en-US" dirty="0"/>
+              <a:t>This paper has presented a new methodology for robot </a:t>
+            </a:r>
+            <a:r>
+              <a:rPr lang="en-US" dirty="0" err="1"/>
+              <a:t>navi</a:t>
+            </a:r>
+            <a:r>
+              <a:rPr lang="en-US" dirty="0"/>
+              <a:t>-</a:t>
+            </a:r>
+          </a:p>
+          <a:p>
+            <a:pPr marL="0" lvl="0" indent="0" algn="l" rtl="0">
+              <a:spcBef>
+                <a:spcPts val="0"/>
+              </a:spcBef>
+              <a:spcAft>
+                <a:spcPts val="0"/>
+              </a:spcAft>
+              <a:buNone/>
+            </a:pPr>
+            <a:r>
+              <a:rPr lang="en-US" dirty="0" err="1"/>
+              <a:t>gation</a:t>
+            </a:r>
+            <a:r>
+              <a:rPr lang="en-US" dirty="0"/>
+              <a:t> along a closed, generic-shaped curve using a continuous</a:t>
+            </a:r>
+          </a:p>
+          <a:p>
+            <a:pPr marL="0" lvl="0" indent="0" algn="l" rtl="0">
+              <a:spcBef>
+                <a:spcPts val="0"/>
+              </a:spcBef>
+              <a:spcAft>
+                <a:spcPts val="0"/>
+              </a:spcAft>
+              <a:buNone/>
+            </a:pPr>
+            <a:r>
+              <a:rPr lang="en-US" dirty="0"/>
+              <a:t>vector ﬁeld. The ﬁeld is given by the sum of three terms: 1)</a:t>
+            </a:r>
+          </a:p>
+          <a:p>
+            <a:pPr marL="0" lvl="0" indent="0" algn="l" rtl="0">
+              <a:spcBef>
+                <a:spcPts val="0"/>
+              </a:spcBef>
+              <a:spcAft>
+                <a:spcPts val="0"/>
+              </a:spcAft>
+              <a:buNone/>
+            </a:pPr>
+            <a:r>
+              <a:rPr lang="en-US" dirty="0"/>
+              <a:t>the gradient of a potential function; 2) a circulation term; and</a:t>
+            </a:r>
+          </a:p>
+          <a:p>
+            <a:pPr marL="0" lvl="0" indent="0" algn="l" rtl="0">
+              <a:spcBef>
+                <a:spcPts val="0"/>
+              </a:spcBef>
+              <a:spcAft>
+                <a:spcPts val="0"/>
+              </a:spcAft>
+              <a:buNone/>
+            </a:pPr>
+            <a:r>
+              <a:rPr lang="en-US" dirty="0"/>
+              <a:t>3) a correction term (in the case of time-varying curves).</a:t>
             </a:r>
             <a:endParaRPr dirty="0"/>
           </a:p>
@@ -14815,6 +14926,7 @@
                 <a:solidFill>
                   <a:schemeClr val="tx1"/>
                 </a:solidFill>
+                <a:latin typeface="+mj-lt"/>
               </a:rPr>
               <a:t>Ramasamy, Suresh &amp; Wu, </a:t>
             </a:r>
@@ -14823,6 +14935,7 @@
                 <a:solidFill>
                   <a:schemeClr val="tx1"/>
                 </a:solidFill>
+                <a:latin typeface="+mj-lt"/>
               </a:rPr>
               <a:t>Guofan</a:t>
             </a:r>
@@ -14831,6 +14944,7 @@
                 <a:solidFill>
                   <a:schemeClr val="tx1"/>
                 </a:solidFill>
+                <a:latin typeface="+mj-lt"/>
               </a:rPr>
               <a:t> &amp; </a:t>
             </a:r>
@@ -14839,6 +14953,7 @@
                 <a:solidFill>
                   <a:schemeClr val="tx1"/>
                 </a:solidFill>
+                <a:latin typeface="+mj-lt"/>
               </a:rPr>
               <a:t>Sreenath</a:t>
             </a:r>
@@ -14847,6 +14962,7 @@
                 <a:solidFill>
                   <a:schemeClr val="tx1"/>
                 </a:solidFill>
+                <a:latin typeface="+mj-lt"/>
               </a:rPr>
               <a:t>, </a:t>
             </a:r>
@@ -14855,6 +14971,7 @@
                 <a:solidFill>
                   <a:schemeClr val="tx1"/>
                 </a:solidFill>
+                <a:latin typeface="+mj-lt"/>
               </a:rPr>
               <a:t>Koushil</a:t>
             </a:r>
@@ -14863,6 +14980,7 @@
                 <a:solidFill>
                   <a:schemeClr val="tx1"/>
                 </a:solidFill>
+                <a:latin typeface="+mj-lt"/>
               </a:rPr>
               <a:t>. (2014). Dynamically Feasible Motion Planning through Partial Differential Flatness.. 10.15607/RSS.2014.X.053.</a:t>
             </a:r>
@@ -14881,6 +14999,7 @@
               <a:solidFill>
                 <a:schemeClr val="tx1"/>
               </a:solidFill>
+              <a:latin typeface="+mj-lt"/>
             </a:endParaRPr>
           </a:p>
           <a:p>
@@ -14896,90 +15015,70 @@
             <a:r>
               <a:rPr lang="en-US" sz="1200" b="0" i="0" dirty="0">
                 <a:solidFill>
-                  <a:srgbClr val="333333"/>
+                  <a:schemeClr val="tx1"/>
                 </a:solidFill>
                 <a:effectLst/>
-                <a:latin typeface="Arial" panose="020B0604020202020204" pitchFamily="34" charset="0"/>
+                <a:latin typeface="+mj-lt"/>
               </a:rPr>
               <a:t>V. M. Goncalves, L. C. A. </a:t>
             </a:r>
             <a:r>
               <a:rPr lang="en-US" sz="1200" b="0" i="0" dirty="0" err="1">
                 <a:solidFill>
-                  <a:srgbClr val="333333"/>
+                  <a:schemeClr val="tx1"/>
                 </a:solidFill>
                 <a:effectLst/>
-                <a:latin typeface="Arial" panose="020B0604020202020204" pitchFamily="34" charset="0"/>
+                <a:latin typeface="+mj-lt"/>
               </a:rPr>
               <a:t>Pimenta</a:t>
             </a:r>
             <a:r>
               <a:rPr lang="en-US" sz="1200" b="0" i="0" dirty="0">
                 <a:solidFill>
-                  <a:srgbClr val="333333"/>
+                  <a:schemeClr val="tx1"/>
                 </a:solidFill>
                 <a:effectLst/>
-                <a:latin typeface="Arial" panose="020B0604020202020204" pitchFamily="34" charset="0"/>
+                <a:latin typeface="+mj-lt"/>
               </a:rPr>
-              <a:t>, C. A. Maia, B. C. O. Dutra and G. A. S. Pereira, "Vector Fields for Robot Navigation Along Time-Varying Curves in </a:t>
+              <a:t>, C. A. Maia, B. C. O. Dutra and G. A. S. Pereira, "Vector Fields for Robot Navigation Along Time-Varying Curves in n -Dimensions," in </a:t>
+            </a:r>
+            <a:r>
+              <a:rPr lang="en-US" sz="1200" b="0" i="1" dirty="0">
+                <a:solidFill>
+                  <a:schemeClr val="tx1"/>
+                </a:solidFill>
+                <a:effectLst/>
+                <a:latin typeface="+mj-lt"/>
+              </a:rPr>
+              <a:t>IEEE Transactions on Robotics</a:t>
             </a:r>
             <a:r>
               <a:rPr lang="en-US" sz="1200" b="0" i="0" dirty="0">
                 <a:solidFill>
-                  <a:srgbClr val="888888"/>
+                  <a:schemeClr val="tx1"/>
                 </a:solidFill>
                 <a:effectLst/>
-                <a:latin typeface="Arial" panose="020B0604020202020204" pitchFamily="34" charset="0"/>
+                <a:latin typeface="+mj-lt"/>
               </a:rPr>
-              <a:t>n</a:t>
+              <a:t>, vol. 26, no. 4, pp. 647-659, Aug. 2010, </a:t>
+            </a:r>
+            <a:r>
+              <a:rPr lang="en-US" sz="1200" b="0" i="0" dirty="0" err="1">
+                <a:solidFill>
+                  <a:schemeClr val="tx1"/>
+                </a:solidFill>
+                <a:effectLst/>
+                <a:latin typeface="+mj-lt"/>
+              </a:rPr>
+              <a:t>doi</a:t>
             </a:r>
             <a:r>
               <a:rPr lang="en-US" sz="1200" b="0" i="0" dirty="0">
                 <a:solidFill>
-                  <a:srgbClr val="333333"/>
+                  <a:schemeClr val="tx1"/>
                 </a:solidFill>
                 <a:effectLst/>
-                <a:latin typeface="Arial" panose="020B0604020202020204" pitchFamily="34" charset="0"/>
-              </a:rPr>
-              <a:t> -Dimensions," in </a:t>
-            </a:r>
-            <a:r>
-              <a:rPr lang="en-US" sz="1200" b="0" i="1" dirty="0">
-                <a:solidFill>
-                  <a:srgbClr val="333333"/>
-                </a:solidFill>
-                <a:effectLst/>
-                <a:latin typeface="Arial" panose="020B0604020202020204" pitchFamily="34" charset="0"/>
-              </a:rPr>
-              <a:t>IEEE Transactions on Robotics</a:t>
-            </a:r>
-            <a:r>
-              <a:rPr lang="en-US" sz="1200" b="0" i="0" dirty="0">
-                <a:solidFill>
-                  <a:srgbClr val="333333"/>
-                </a:solidFill>
-                <a:effectLst/>
-                <a:latin typeface="Arial" panose="020B0604020202020204" pitchFamily="34" charset="0"/>
-              </a:rPr>
-              <a:t>, vol. 26, no. 4, pp. 647-659, Aug. 2010, </a:t>
-            </a:r>
-            <a:r>
-              <a:rPr lang="en-US" sz="1200" b="0" i="0" dirty="0" err="1">
-                <a:solidFill>
-                  <a:srgbClr val="333333"/>
-                </a:solidFill>
-                <a:effectLst/>
-                <a:latin typeface="Arial" panose="020B0604020202020204" pitchFamily="34" charset="0"/>
-              </a:rPr>
-              <a:t>doi</a:t>
-            </a:r>
-            <a:r>
-              <a:rPr lang="en-US" sz="1200" b="0" i="0" dirty="0">
-                <a:solidFill>
-                  <a:srgbClr val="333333"/>
-                </a:solidFill>
-                <a:effectLst/>
-                <a:latin typeface="Arial" panose="020B0604020202020204" pitchFamily="34" charset="0"/>
+                <a:latin typeface="+mj-lt"/>
               </a:rPr>
               <a:t>: 10.1109/TRO.2010.2053077.</a:t>
             </a:r>
@@ -14987,6 +15086,7 @@
               <a:solidFill>
                 <a:schemeClr val="tx1"/>
               </a:solidFill>
+              <a:latin typeface="+mj-lt"/>
             </a:endParaRPr>
           </a:p>
           <a:p>
@@ -15003,6 +15103,7 @@
               <a:solidFill>
                 <a:schemeClr val="tx1"/>
               </a:solidFill>
+              <a:latin typeface="+mj-lt"/>
             </a:endParaRPr>
           </a:p>
           <a:p>
@@ -15019,6 +15120,7 @@
               <a:solidFill>
                 <a:schemeClr val="tx1"/>
               </a:solidFill>
+              <a:latin typeface="+mj-lt"/>
             </a:endParaRPr>
           </a:p>
           <a:p>
@@ -15036,6 +15138,7 @@
                 <a:solidFill>
                   <a:schemeClr val="tx1"/>
                 </a:solidFill>
+                <a:latin typeface="+mj-lt"/>
               </a:rPr>
               <a:t>Other sources: </a:t>
             </a:r>
@@ -15054,6 +15157,7 @@
               <a:solidFill>
                 <a:schemeClr val="tx1"/>
               </a:solidFill>
+              <a:latin typeface="+mj-lt"/>
             </a:endParaRPr>
           </a:p>
           <a:p>
@@ -15070,6 +15174,7 @@
               <a:solidFill>
                 <a:schemeClr val="tx1"/>
               </a:solidFill>
+              <a:latin typeface="+mj-lt"/>
             </a:endParaRPr>
           </a:p>
           <a:p>
@@ -15086,6 +15191,7 @@
               <a:solidFill>
                 <a:schemeClr val="tx1"/>
               </a:solidFill>
+              <a:latin typeface="+mj-lt"/>
             </a:endParaRPr>
           </a:p>
           <a:p>
@@ -15103,6 +15209,7 @@
                 <a:solidFill>
                   <a:schemeClr val="tx1"/>
                 </a:solidFill>
+                <a:latin typeface="+mj-lt"/>
               </a:rPr>
               <a:t>Github: </a:t>
             </a:r>
@@ -15111,6 +15218,7 @@
                 <a:solidFill>
                   <a:schemeClr val="tx1"/>
                 </a:solidFill>
+                <a:latin typeface="+mj-lt"/>
                 <a:hlinkClick r:id="rId3">
                   <a:extLst>
                     <a:ext uri="{A12FA001-AC4F-418D-AE19-62706E023703}">
@@ -15125,6 +15233,7 @@
               <a:solidFill>
                 <a:schemeClr val="tx1"/>
               </a:solidFill>
+              <a:latin typeface="+mj-lt"/>
             </a:endParaRPr>
           </a:p>
           <a:p>
@@ -15141,6 +15250,7 @@
               <a:solidFill>
                 <a:schemeClr val="tx1"/>
               </a:solidFill>
+              <a:latin typeface="+mj-lt"/>
             </a:endParaRPr>
           </a:p>
           <a:p>
@@ -17439,43 +17549,39 @@
           <a:p>
             <a:r>
               <a:rPr lang="en-US" sz="1600" b="0" i="0" dirty="0">
-                <a:solidFill>
-                  <a:srgbClr val="4D5156"/>
-                </a:solidFill>
                 <a:effectLst/>
-                <a:latin typeface="Roboto" panose="02000000000000000000" pitchFamily="2" charset="0"/>
               </a:rPr>
-              <a:t>“A </a:t>
-            </a:r>
-            <a:r>
-              <a:rPr lang="en-US" sz="1600" b="1" i="0" dirty="0">
-                <a:solidFill>
-                  <a:srgbClr val="5F6368"/>
-                </a:solidFill>
+              <a:t>“A</a:t>
+            </a:r>
+            <a:r>
+              <a:rPr lang="en-US" sz="1600" b="0" i="1" dirty="0">
                 <a:effectLst/>
-                <a:latin typeface="Roboto" panose="02000000000000000000" pitchFamily="2" charset="0"/>
+              </a:rPr>
+              <a:t> </a:t>
+            </a:r>
+            <a:r>
+              <a:rPr lang="en-US" sz="1600" b="1" i="1" dirty="0">
+                <a:effectLst/>
               </a:rPr>
               <a:t>limit cycle</a:t>
             </a:r>
             <a:r>
+              <a:rPr lang="en-US" sz="1600" b="0" i="1" dirty="0">
+                <a:effectLst/>
+              </a:rPr>
+              <a:t> </a:t>
+            </a:r>
+            <a:r>
               <a:rPr lang="en-US" sz="1600" b="0" i="0" dirty="0">
-                <a:solidFill>
-                  <a:srgbClr val="4D5156"/>
-                </a:solidFill>
                 <a:effectLst/>
-                <a:latin typeface="Roboto" panose="02000000000000000000" pitchFamily="2" charset="0"/>
               </a:rPr>
-              <a:t> is a closed trajectory in phase space having the property that at least one other trajectory spirals into it either as time approaches infinity or as time approaches negative infinity.” – Science Direct </a:t>
+              <a:t>is a closed trajectory in phase space having the property that at least one other trajectory spirals into it either as time approaches infinity or as time approaches negative infinity.” – Science Direct </a:t>
             </a:r>
           </a:p>
           <a:p>
             <a:r>
               <a:rPr lang="en-US" sz="1600" dirty="0">
-                <a:solidFill>
-                  <a:srgbClr val="4D5156"/>
-                </a:solidFill>
                 <a:effectLst/>
-                <a:latin typeface="Roboto" panose="02000000000000000000" pitchFamily="2" charset="0"/>
               </a:rPr>
               <a:t>Oscillation occurring only in non-linear systems</a:t>
             </a:r>
@@ -17483,11 +17589,7 @@
           <a:p>
             <a:r>
               <a:rPr lang="en-US" sz="1600" dirty="0">
-                <a:solidFill>
-                  <a:srgbClr val="4D5156"/>
-                </a:solidFill>
                 <a:effectLst/>
-                <a:latin typeface="Roboto" panose="02000000000000000000" pitchFamily="2" charset="0"/>
               </a:rPr>
               <a:t>An isolated closed trajectory in phase space</a:t>
             </a:r>
@@ -17554,7 +17656,12 @@
           <a:lstStyle/>
           <a:p>
             <a:r>
-              <a:rPr lang="en-US" dirty="0"/>
+              <a:rPr lang="en-US" dirty="0">
+                <a:solidFill>
+                  <a:schemeClr val="tx2"/>
+                </a:solidFill>
+                <a:latin typeface="+mn-lt"/>
+              </a:rPr>
               <a:t>SpringerLink</a:t>
             </a:r>
           </a:p>
@@ -18140,11 +18247,70 @@
                 </a:effectLst>
                 <a:sym typeface="Lora"/>
               </a:rPr>
-              <a:t>Composed of a circulating term and attracting term</a:t>
-            </a:r>
-          </a:p>
-          <a:p>
-            <a:endParaRPr lang="en-US" dirty="0"/>
+              <a:t>Composed of an attractive term and circulating term</a:t>
+            </a:r>
+          </a:p>
+          <a:p>
+            <a:pPr lvl="1"/>
+            <a:r>
+              <a:rPr lang="en-US" sz="1850" dirty="0">
+                <a:effectLst>
+                  <a:outerShdw blurRad="38100" dist="38100" dir="2700000" algn="tl">
+                    <a:srgbClr val="000000">
+                      <a:alpha val="43137"/>
+                    </a:srgbClr>
+                  </a:outerShdw>
+                </a:effectLst>
+                <a:sym typeface="Lora"/>
+              </a:rPr>
+              <a:t>Attractive term attracts the robot to the target curve </a:t>
+            </a:r>
+          </a:p>
+          <a:p>
+            <a:pPr lvl="1"/>
+            <a:r>
+              <a:rPr lang="en-US" sz="1850" dirty="0">
+                <a:effectLst>
+                  <a:outerShdw blurRad="38100" dist="38100" dir="2700000" algn="tl">
+                    <a:srgbClr val="000000">
+                      <a:alpha val="43137"/>
+                    </a:srgbClr>
+                  </a:outerShdw>
+                </a:effectLst>
+                <a:sym typeface="Lora"/>
+              </a:rPr>
+              <a:t>Circulating term make the robot traverse the curve.</a:t>
+            </a:r>
+          </a:p>
+          <a:p>
+            <a:r>
+              <a:rPr lang="en-US" sz="2000" dirty="0">
+                <a:effectLst>
+                  <a:outerShdw blurRad="38100" dist="38100" dir="2700000" algn="tl">
+                    <a:srgbClr val="000000">
+                      <a:alpha val="43137"/>
+                    </a:srgbClr>
+                  </a:outerShdw>
+                </a:effectLst>
+                <a:sym typeface="Lora"/>
+              </a:rPr>
+              <a:t>Function outputs velocity magnitude and angle</a:t>
+            </a:r>
+          </a:p>
+          <a:p>
+            <a:r>
+              <a:rPr lang="en-US" sz="2000" dirty="0">
+                <a:effectLst>
+                  <a:outerShdw blurRad="38100" dist="38100" dir="2700000" algn="tl">
+                    <a:srgbClr val="000000">
+                      <a:alpha val="43137"/>
+                    </a:srgbClr>
+                  </a:outerShdw>
+                </a:effectLst>
+                <a:sym typeface="Lora"/>
+              </a:rPr>
+              <a:t>Acting more like a potential field because it uses gradient of the potential function from center of the ring</a:t>
+            </a:r>
           </a:p>
         </p:txBody>
       </p:sp>
@@ -19881,7 +20047,7 @@
             </a:pPr>
             <a:r>
               <a:rPr lang="en-US" dirty="0"/>
-              <a:t>Future Extensions: Differential Flatness</a:t>
+              <a:t>Future Extensions: Using Differential Flatness</a:t>
             </a:r>
             <a:endParaRPr dirty="0"/>
           </a:p>
@@ -19973,7 +20139,7 @@
         </p:spPr>
         <p:txBody>
           <a:bodyPr spcFirstLastPara="1" vert="horz" wrap="square" lIns="91425" tIns="91425" rIns="91425" bIns="91425" rtlCol="0" anchor="t" anchorCtr="0">
-            <a:normAutofit/>
+            <a:normAutofit fontScale="92500" lnSpcReduction="10000"/>
           </a:bodyPr>
           <a:lstStyle>
             <a:lvl1pPr marL="457200" lvl="0" indent="-342900" algn="l" defTabSz="342900" rtl="0" eaLnBrk="1" latinLnBrk="0" hangingPunct="1">
@@ -20348,19 +20514,40 @@
           </a:lstStyle>
           <a:p>
             <a:r>
-              <a:rPr lang="en-US" sz="1800" b="0" i="0" u="none" strike="noStrike" dirty="0">
-                <a:solidFill>
-                  <a:srgbClr val="FFFFFF"/>
-                </a:solidFill>
+              <a:rPr lang="en-US" sz="1600" b="1" i="1" u="none" strike="noStrike" dirty="0">
                 <a:effectLst/>
-                <a:latin typeface="Lora"/>
               </a:rPr>
-              <a:t>Using the endogenous transformation get states and inputs for the quadrotor to be used as a control reference to control it along the desired vector field </a:t>
-            </a:r>
-            <a:endParaRPr lang="en-US" sz="2000" b="0" i="0" u="none" strike="noStrike" dirty="0">
-              <a:solidFill>
-                <a:srgbClr val="FFFFFF"/>
-              </a:solidFill>
+              <a:t>Differentially Flat </a:t>
+            </a:r>
+            <a:r>
+              <a:rPr lang="en-US" sz="1600" b="0" i="0" u="none" strike="noStrike" dirty="0">
+                <a:effectLst/>
+              </a:rPr>
+              <a:t>- Differential flatness is a property of some nonlinear control system that allows the state vector and the input vector to be written in terms of a smaller number of so-called flat outputs and some number of time derivatives of those outputs</a:t>
+            </a:r>
+          </a:p>
+          <a:p>
+            <a:r>
+              <a:rPr lang="en-US" sz="1600" b="1" i="1" u="none" strike="noStrike" dirty="0">
+                <a:effectLst/>
+              </a:rPr>
+              <a:t>Endogenous transformation </a:t>
+            </a:r>
+            <a:r>
+              <a:rPr lang="en-US" sz="1600" i="0" u="none" strike="noStrike" dirty="0">
+                <a:effectLst/>
+              </a:rPr>
+              <a:t>- the function that maps from the outputs and their time derivatives to the states and inputs is known as the endogenous transformation </a:t>
+            </a:r>
+          </a:p>
+          <a:p>
+            <a:r>
+              <a:rPr lang="en-US" sz="1600" i="0" u="none" strike="noStrike" dirty="0">
+                <a:effectLst/>
+              </a:rPr>
+              <a:t>Using the endogenous transformation would get states and inputs for the quadrotor to be used as a control reference to control it along the desired vector field </a:t>
+            </a:r>
+            <a:endParaRPr lang="en-US" sz="1600" dirty="0">
               <a:effectLst>
                 <a:outerShdw blurRad="38100" dist="38100" dir="2700000" algn="tl">
                   <a:srgbClr val="000000">
@@ -20368,410 +20555,186 @@
                   </a:srgbClr>
                 </a:outerShdw>
               </a:effectLst>
-              <a:latin typeface="Lora"/>
               <a:sym typeface="Lora"/>
             </a:endParaRPr>
           </a:p>
           <a:p>
-            <a:pPr rtl="0" fontAlgn="base">
-              <a:spcBef>
-                <a:spcPts val="0"/>
-              </a:spcBef>
-              <a:spcAft>
-                <a:spcPts val="0"/>
-              </a:spcAft>
-              <a:buFont typeface="Arial" panose="020B0604020202020204" pitchFamily="34" charset="0"/>
-              <a:buChar char="•"/>
-            </a:pPr>
-            <a:r>
-              <a:rPr lang="en-US" sz="1800" b="0" i="1" u="none" strike="noStrike" dirty="0">
-                <a:solidFill>
-                  <a:srgbClr val="FFFFFF"/>
-                </a:solidFill>
+            <a:r>
+              <a:rPr lang="en-US" sz="1600" i="1" u="none" strike="noStrike" dirty="0">
                 <a:effectLst/>
-                <a:latin typeface="Lora"/>
               </a:rPr>
               <a:t>State </a:t>
             </a:r>
             <a:r>
-              <a:rPr lang="el-GR" sz="1800" b="0" i="1" u="none" strike="noStrike" dirty="0">
-                <a:solidFill>
-                  <a:srgbClr val="FFFFFF"/>
-                </a:solidFill>
+              <a:rPr lang="el-GR" sz="1600" i="1" u="none" strike="noStrike" dirty="0">
                 <a:effectLst/>
-                <a:latin typeface="Lora"/>
               </a:rPr>
-              <a:t>ξ </a:t>
-            </a:r>
-            <a:r>
-              <a:rPr lang="el-GR" sz="1800" b="0" i="1" u="none" strike="noStrike" dirty="0">
-                <a:solidFill>
-                  <a:schemeClr val="tx1"/>
-                </a:solidFill>
+              <a:t>ξ = [</a:t>
+            </a:r>
+            <a:r>
+              <a:rPr lang="en-US" sz="1600" i="1" u="none" strike="noStrike" dirty="0">
                 <a:effectLst/>
-                <a:latin typeface="Lora"/>
-              </a:rPr>
-              <a:t>= [</a:t>
-            </a:r>
-            <a:r>
-              <a:rPr lang="en-US" sz="1800" b="0" i="1" u="none" strike="noStrike" dirty="0">
-                <a:solidFill>
-                  <a:schemeClr val="tx1"/>
-                </a:solidFill>
-                <a:effectLst/>
-                <a:latin typeface="Lora"/>
               </a:rPr>
               <a:t>x, y, z, </a:t>
             </a:r>
             <a:r>
-              <a:rPr lang="en-US" sz="1800" b="0" i="1" u="none" strike="noStrike" dirty="0" err="1">
-                <a:solidFill>
-                  <a:schemeClr val="tx1"/>
-                </a:solidFill>
+              <a:rPr lang="en-US" sz="1600" i="1" u="none" strike="noStrike" dirty="0" err="1">
                 <a:effectLst/>
-                <a:latin typeface="Lora"/>
               </a:rPr>
               <a:t>vx</a:t>
             </a:r>
             <a:r>
-              <a:rPr lang="en-US" sz="1800" b="0" i="1" u="none" strike="noStrike" dirty="0">
-                <a:solidFill>
-                  <a:schemeClr val="tx1"/>
-                </a:solidFill>
+              <a:rPr lang="en-US" sz="1600" i="1" u="none" strike="noStrike" dirty="0">
                 <a:effectLst/>
-                <a:latin typeface="Lora"/>
               </a:rPr>
               <a:t>, </a:t>
             </a:r>
             <a:r>
-              <a:rPr lang="en-US" sz="1800" b="0" i="1" u="none" strike="noStrike" dirty="0" err="1">
-                <a:solidFill>
-                  <a:schemeClr val="tx1"/>
-                </a:solidFill>
+              <a:rPr lang="en-US" sz="1600" i="1" u="none" strike="noStrike" dirty="0" err="1">
                 <a:effectLst/>
-                <a:latin typeface="Lora"/>
               </a:rPr>
               <a:t>vy</a:t>
             </a:r>
             <a:r>
-              <a:rPr lang="en-US" sz="1800" b="0" i="1" u="none" strike="noStrike" dirty="0">
-                <a:solidFill>
-                  <a:schemeClr val="tx1"/>
-                </a:solidFill>
+              <a:rPr lang="en-US" sz="1600" i="1" u="none" strike="noStrike" dirty="0">
                 <a:effectLst/>
-                <a:latin typeface="Lora"/>
               </a:rPr>
               <a:t>, </a:t>
             </a:r>
             <a:r>
-              <a:rPr lang="en-US" sz="1800" b="0" i="1" u="none" strike="noStrike" dirty="0" err="1">
-                <a:solidFill>
-                  <a:schemeClr val="tx1"/>
-                </a:solidFill>
+              <a:rPr lang="en-US" sz="1600" i="1" u="none" strike="noStrike" dirty="0" err="1">
                 <a:effectLst/>
-                <a:latin typeface="Lora"/>
               </a:rPr>
               <a:t>vz</a:t>
             </a:r>
             <a:r>
-              <a:rPr lang="en-US" sz="1800" b="0" i="1" u="none" strike="noStrike" dirty="0">
-                <a:solidFill>
-                  <a:schemeClr val="tx1"/>
-                </a:solidFill>
+              <a:rPr lang="en-US" sz="1600" i="1" u="none" strike="noStrike" dirty="0">
                 <a:effectLst/>
-                <a:latin typeface="Lora"/>
               </a:rPr>
               <a:t>, </a:t>
             </a:r>
             <a:r>
-              <a:rPr lang="el-GR" sz="1800" b="0" i="1" u="none" strike="noStrike" dirty="0">
-                <a:solidFill>
-                  <a:schemeClr val="tx1"/>
-                </a:solidFill>
+              <a:rPr lang="el-GR" sz="1600" i="1" u="none" strike="noStrike" dirty="0">
                 <a:effectLst/>
-                <a:latin typeface="Lora"/>
               </a:rPr>
               <a:t>ψ, θ, φ, </a:t>
             </a:r>
             <a:r>
-              <a:rPr lang="en-US" sz="1800" b="0" i="1" u="none" strike="noStrike" dirty="0">
-                <a:solidFill>
-                  <a:schemeClr val="tx1"/>
-                </a:solidFill>
+              <a:rPr lang="en-US" sz="1600" i="1" u="none" strike="noStrike" dirty="0">
                 <a:effectLst/>
-                <a:latin typeface="Lora"/>
               </a:rPr>
               <a:t>p, q, r] T </a:t>
             </a:r>
           </a:p>
           <a:p>
-            <a:pPr rtl="0" fontAlgn="base">
-              <a:spcBef>
-                <a:spcPts val="0"/>
-              </a:spcBef>
-              <a:spcAft>
-                <a:spcPts val="0"/>
-              </a:spcAft>
-              <a:buFont typeface="Arial" panose="020B0604020202020204" pitchFamily="34" charset="0"/>
-              <a:buChar char="•"/>
-            </a:pPr>
-            <a:r>
-              <a:rPr lang="en-US" sz="1800" b="0" i="1" u="none" strike="noStrike" dirty="0">
-                <a:solidFill>
-                  <a:schemeClr val="tx1"/>
-                </a:solidFill>
+            <a:r>
+              <a:rPr lang="en-US" sz="1600" i="1" u="none" strike="noStrike" dirty="0">
                 <a:effectLst/>
-                <a:latin typeface="Lora"/>
               </a:rPr>
               <a:t>Input µ = [</a:t>
             </a:r>
             <a:r>
-              <a:rPr lang="en-US" sz="1800" b="0" i="1" u="none" strike="noStrike" dirty="0" err="1">
-                <a:solidFill>
-                  <a:schemeClr val="tx1"/>
-                </a:solidFill>
+              <a:rPr lang="en-US" sz="1600" i="1" u="none" strike="noStrike" dirty="0" err="1">
                 <a:effectLst/>
-                <a:latin typeface="Lora"/>
               </a:rPr>
               <a:t>fz</a:t>
             </a:r>
             <a:r>
-              <a:rPr lang="en-US" sz="1800" b="0" i="1" u="none" strike="noStrike" dirty="0">
-                <a:solidFill>
-                  <a:schemeClr val="tx1"/>
-                </a:solidFill>
+              <a:rPr lang="en-US" sz="1600" i="1" u="none" strike="noStrike" dirty="0">
                 <a:effectLst/>
-                <a:latin typeface="Lora"/>
               </a:rPr>
               <a:t>, </a:t>
             </a:r>
             <a:r>
-              <a:rPr lang="el-GR" sz="1800" b="0" i="1" u="none" strike="noStrike" dirty="0">
-                <a:solidFill>
-                  <a:schemeClr val="tx1"/>
-                </a:solidFill>
+              <a:rPr lang="el-GR" sz="1600" i="1" u="none" strike="noStrike" dirty="0">
                 <a:effectLst/>
-                <a:latin typeface="Lora"/>
               </a:rPr>
               <a:t>τ</a:t>
             </a:r>
             <a:r>
-              <a:rPr lang="en-US" sz="1800" b="0" i="1" u="none" strike="noStrike" dirty="0">
-                <a:solidFill>
-                  <a:schemeClr val="tx1"/>
-                </a:solidFill>
+              <a:rPr lang="en-US" sz="1600" i="1" u="none" strike="noStrike" dirty="0">
                 <a:effectLst/>
-                <a:latin typeface="Lora"/>
               </a:rPr>
               <a:t>x, </a:t>
             </a:r>
             <a:r>
-              <a:rPr lang="el-GR" sz="1800" b="0" i="1" u="none" strike="noStrike" dirty="0">
-                <a:solidFill>
-                  <a:schemeClr val="tx1"/>
-                </a:solidFill>
+              <a:rPr lang="el-GR" sz="1600" i="1" u="none" strike="noStrike" dirty="0">
                 <a:effectLst/>
-                <a:latin typeface="Lora"/>
               </a:rPr>
               <a:t>τ</a:t>
             </a:r>
             <a:r>
-              <a:rPr lang="en-US" sz="1800" b="0" i="1" u="none" strike="noStrike" dirty="0">
-                <a:solidFill>
-                  <a:schemeClr val="tx1"/>
-                </a:solidFill>
+              <a:rPr lang="en-US" sz="1600" i="1" u="none" strike="noStrike" dirty="0">
                 <a:effectLst/>
-                <a:latin typeface="Lora"/>
               </a:rPr>
               <a:t>y, </a:t>
             </a:r>
             <a:r>
-              <a:rPr lang="el-GR" sz="1800" b="0" i="1" u="none" strike="noStrike" dirty="0">
-                <a:solidFill>
-                  <a:schemeClr val="tx1"/>
-                </a:solidFill>
+              <a:rPr lang="el-GR" sz="1600" i="1" u="none" strike="noStrike" dirty="0">
                 <a:effectLst/>
-                <a:latin typeface="Lora"/>
               </a:rPr>
               <a:t>τ</a:t>
             </a:r>
             <a:r>
-              <a:rPr lang="en-US" sz="1800" b="0" i="1" u="none" strike="noStrike" dirty="0">
-                <a:solidFill>
-                  <a:schemeClr val="tx1"/>
-                </a:solidFill>
+              <a:rPr lang="en-US" sz="1600" i="1" u="none" strike="noStrike" dirty="0">
                 <a:effectLst/>
-                <a:latin typeface="Lora"/>
               </a:rPr>
               <a:t>z] T </a:t>
             </a:r>
           </a:p>
           <a:p>
-            <a:pPr rtl="0" fontAlgn="base">
-              <a:spcBef>
-                <a:spcPts val="0"/>
-              </a:spcBef>
-              <a:spcAft>
-                <a:spcPts val="0"/>
-              </a:spcAft>
-              <a:buFont typeface="Arial" panose="020B0604020202020204" pitchFamily="34" charset="0"/>
-              <a:buChar char="•"/>
+            <a:r>
+              <a:rPr lang="en-US" sz="1600" dirty="0">
+                <a:effectLst/>
+              </a:rPr>
+              <a:t>Process: G</a:t>
+            </a:r>
+            <a:r>
+              <a:rPr lang="en-US" sz="1600" u="none" strike="noStrike" dirty="0">
+                <a:effectLst/>
+              </a:rPr>
+              <a:t>et Vector field → spatial derivatives of vector field → time derivatives → states and inputs of the quadrotor using the endogenous transformation and differential flatness property</a:t>
+            </a:r>
+          </a:p>
+          <a:p>
+            <a:pPr marL="114300" indent="0">
+              <a:buNone/>
             </a:pPr>
-            <a:r>
-              <a:rPr lang="en-US" sz="1400" b="0" i="0" u="none" strike="noStrike" dirty="0">
-                <a:solidFill>
-                  <a:schemeClr val="tx1"/>
-                </a:solidFill>
+            <a:endParaRPr lang="en-US" sz="1600" i="1" dirty="0">
+              <a:effectLst/>
+            </a:endParaRPr>
+          </a:p>
+          <a:p>
+            <a:pPr marL="114300" indent="0" rtl="0">
+              <a:spcBef>
+                <a:spcPts val="0"/>
+              </a:spcBef>
+              <a:spcAft>
+                <a:spcPts val="0"/>
+              </a:spcAft>
+              <a:buNone/>
+            </a:pPr>
+            <a:r>
+              <a:rPr lang="en-US" sz="1600" i="0" u="none" strike="noStrike" dirty="0">
                 <a:effectLst/>
-                <a:latin typeface="Roboto" panose="02000000000000000000" pitchFamily="2" charset="0"/>
-              </a:rPr>
-              <a:t>Get Vector field → spatial derivatives of vector field → time derivatives → states and inputs of the quadrotor using the endogenous transformation and </a:t>
-            </a:r>
-            <a:r>
-              <a:rPr lang="en-US" sz="1400" b="0" i="0" u="none" strike="noStrike" dirty="0" err="1">
-                <a:solidFill>
-                  <a:schemeClr val="tx1"/>
-                </a:solidFill>
-                <a:effectLst/>
-                <a:latin typeface="Roboto" panose="02000000000000000000" pitchFamily="2" charset="0"/>
-              </a:rPr>
-              <a:t>thm</a:t>
-            </a:r>
-            <a:r>
-              <a:rPr lang="en-US" sz="1400" b="0" i="0" u="none" strike="noStrike" dirty="0">
-                <a:solidFill>
-                  <a:schemeClr val="tx1"/>
-                </a:solidFill>
-                <a:effectLst/>
-                <a:latin typeface="Roboto" panose="02000000000000000000" pitchFamily="2" charset="0"/>
-              </a:rPr>
-              <a:t> 1 </a:t>
-            </a:r>
-            <a:endParaRPr lang="en-US" sz="1400" i="1" dirty="0">
-              <a:solidFill>
-                <a:schemeClr val="tx1"/>
-              </a:solidFill>
-              <a:effectLst/>
-              <a:latin typeface="Lora"/>
-            </a:endParaRPr>
-          </a:p>
-          <a:p>
-            <a:pPr rtl="0">
-              <a:spcBef>
-                <a:spcPts val="0"/>
-              </a:spcBef>
-              <a:spcAft>
-                <a:spcPts val="0"/>
-              </a:spcAft>
-            </a:pPr>
-            <a:r>
-              <a:rPr lang="en-US" sz="1800" b="1" i="0" u="none" strike="noStrike" dirty="0">
-                <a:solidFill>
-                  <a:schemeClr val="tx1"/>
-                </a:solidFill>
-                <a:effectLst/>
-                <a:latin typeface="Arial" panose="020B0604020202020204" pitchFamily="34" charset="0"/>
-              </a:rPr>
-              <a:t>Endogenous transformation</a:t>
-            </a:r>
-            <a:r>
-              <a:rPr lang="en-US" sz="1800" b="0" i="0" u="none" strike="noStrike" dirty="0">
-                <a:solidFill>
-                  <a:schemeClr val="tx1"/>
-                </a:solidFill>
-                <a:effectLst/>
-                <a:latin typeface="Arial" panose="020B0604020202020204" pitchFamily="34" charset="0"/>
-              </a:rPr>
-              <a:t> - the function that maps</a:t>
-            </a:r>
-            <a:r>
-              <a:rPr lang="en-US" sz="1800" b="1" i="0" u="none" strike="noStrike" dirty="0">
-                <a:solidFill>
-                  <a:schemeClr val="tx1"/>
-                </a:solidFill>
-                <a:effectLst/>
-                <a:latin typeface="Arial" panose="020B0604020202020204" pitchFamily="34" charset="0"/>
-              </a:rPr>
-              <a:t> from the outputs and their time derivatives</a:t>
-            </a:r>
-            <a:r>
-              <a:rPr lang="en-US" sz="1800" b="0" i="0" u="none" strike="noStrike" dirty="0">
-                <a:solidFill>
-                  <a:schemeClr val="tx1"/>
-                </a:solidFill>
-                <a:effectLst/>
-                <a:latin typeface="Arial" panose="020B0604020202020204" pitchFamily="34" charset="0"/>
-              </a:rPr>
-              <a:t> to the</a:t>
-            </a:r>
-            <a:r>
-              <a:rPr lang="en-US" sz="1800" b="1" i="0" u="none" strike="noStrike" dirty="0">
-                <a:solidFill>
-                  <a:schemeClr val="tx1"/>
-                </a:solidFill>
-                <a:effectLst/>
-                <a:latin typeface="Arial" panose="020B0604020202020204" pitchFamily="34" charset="0"/>
-              </a:rPr>
-              <a:t> states and inputs </a:t>
-            </a:r>
-            <a:r>
-              <a:rPr lang="en-US" sz="1800" b="0" i="0" u="none" strike="noStrike" dirty="0">
-                <a:solidFill>
-                  <a:schemeClr val="tx1"/>
-                </a:solidFill>
-                <a:effectLst/>
-                <a:latin typeface="Arial" panose="020B0604020202020204" pitchFamily="34" charset="0"/>
-              </a:rPr>
-              <a:t>is known as the endogenous transformation </a:t>
-            </a:r>
-          </a:p>
-          <a:p>
-            <a:pPr marL="114300" indent="0" rtl="0">
-              <a:spcBef>
-                <a:spcPts val="0"/>
-              </a:spcBef>
-              <a:spcAft>
-                <a:spcPts val="0"/>
-              </a:spcAft>
-              <a:buNone/>
-            </a:pPr>
-            <a:r>
-              <a:rPr lang="en-US" sz="1200" b="0" i="0" u="none" strike="noStrike" dirty="0">
-                <a:solidFill>
-                  <a:schemeClr val="tx1"/>
-                </a:solidFill>
-                <a:effectLst/>
-                <a:latin typeface="Arial" panose="020B0604020202020204" pitchFamily="34" charset="0"/>
               </a:rPr>
               <a:t>Zhou </a:t>
             </a:r>
             <a:r>
-              <a:rPr lang="en-US" sz="1200" b="0" i="1" u="none" strike="noStrike" dirty="0">
-                <a:solidFill>
-                  <a:schemeClr val="tx1"/>
-                </a:solidFill>
+              <a:rPr lang="en-US" sz="1600" i="1" u="none" strike="noStrike" dirty="0">
                 <a:effectLst/>
-                <a:latin typeface="Arial" panose="020B0604020202020204" pitchFamily="34" charset="0"/>
               </a:rPr>
               <a:t>et al</a:t>
             </a:r>
             <a:r>
-              <a:rPr lang="en-US" sz="1200" b="0" i="0" u="none" strike="noStrike" dirty="0">
-                <a:solidFill>
-                  <a:schemeClr val="tx1"/>
-                </a:solidFill>
+              <a:rPr lang="en-US" sz="1600" i="0" u="none" strike="noStrike" dirty="0">
                 <a:effectLst/>
-                <a:latin typeface="Arial" panose="020B0604020202020204" pitchFamily="34" charset="0"/>
               </a:rPr>
               <a:t>. 2014 - </a:t>
             </a:r>
             <a:r>
-              <a:rPr lang="en-US" sz="1200" b="0" i="1" u="none" strike="noStrike" dirty="0">
-                <a:solidFill>
-                  <a:schemeClr val="tx1"/>
-                </a:solidFill>
+              <a:rPr lang="en-US" sz="1600" i="1" u="none" strike="noStrike" dirty="0">
                 <a:effectLst/>
-                <a:latin typeface="Arial" panose="020B0604020202020204" pitchFamily="34" charset="0"/>
               </a:rPr>
               <a:t>Vector Field Following using Differential Flatness</a:t>
             </a:r>
@@ -20795,7 +20758,6 @@
                 <a:srgbClr val="FFFFFF"/>
               </a:solidFill>
               <a:effectLst/>
-              <a:latin typeface="Lora"/>
             </a:endParaRPr>
           </a:p>
           <a:p>
@@ -20822,81 +20784,6 @@
           </a:p>
         </p:txBody>
       </p:sp>
-      <p:pic>
-        <p:nvPicPr>
-          <p:cNvPr id="1028" name="Picture 4">
-            <a:extLst>
-              <a:ext uri="{FF2B5EF4-FFF2-40B4-BE49-F238E27FC236}">
-                <a16:creationId xmlns:a16="http://schemas.microsoft.com/office/drawing/2014/main" id="{320DD8BD-A949-43A7-A9B3-8964E170D0C6}"/>
-              </a:ext>
-            </a:extLst>
-          </p:cNvPr>
-          <p:cNvPicPr>
-            <a:picLocks noChangeAspect="1" noChangeArrowheads="1"/>
-          </p:cNvPicPr>
-          <p:nvPr/>
-        </p:nvPicPr>
-        <p:blipFill rotWithShape="1">
-          <a:blip r:embed="rId3">
-            <a:extLst>
-              <a:ext uri="{28A0092B-C50C-407E-A947-70E740481C1C}">
-                <a14:useLocalDpi xmlns:a14="http://schemas.microsoft.com/office/drawing/2010/main" val="0"/>
-              </a:ext>
-            </a:extLst>
-          </a:blip>
-          <a:srcRect l="5653" t="7779" r="51515" b="30616"/>
-          <a:stretch/>
-        </p:blipFill>
-        <p:spPr bwMode="auto">
-          <a:xfrm>
-            <a:off x="7351370" y="3938994"/>
-            <a:ext cx="1480930" cy="909509"/>
-          </a:xfrm>
-          <a:prstGeom prst="rect">
-            <a:avLst/>
-          </a:prstGeom>
-          <a:noFill/>
-          <a:extLst>
-            <a:ext uri="{909E8E84-426E-40DD-AFC4-6F175D3DCCD1}">
-              <a14:hiddenFill xmlns:a14="http://schemas.microsoft.com/office/drawing/2010/main">
-                <a:solidFill>
-                  <a:srgbClr val="FFFFFF"/>
-                </a:solidFill>
-              </a14:hiddenFill>
-            </a:ext>
-          </a:extLst>
-        </p:spPr>
-      </p:pic>
-      <p:pic>
-        <p:nvPicPr>
-          <p:cNvPr id="3" name="Picture 2">
-            <a:extLst>
-              <a:ext uri="{FF2B5EF4-FFF2-40B4-BE49-F238E27FC236}">
-                <a16:creationId xmlns:a16="http://schemas.microsoft.com/office/drawing/2014/main" id="{1AC0313F-23BD-4CD0-B8EF-C5E02786F08E}"/>
-              </a:ext>
-            </a:extLst>
-          </p:cNvPr>
-          <p:cNvPicPr>
-            <a:picLocks noChangeAspect="1"/>
-          </p:cNvPicPr>
-          <p:nvPr/>
-        </p:nvPicPr>
-        <p:blipFill>
-          <a:blip r:embed="rId4"/>
-          <a:stretch>
-            <a:fillRect/>
-          </a:stretch>
-        </p:blipFill>
-        <p:spPr>
-          <a:xfrm>
-            <a:off x="4682854" y="4479371"/>
-            <a:ext cx="2592316" cy="369132"/>
-          </a:xfrm>
-          <a:prstGeom prst="rect">
-            <a:avLst/>
-          </a:prstGeom>
-        </p:spPr>
-      </p:pic>
     </p:spTree>
     <p:extLst>
       <p:ext uri="{BB962C8B-B14F-4D97-AF65-F5344CB8AC3E}">

--- a/Aerial Robotics Final Project Presentation .pptx
+++ b/Aerial Robotics Final Project Presentation .pptx
@@ -6,7 +6,7 @@
     <p:sldMasterId id="2147483718" r:id="rId2"/>
   </p:sldMasterIdLst>
   <p:notesMasterIdLst>
-    <p:notesMasterId r:id="rId15"/>
+    <p:notesMasterId r:id="rId13"/>
   </p:notesMasterIdLst>
   <p:sldIdLst>
     <p:sldId id="269" r:id="rId3"/>
@@ -19,29 +19,27 @@
     <p:sldId id="263" r:id="rId10"/>
     <p:sldId id="267" r:id="rId11"/>
     <p:sldId id="260" r:id="rId12"/>
-    <p:sldId id="261" r:id="rId13"/>
-    <p:sldId id="259" r:id="rId14"/>
   </p:sldIdLst>
   <p:sldSz cx="9144000" cy="5143500" type="screen16x9"/>
   <p:notesSz cx="6858000" cy="9144000"/>
   <p:embeddedFontLst>
     <p:embeddedFont>
       <p:font typeface="Calisto MT" panose="02040603050505030304" pitchFamily="18" charset="0"/>
-      <p:regular r:id="rId16"/>
-      <p:bold r:id="rId17"/>
-      <p:italic r:id="rId18"/>
-      <p:boldItalic r:id="rId19"/>
+      <p:regular r:id="rId14"/>
+      <p:bold r:id="rId15"/>
+      <p:italic r:id="rId16"/>
+      <p:boldItalic r:id="rId17"/>
     </p:embeddedFont>
     <p:embeddedFont>
       <p:font typeface="Roboto" panose="02000000000000000000" pitchFamily="2" charset="0"/>
-      <p:regular r:id="rId20"/>
-      <p:bold r:id="rId21"/>
-      <p:italic r:id="rId22"/>
-      <p:boldItalic r:id="rId23"/>
+      <p:regular r:id="rId18"/>
+      <p:bold r:id="rId19"/>
+      <p:italic r:id="rId20"/>
+      <p:boldItalic r:id="rId21"/>
     </p:embeddedFont>
     <p:embeddedFont>
       <p:font typeface="Wingdings 2" panose="05020102010507070707" pitchFamily="18" charset="2"/>
-      <p:regular r:id="rId24"/>
+      <p:regular r:id="rId22"/>
     </p:embeddedFont>
   </p:embeddedFontLst>
   <p:defaultTextStyle>
@@ -1029,219 +1027,6 @@
 </p:notes>
 </file>
 
-<file path=ppt/notesSlides/notesSlide10.xml><?xml version="1.0" encoding="utf-8"?>
-<p:notes xmlns:a="http://schemas.openxmlformats.org/drawingml/2006/main" xmlns:r="http://schemas.openxmlformats.org/officeDocument/2006/relationships" xmlns:p="http://schemas.openxmlformats.org/presentationml/2006/main" showMasterSp="0" showMasterPhAnim="0">
-  <p:cSld>
-    <p:spTree>
-      <p:nvGrpSpPr>
-        <p:cNvPr id="1" name="Shape 132"/>
-        <p:cNvGrpSpPr/>
-        <p:nvPr/>
-      </p:nvGrpSpPr>
-      <p:grpSpPr>
-        <a:xfrm>
-          <a:off x="0" y="0"/>
-          <a:ext cx="0" cy="0"/>
-          <a:chOff x="0" y="0"/>
-          <a:chExt cx="0" cy="0"/>
-        </a:xfrm>
-      </p:grpSpPr>
-      <p:sp>
-        <p:nvSpPr>
-          <p:cNvPr id="133" name="Google Shape;133;gdb31705d48_0_6:notes"/>
-          <p:cNvSpPr>
-            <a:spLocks noGrp="1" noRot="1" noChangeAspect="1"/>
-          </p:cNvSpPr>
-          <p:nvPr>
-            <p:ph type="sldImg" idx="2"/>
-          </p:nvPr>
-        </p:nvSpPr>
-        <p:spPr>
-          <a:xfrm>
-            <a:off x="381000" y="685800"/>
-            <a:ext cx="6096000" cy="3429000"/>
-          </a:xfrm>
-          <a:custGeom>
-            <a:avLst/>
-            <a:gdLst/>
-            <a:ahLst/>
-            <a:cxnLst/>
-            <a:rect l="l" t="t" r="r" b="b"/>
-            <a:pathLst>
-              <a:path w="120000" h="120000" extrusionOk="0">
-                <a:moveTo>
-                  <a:pt x="0" y="0"/>
-                </a:moveTo>
-                <a:lnTo>
-                  <a:pt x="120000" y="0"/>
-                </a:lnTo>
-                <a:lnTo>
-                  <a:pt x="120000" y="120000"/>
-                </a:lnTo>
-                <a:lnTo>
-                  <a:pt x="0" y="120000"/>
-                </a:lnTo>
-                <a:close/>
-              </a:path>
-            </a:pathLst>
-          </a:custGeom>
-        </p:spPr>
-      </p:sp>
-      <p:sp>
-        <p:nvSpPr>
-          <p:cNvPr id="134" name="Google Shape;134;gdb31705d48_0_6:notes"/>
-          <p:cNvSpPr txBox="1">
-            <a:spLocks noGrp="1"/>
-          </p:cNvSpPr>
-          <p:nvPr>
-            <p:ph type="body" idx="1"/>
-          </p:nvPr>
-        </p:nvSpPr>
-        <p:spPr>
-          <a:xfrm>
-            <a:off x="685800" y="4343400"/>
-            <a:ext cx="5486400" cy="4114800"/>
-          </a:xfrm>
-          <a:prstGeom prst="rect">
-            <a:avLst/>
-          </a:prstGeom>
-        </p:spPr>
-        <p:txBody>
-          <a:bodyPr spcFirstLastPara="1" wrap="square" lIns="91425" tIns="91425" rIns="91425" bIns="91425" anchor="t" anchorCtr="0">
-            <a:noAutofit/>
-          </a:bodyPr>
-          <a:lstStyle/>
-          <a:p>
-            <a:pPr marL="0" lvl="0" indent="0" algn="l" rtl="0">
-              <a:spcBef>
-                <a:spcPts val="0"/>
-              </a:spcBef>
-              <a:spcAft>
-                <a:spcPts val="0"/>
-              </a:spcAft>
-              <a:buNone/>
-            </a:pPr>
-            <a:endParaRPr/>
-          </a:p>
-        </p:txBody>
-      </p:sp>
-    </p:spTree>
-    <p:extLst>
-      <p:ext uri="{BB962C8B-B14F-4D97-AF65-F5344CB8AC3E}">
-        <p14:creationId xmlns:p14="http://schemas.microsoft.com/office/powerpoint/2010/main" val="210537866"/>
-      </p:ext>
-    </p:extLst>
-  </p:cSld>
-  <p:clrMapOvr>
-    <a:masterClrMapping/>
-  </p:clrMapOvr>
-</p:notes>
-</file>
-
-<file path=ppt/notesSlides/notesSlide11.xml><?xml version="1.0" encoding="utf-8"?>
-<p:notes xmlns:a="http://schemas.openxmlformats.org/drawingml/2006/main" xmlns:r="http://schemas.openxmlformats.org/officeDocument/2006/relationships" xmlns:p="http://schemas.openxmlformats.org/presentationml/2006/main" showMasterSp="0" showMasterPhAnim="0">
-  <p:cSld>
-    <p:spTree>
-      <p:nvGrpSpPr>
-        <p:cNvPr id="1" name="Shape 126"/>
-        <p:cNvGrpSpPr/>
-        <p:nvPr/>
-      </p:nvGrpSpPr>
-      <p:grpSpPr>
-        <a:xfrm>
-          <a:off x="0" y="0"/>
-          <a:ext cx="0" cy="0"/>
-          <a:chOff x="0" y="0"/>
-          <a:chExt cx="0" cy="0"/>
-        </a:xfrm>
-      </p:grpSpPr>
-      <p:sp>
-        <p:nvSpPr>
-          <p:cNvPr id="127" name="Google Shape;127;gdb31705d48_0_0:notes"/>
-          <p:cNvSpPr>
-            <a:spLocks noGrp="1" noRot="1" noChangeAspect="1"/>
-          </p:cNvSpPr>
-          <p:nvPr>
-            <p:ph type="sldImg" idx="2"/>
-          </p:nvPr>
-        </p:nvSpPr>
-        <p:spPr>
-          <a:xfrm>
-            <a:off x="381000" y="685800"/>
-            <a:ext cx="6096000" cy="3429000"/>
-          </a:xfrm>
-          <a:custGeom>
-            <a:avLst/>
-            <a:gdLst/>
-            <a:ahLst/>
-            <a:cxnLst/>
-            <a:rect l="l" t="t" r="r" b="b"/>
-            <a:pathLst>
-              <a:path w="120000" h="120000" extrusionOk="0">
-                <a:moveTo>
-                  <a:pt x="0" y="0"/>
-                </a:moveTo>
-                <a:lnTo>
-                  <a:pt x="120000" y="0"/>
-                </a:lnTo>
-                <a:lnTo>
-                  <a:pt x="120000" y="120000"/>
-                </a:lnTo>
-                <a:lnTo>
-                  <a:pt x="0" y="120000"/>
-                </a:lnTo>
-                <a:close/>
-              </a:path>
-            </a:pathLst>
-          </a:custGeom>
-        </p:spPr>
-      </p:sp>
-      <p:sp>
-        <p:nvSpPr>
-          <p:cNvPr id="128" name="Google Shape;128;gdb31705d48_0_0:notes"/>
-          <p:cNvSpPr txBox="1">
-            <a:spLocks noGrp="1"/>
-          </p:cNvSpPr>
-          <p:nvPr>
-            <p:ph type="body" idx="1"/>
-          </p:nvPr>
-        </p:nvSpPr>
-        <p:spPr>
-          <a:xfrm>
-            <a:off x="685800" y="4343400"/>
-            <a:ext cx="5486400" cy="4114800"/>
-          </a:xfrm>
-          <a:prstGeom prst="rect">
-            <a:avLst/>
-          </a:prstGeom>
-        </p:spPr>
-        <p:txBody>
-          <a:bodyPr spcFirstLastPara="1" wrap="square" lIns="91425" tIns="91425" rIns="91425" bIns="91425" anchor="t" anchorCtr="0">
-            <a:noAutofit/>
-          </a:bodyPr>
-          <a:lstStyle/>
-          <a:p>
-            <a:pPr marL="0" lvl="0" indent="0" algn="l" rtl="0">
-              <a:spcBef>
-                <a:spcPts val="0"/>
-              </a:spcBef>
-              <a:spcAft>
-                <a:spcPts val="0"/>
-              </a:spcAft>
-              <a:buNone/>
-            </a:pPr>
-            <a:endParaRPr/>
-          </a:p>
-        </p:txBody>
-      </p:sp>
-    </p:spTree>
-  </p:cSld>
-  <p:clrMapOvr>
-    <a:masterClrMapping/>
-  </p:clrMapOvr>
-</p:notes>
-</file>
-
 <file path=ppt/notesSlides/notesSlide2.xml><?xml version="1.0" encoding="utf-8"?>
 <p:notes xmlns:a="http://schemas.openxmlformats.org/drawingml/2006/main" xmlns:r="http://schemas.openxmlformats.org/officeDocument/2006/relationships" xmlns:p="http://schemas.openxmlformats.org/presentationml/2006/main" showMasterSp="0" showMasterPhAnim="0">
   <p:cSld>
@@ -1336,9 +1121,8 @@
             </a:pPr>
             <a:r>
               <a:rPr lang="en-US" dirty="0"/>
-              <a:t>Kim et al for top image</a:t>
-            </a:r>
-            <a:endParaRPr dirty="0"/>
+              <a:t>The method is applicable to 1D, 2D, or 3D vector fields, but we show examples only with 2D vector fields for clarity. For example, consider a velocity vector field given by the equation V (x1, x2) =  x2 −x1  −0.5 sin(x 2 1 +x 2 2 −1)  x1 x2  , (12) in which all trajectories converge to the limit cycle x 2 1+x 2 2 = 1. Fig. 3 shows the velocity field (12) and its three time derivatives. −1 0 1 −1.5 −1 −0.5 0 0.5 1 1.5 (a) Velocity −1 0 1 −1.5 −1 −0.5 0 0.5 1 1.5 (b) Acceleration −1 0 1 −1.5 −1 −0.5 0 0.5 1 1.5 (c) Jerk −1 0 1 −1.5 −1 −0.5 0 0.5 1 1.5 (d) Snap Fig. 3. Vector field as in (12), with scaled vector length for plotting</a:t>
+            </a:r>
           </a:p>
         </p:txBody>
       </p:sp>
@@ -3133,7 +2917,7 @@
               </a:spcAft>
               <a:buNone/>
             </a:pPr>
-            <a:endParaRPr/>
+            <a:endParaRPr dirty="0"/>
           </a:p>
         </p:txBody>
       </p:sp>
@@ -15291,421 +15075,6 @@
 </p:sld>
 </file>
 
-<file path=ppt/slides/slide11.xml><?xml version="1.0" encoding="utf-8"?>
-<p:sld xmlns:a="http://schemas.openxmlformats.org/drawingml/2006/main" xmlns:r="http://schemas.openxmlformats.org/officeDocument/2006/relationships" xmlns:p="http://schemas.openxmlformats.org/presentationml/2006/main">
-  <p:cSld>
-    <p:spTree>
-      <p:nvGrpSpPr>
-        <p:cNvPr id="1" name="Shape 135"/>
-        <p:cNvGrpSpPr/>
-        <p:nvPr/>
-      </p:nvGrpSpPr>
-      <p:grpSpPr>
-        <a:xfrm>
-          <a:off x="0" y="0"/>
-          <a:ext cx="0" cy="0"/>
-          <a:chOff x="0" y="0"/>
-          <a:chExt cx="0" cy="0"/>
-        </a:xfrm>
-      </p:grpSpPr>
-      <p:sp>
-        <p:nvSpPr>
-          <p:cNvPr id="136" name="Google Shape;136;p30"/>
-          <p:cNvSpPr txBox="1">
-            <a:spLocks noGrp="1"/>
-          </p:cNvSpPr>
-          <p:nvPr>
-            <p:ph type="title"/>
-          </p:nvPr>
-        </p:nvSpPr>
-        <p:spPr>
-          <a:prstGeom prst="rect">
-            <a:avLst/>
-          </a:prstGeom>
-        </p:spPr>
-        <p:txBody>
-          <a:bodyPr spcFirstLastPara="1" wrap="square" lIns="91425" tIns="91425" rIns="91425" bIns="91425" anchor="t" anchorCtr="0">
-            <a:normAutofit fontScale="90000"/>
-          </a:bodyPr>
-          <a:lstStyle/>
-          <a:p>
-            <a:pPr marL="0" lvl="0" indent="0" algn="l" rtl="0">
-              <a:spcBef>
-                <a:spcPts val="0"/>
-              </a:spcBef>
-              <a:spcAft>
-                <a:spcPts val="0"/>
-              </a:spcAft>
-              <a:buNone/>
-            </a:pPr>
-            <a:endParaRPr/>
-          </a:p>
-        </p:txBody>
-      </p:sp>
-      <p:sp>
-        <p:nvSpPr>
-          <p:cNvPr id="137" name="Google Shape;137;p30"/>
-          <p:cNvSpPr txBox="1">
-            <a:spLocks noGrp="1"/>
-          </p:cNvSpPr>
-          <p:nvPr>
-            <p:ph type="body" idx="1"/>
-          </p:nvPr>
-        </p:nvSpPr>
-        <p:spPr>
-          <a:prstGeom prst="rect">
-            <a:avLst/>
-          </a:prstGeom>
-        </p:spPr>
-        <p:txBody>
-          <a:bodyPr spcFirstLastPara="1" wrap="square" lIns="91425" tIns="91425" rIns="91425" bIns="91425" anchor="t" anchorCtr="0">
-            <a:normAutofit/>
-          </a:bodyPr>
-          <a:lstStyle/>
-          <a:p>
-            <a:pPr marL="0" lvl="0" indent="0" algn="l" rtl="0">
-              <a:spcBef>
-                <a:spcPts val="0"/>
-              </a:spcBef>
-              <a:spcAft>
-                <a:spcPts val="0"/>
-              </a:spcAft>
-              <a:buNone/>
-            </a:pPr>
-            <a:r>
-              <a:rPr lang="en" sz="1100" dirty="0">
-                <a:solidFill>
-                  <a:schemeClr val="tx1"/>
-                </a:solidFill>
-              </a:rPr>
-              <a:t>Hi all,</a:t>
-            </a:r>
-            <a:endParaRPr sz="1100" dirty="0">
-              <a:solidFill>
-                <a:schemeClr val="tx1"/>
-              </a:solidFill>
-            </a:endParaRPr>
-          </a:p>
-          <a:p>
-            <a:pPr marL="0" lvl="0" indent="0" algn="l" rtl="0">
-              <a:spcBef>
-                <a:spcPts val="0"/>
-              </a:spcBef>
-              <a:spcAft>
-                <a:spcPts val="0"/>
-              </a:spcAft>
-              <a:buNone/>
-            </a:pPr>
-            <a:endParaRPr sz="1100" dirty="0">
-              <a:solidFill>
-                <a:schemeClr val="tx1"/>
-              </a:solidFill>
-            </a:endParaRPr>
-          </a:p>
-          <a:p>
-            <a:pPr marL="0" lvl="0" indent="0" algn="l" rtl="0">
-              <a:spcBef>
-                <a:spcPts val="0"/>
-              </a:spcBef>
-              <a:spcAft>
-                <a:spcPts val="0"/>
-              </a:spcAft>
-              <a:buNone/>
-            </a:pPr>
-            <a:r>
-              <a:rPr lang="en" sz="1100" dirty="0">
-                <a:solidFill>
-                  <a:schemeClr val="tx1"/>
-                </a:solidFill>
-              </a:rPr>
-              <a:t>As we discussed in our last meeting, the final project is going to be this wednesday at 3pm. We will have an external guest, Prof. Rafael Fierro is going to help us to review the projects and provide some feedback.</a:t>
-            </a:r>
-            <a:endParaRPr sz="1100" dirty="0">
-              <a:solidFill>
-                <a:schemeClr val="tx1"/>
-              </a:solidFill>
-            </a:endParaRPr>
-          </a:p>
-          <a:p>
-            <a:pPr marL="0" lvl="0" indent="0" algn="l" rtl="0">
-              <a:spcBef>
-                <a:spcPts val="0"/>
-              </a:spcBef>
-              <a:spcAft>
-                <a:spcPts val="0"/>
-              </a:spcAft>
-              <a:buNone/>
-            </a:pPr>
-            <a:endParaRPr sz="1100" dirty="0">
-              <a:solidFill>
-                <a:schemeClr val="tx1"/>
-              </a:solidFill>
-            </a:endParaRPr>
-          </a:p>
-          <a:p>
-            <a:pPr marL="0" lvl="0" indent="0" algn="l" rtl="0">
-              <a:spcBef>
-                <a:spcPts val="0"/>
-              </a:spcBef>
-              <a:spcAft>
-                <a:spcPts val="0"/>
-              </a:spcAft>
-              <a:buNone/>
-            </a:pPr>
-            <a:r>
-              <a:rPr lang="en" sz="1100" dirty="0">
-                <a:solidFill>
-                  <a:schemeClr val="tx1"/>
-                </a:solidFill>
-              </a:rPr>
-              <a:t>Each project will have a time slot (15min max)  for presentation with the simulation prototype.</a:t>
-            </a:r>
-            <a:endParaRPr sz="1100" dirty="0">
-              <a:solidFill>
-                <a:schemeClr val="tx1"/>
-              </a:solidFill>
-            </a:endParaRPr>
-          </a:p>
-          <a:p>
-            <a:pPr marL="0" lvl="0" indent="0" algn="l" rtl="0">
-              <a:spcBef>
-                <a:spcPts val="0"/>
-              </a:spcBef>
-              <a:spcAft>
-                <a:spcPts val="0"/>
-              </a:spcAft>
-              <a:buNone/>
-            </a:pPr>
-            <a:endParaRPr sz="1100" dirty="0">
-              <a:solidFill>
-                <a:schemeClr val="tx1"/>
-              </a:solidFill>
-            </a:endParaRPr>
-          </a:p>
-          <a:p>
-            <a:pPr marL="0" lvl="0" indent="0" algn="l" rtl="0">
-              <a:spcBef>
-                <a:spcPts val="0"/>
-              </a:spcBef>
-              <a:spcAft>
-                <a:spcPts val="0"/>
-              </a:spcAft>
-              <a:buNone/>
-            </a:pPr>
-            <a:r>
-              <a:rPr lang="en" sz="1100" dirty="0">
-                <a:solidFill>
-                  <a:schemeClr val="tx1"/>
-                </a:solidFill>
-              </a:rPr>
-              <a:t>Looking forward to it!</a:t>
-            </a:r>
-            <a:endParaRPr sz="1100" dirty="0">
-              <a:solidFill>
-                <a:schemeClr val="tx1"/>
-              </a:solidFill>
-            </a:endParaRPr>
-          </a:p>
-          <a:p>
-            <a:pPr marL="0" lvl="0" indent="0" algn="l" rtl="0">
-              <a:spcBef>
-                <a:spcPts val="0"/>
-              </a:spcBef>
-              <a:spcAft>
-                <a:spcPts val="0"/>
-              </a:spcAft>
-              <a:buNone/>
-            </a:pPr>
-            <a:endParaRPr sz="1100" dirty="0">
-              <a:solidFill>
-                <a:srgbClr val="888888"/>
-              </a:solidFill>
-            </a:endParaRPr>
-          </a:p>
-          <a:p>
-            <a:pPr marL="0" lvl="0" indent="0" algn="l" rtl="0">
-              <a:spcBef>
-                <a:spcPts val="0"/>
-              </a:spcBef>
-              <a:spcAft>
-                <a:spcPts val="0"/>
-              </a:spcAft>
-              <a:buNone/>
-            </a:pPr>
-            <a:endParaRPr dirty="0"/>
-          </a:p>
-        </p:txBody>
-      </p:sp>
-    </p:spTree>
-    <p:extLst>
-      <p:ext uri="{BB962C8B-B14F-4D97-AF65-F5344CB8AC3E}">
-        <p14:creationId xmlns:p14="http://schemas.microsoft.com/office/powerpoint/2010/main" val="2292528320"/>
-      </p:ext>
-    </p:extLst>
-  </p:cSld>
-  <p:clrMapOvr>
-    <a:masterClrMapping/>
-  </p:clrMapOvr>
-</p:sld>
-</file>
-
-<file path=ppt/slides/slide12.xml><?xml version="1.0" encoding="utf-8"?>
-<p:sld xmlns:a="http://schemas.openxmlformats.org/drawingml/2006/main" xmlns:r="http://schemas.openxmlformats.org/officeDocument/2006/relationships" xmlns:p="http://schemas.openxmlformats.org/presentationml/2006/main">
-  <p:cSld>
-    <p:spTree>
-      <p:nvGrpSpPr>
-        <p:cNvPr id="1" name="Shape 129"/>
-        <p:cNvGrpSpPr/>
-        <p:nvPr/>
-      </p:nvGrpSpPr>
-      <p:grpSpPr>
-        <a:xfrm>
-          <a:off x="0" y="0"/>
-          <a:ext cx="0" cy="0"/>
-          <a:chOff x="0" y="0"/>
-          <a:chExt cx="0" cy="0"/>
-        </a:xfrm>
-      </p:grpSpPr>
-      <p:sp>
-        <p:nvSpPr>
-          <p:cNvPr id="130" name="Google Shape;130;p29"/>
-          <p:cNvSpPr txBox="1">
-            <a:spLocks noGrp="1"/>
-          </p:cNvSpPr>
-          <p:nvPr>
-            <p:ph type="title"/>
-          </p:nvPr>
-        </p:nvSpPr>
-        <p:spPr>
-          <a:prstGeom prst="rect">
-            <a:avLst/>
-          </a:prstGeom>
-        </p:spPr>
-        <p:txBody>
-          <a:bodyPr spcFirstLastPara="1" wrap="square" lIns="91425" tIns="91425" rIns="91425" bIns="91425" anchor="t" anchorCtr="0">
-            <a:normAutofit fontScale="90000"/>
-          </a:bodyPr>
-          <a:lstStyle/>
-          <a:p>
-            <a:pPr marL="0" lvl="0" indent="0" algn="l" rtl="0">
-              <a:spcBef>
-                <a:spcPts val="0"/>
-              </a:spcBef>
-              <a:spcAft>
-                <a:spcPts val="0"/>
-              </a:spcAft>
-              <a:buNone/>
-            </a:pPr>
-            <a:r>
-              <a:rPr lang="en"/>
-              <a:t>Thoughts </a:t>
-            </a:r>
-            <a:endParaRPr/>
-          </a:p>
-        </p:txBody>
-      </p:sp>
-      <p:sp>
-        <p:nvSpPr>
-          <p:cNvPr id="131" name="Google Shape;131;p29"/>
-          <p:cNvSpPr txBox="1">
-            <a:spLocks noGrp="1"/>
-          </p:cNvSpPr>
-          <p:nvPr>
-            <p:ph type="body" idx="1"/>
-          </p:nvPr>
-        </p:nvSpPr>
-        <p:spPr>
-          <a:prstGeom prst="rect">
-            <a:avLst/>
-          </a:prstGeom>
-        </p:spPr>
-        <p:txBody>
-          <a:bodyPr spcFirstLastPara="1" wrap="square" lIns="91425" tIns="91425" rIns="91425" bIns="91425" anchor="t" anchorCtr="0">
-            <a:normAutofit/>
-          </a:bodyPr>
-          <a:lstStyle/>
-          <a:p>
-            <a:pPr marL="0" lvl="0" indent="0" algn="l" rtl="0">
-              <a:spcBef>
-                <a:spcPts val="0"/>
-              </a:spcBef>
-              <a:spcAft>
-                <a:spcPts val="0"/>
-              </a:spcAft>
-              <a:buNone/>
-            </a:pPr>
-            <a:r>
-              <a:rPr lang="en" sz="1500" dirty="0">
-                <a:solidFill>
-                  <a:schemeClr val="tx1"/>
-                </a:solidFill>
-              </a:rPr>
-              <a:t>Technically isn’t differential flatness treating something like a point? Should explain what differential flatness is </a:t>
-            </a:r>
-            <a:endParaRPr sz="1500" dirty="0">
-              <a:solidFill>
-                <a:schemeClr val="tx1"/>
-              </a:solidFill>
-            </a:endParaRPr>
-          </a:p>
-          <a:p>
-            <a:pPr marL="0" lvl="0" indent="0" algn="l" rtl="0">
-              <a:spcBef>
-                <a:spcPts val="0"/>
-              </a:spcBef>
-              <a:spcAft>
-                <a:spcPts val="0"/>
-              </a:spcAft>
-              <a:buNone/>
-            </a:pPr>
-            <a:r>
-              <a:rPr lang="en" sz="1500" dirty="0">
-                <a:solidFill>
-                  <a:schemeClr val="tx1"/>
-                </a:solidFill>
-              </a:rPr>
-              <a:t>What a limit cycle is </a:t>
-            </a:r>
-            <a:endParaRPr sz="1500" dirty="0">
-              <a:solidFill>
-                <a:schemeClr val="tx1"/>
-              </a:solidFill>
-            </a:endParaRPr>
-          </a:p>
-          <a:p>
-            <a:pPr marL="0" lvl="0" indent="0" algn="l" rtl="0">
-              <a:spcBef>
-                <a:spcPts val="0"/>
-              </a:spcBef>
-              <a:spcAft>
-                <a:spcPts val="0"/>
-              </a:spcAft>
-              <a:buNone/>
-            </a:pPr>
-            <a:r>
-              <a:rPr lang="en" sz="1500" dirty="0">
-                <a:solidFill>
-                  <a:schemeClr val="tx1"/>
-                </a:solidFill>
-              </a:rPr>
-              <a:t>Cite papers </a:t>
-            </a:r>
-            <a:endParaRPr sz="1500" dirty="0">
-              <a:solidFill>
-                <a:schemeClr val="tx1"/>
-              </a:solidFill>
-            </a:endParaRPr>
-          </a:p>
-        </p:txBody>
-      </p:sp>
-    </p:spTree>
-  </p:cSld>
-  <p:clrMapOvr>
-    <a:masterClrMapping/>
-  </p:clrMapOvr>
-</p:sld>
-</file>
-
 <file path=ppt/slides/slide2.xml><?xml version="1.0" encoding="utf-8"?>
 <p:sld xmlns:a="http://schemas.openxmlformats.org/drawingml/2006/main" xmlns:r="http://schemas.openxmlformats.org/officeDocument/2006/relationships" xmlns:p="http://schemas.openxmlformats.org/presentationml/2006/main">
   <p:cSld>
@@ -16905,19 +16274,7 @@
               <a:rPr lang="en-US" sz="2000" dirty="0">
                 <a:latin typeface="Calisto MT (Body)"/>
               </a:rPr>
-              <a:t>Sensor information y is used to estimate the potential field gradient Ñ</a:t>
-            </a:r>
-            <a:r>
-              <a:rPr lang="en-US" sz="2000" i="1" dirty="0">
-                <a:latin typeface="Calisto MT (Body)"/>
-              </a:rPr>
-              <a:t>P</a:t>
-            </a:r>
-            <a:r>
-              <a:rPr lang="en-US" sz="2000" dirty="0">
-                <a:latin typeface="Calisto MT (Body)"/>
-              </a:rPr>
-              <a:t>(x)</a:t>
+              <a:t>Sensor information y is used to estimate the potential field gradient</a:t>
             </a:r>
           </a:p>
           <a:p>
@@ -16953,40 +16310,6 @@
       </p:sp>
       <p:pic>
         <p:nvPicPr>
-          <p:cNvPr id="7" name="Google Shape;123;p28">
-            <a:extLst>
-              <a:ext uri="{FF2B5EF4-FFF2-40B4-BE49-F238E27FC236}">
-                <a16:creationId xmlns:a16="http://schemas.microsoft.com/office/drawing/2014/main" id="{22503F91-3BB3-422C-A7E7-77CC590324FE}"/>
-              </a:ext>
-            </a:extLst>
-          </p:cNvPr>
-          <p:cNvPicPr preferRelativeResize="0"/>
-          <p:nvPr/>
-        </p:nvPicPr>
-        <p:blipFill>
-          <a:blip r:embed="rId3">
-            <a:alphaModFix/>
-          </a:blip>
-          <a:stretch>
-            <a:fillRect/>
-          </a:stretch>
-        </p:blipFill>
-        <p:spPr>
-          <a:xfrm>
-            <a:off x="644792" y="1101119"/>
-            <a:ext cx="2064233" cy="1835688"/>
-          </a:xfrm>
-          <a:prstGeom prst="rect">
-            <a:avLst/>
-          </a:prstGeom>
-          <a:noFill/>
-          <a:ln>
-            <a:noFill/>
-          </a:ln>
-        </p:spPr>
-      </p:pic>
-      <p:pic>
-        <p:nvPicPr>
           <p:cNvPr id="8" name="Google Shape;125;p28">
             <a:extLst>
               <a:ext uri="{FF2B5EF4-FFF2-40B4-BE49-F238E27FC236}">
@@ -16998,7 +16321,7 @@
           <p:nvPr/>
         </p:nvPicPr>
         <p:blipFill>
-          <a:blip r:embed="rId4">
+          <a:blip r:embed="rId3">
             <a:alphaModFix/>
           </a:blip>
           <a:stretch>
@@ -17017,6 +16340,81 @@
           <a:ln>
             <a:noFill/>
           </a:ln>
+        </p:spPr>
+      </p:pic>
+      <p:pic>
+        <p:nvPicPr>
+          <p:cNvPr id="2050" name="Picture 2">
+            <a:extLst>
+              <a:ext uri="{FF2B5EF4-FFF2-40B4-BE49-F238E27FC236}">
+                <a16:creationId xmlns:a16="http://schemas.microsoft.com/office/drawing/2014/main" id="{F90C4FE0-5278-4199-A6B8-BB8381FA4DD3}"/>
+              </a:ext>
+            </a:extLst>
+          </p:cNvPr>
+          <p:cNvPicPr>
+            <a:picLocks noChangeAspect="1" noChangeArrowheads="1"/>
+          </p:cNvPicPr>
+          <p:nvPr/>
+        </p:nvPicPr>
+        <p:blipFill rotWithShape="1">
+          <a:blip r:embed="rId4">
+            <a:extLst>
+              <a:ext uri="{28A0092B-C50C-407E-A947-70E740481C1C}">
+                <a14:useLocalDpi xmlns:a14="http://schemas.microsoft.com/office/drawing/2010/main" val="0"/>
+              </a:ext>
+            </a:extLst>
+          </a:blip>
+          <a:srcRect r="9666" b="20461"/>
+          <a:stretch/>
+        </p:blipFill>
+        <p:spPr bwMode="auto">
+          <a:xfrm>
+            <a:off x="478244" y="2391819"/>
+            <a:ext cx="2397326" cy="344322"/>
+          </a:xfrm>
+          <a:prstGeom prst="rect">
+            <a:avLst/>
+          </a:prstGeom>
+          <a:noFill/>
+          <a:extLst>
+            <a:ext uri="{909E8E84-426E-40DD-AFC4-6F175D3DCCD1}">
+              <a14:hiddenFill xmlns:a14="http://schemas.microsoft.com/office/drawing/2010/main">
+                <a:solidFill>
+                  <a:srgbClr val="FFFFFF"/>
+                </a:solidFill>
+              </a14:hiddenFill>
+            </a:ext>
+          </a:extLst>
+        </p:spPr>
+      </p:pic>
+      <p:pic>
+        <p:nvPicPr>
+          <p:cNvPr id="3" name="Picture 2">
+            <a:extLst>
+              <a:ext uri="{FF2B5EF4-FFF2-40B4-BE49-F238E27FC236}">
+                <a16:creationId xmlns:a16="http://schemas.microsoft.com/office/drawing/2014/main" id="{ACC669EC-2639-4E0A-A4BC-1AE164CCFE70}"/>
+              </a:ext>
+            </a:extLst>
+          </p:cNvPr>
+          <p:cNvPicPr>
+            <a:picLocks noChangeAspect="1"/>
+          </p:cNvPicPr>
+          <p:nvPr/>
+        </p:nvPicPr>
+        <p:blipFill>
+          <a:blip r:embed="rId5"/>
+          <a:stretch>
+            <a:fillRect/>
+          </a:stretch>
+        </p:blipFill>
+        <p:spPr>
+          <a:xfrm>
+            <a:off x="346773" y="1380932"/>
+            <a:ext cx="2660269" cy="876137"/>
+          </a:xfrm>
+          <a:prstGeom prst="rect">
+            <a:avLst/>
+          </a:prstGeom>
         </p:spPr>
       </p:pic>
     </p:spTree>
@@ -18247,7 +17645,7 @@
                 </a:effectLst>
                 <a:sym typeface="Lora"/>
               </a:rPr>
-              <a:t>Composed of an attractive term and circulating term</a:t>
+              <a:t>Composed of an attractive term and circulating term: </a:t>
             </a:r>
           </a:p>
           <a:p>
@@ -18294,7 +17692,7 @@
                 </a:effectLst>
                 <a:sym typeface="Lora"/>
               </a:rPr>
-              <a:t>Function outputs velocity magnitude and angle</a:t>
+              <a:t>Function outputs velocity magnitude and velocity angle</a:t>
             </a:r>
           </a:p>
           <a:p>
@@ -18309,7 +17707,7 @@
                 </a:effectLst>
                 <a:sym typeface="Lora"/>
               </a:rPr>
-              <a:t>Acting more like a potential field because it uses gradient of the potential function from center of the ring</a:t>
+              <a:t>Acting more like a potential field because it uses the gradient of the potential function from center of the ring</a:t>
             </a:r>
           </a:p>
         </p:txBody>
@@ -18484,7 +17882,7 @@
         </p:spPr>
         <p:txBody>
           <a:bodyPr spcFirstLastPara="1" vert="horz" wrap="square" lIns="91425" tIns="91425" rIns="91425" bIns="91425" rtlCol="0" anchor="t" anchorCtr="0">
-            <a:normAutofit lnSpcReduction="10000"/>
+            <a:normAutofit fontScale="92500"/>
           </a:bodyPr>
           <a:lstStyle>
             <a:lvl1pPr marL="457200" lvl="0" indent="-342900" algn="l" defTabSz="342900" rtl="0" eaLnBrk="1" latinLnBrk="0" hangingPunct="1">
@@ -19061,10 +18459,10 @@
                 </a:effectLst>
                 <a:sym typeface="Lora"/>
               </a:rPr>
-              <a:t> modification of the fourth-order Runge-</a:t>
-            </a:r>
-            <a:r>
-              <a:rPr lang="en-US" sz="2000" dirty="0" err="1">
+              <a:t> modification of the 4</a:t>
+            </a:r>
+            <a:r>
+              <a:rPr lang="en-US" sz="2000" baseline="30000" dirty="0">
                 <a:effectLst>
                   <a:outerShdw blurRad="38100" dist="38100" dir="2700000" algn="tl">
                     <a:srgbClr val="000000">
@@ -19074,7 +18472,7 @@
                 </a:effectLst>
                 <a:sym typeface="Lora"/>
               </a:rPr>
-              <a:t>Kutta</a:t>
+              <a:t>th</a:t>
             </a:r>
             <a:r>
               <a:rPr lang="en-US" sz="2000" dirty="0">
@@ -19087,7 +18485,7 @@
                 </a:effectLst>
                 <a:sym typeface="Lora"/>
               </a:rPr>
-              <a:t> method for second order differential equation with initial condition</a:t>
+              <a:t> Order Runge-Kunta method for second order differential equation with initial condition</a:t>
             </a:r>
             <a:endParaRPr lang="en-US" dirty="0"/>
           </a:p>
@@ -19632,7 +19030,33 @@
                 </a:effectLst>
                 <a:sym typeface="Lora"/>
               </a:rPr>
-              <a:t>Use the velocity from the vector field and the estimated position from the 4</a:t>
+              <a:t>Use the velocity from the vector field function and the estimated position from the </a:t>
+            </a:r>
+            <a:r>
+              <a:rPr lang="en-US" sz="2000" dirty="0" err="1">
+                <a:effectLst>
+                  <a:outerShdw blurRad="38100" dist="38100" dir="2700000" algn="tl">
+                    <a:srgbClr val="000000">
+                      <a:alpha val="43137"/>
+                    </a:srgbClr>
+                  </a:outerShdw>
+                </a:effectLst>
+                <a:sym typeface="Lora"/>
+              </a:rPr>
+              <a:t>Nyström</a:t>
+            </a:r>
+            <a:r>
+              <a:rPr lang="en-US" sz="2000" dirty="0">
+                <a:effectLst>
+                  <a:outerShdw blurRad="38100" dist="38100" dir="2700000" algn="tl">
+                    <a:srgbClr val="000000">
+                      <a:alpha val="43137"/>
+                    </a:srgbClr>
+                  </a:outerShdw>
+                </a:effectLst>
+                <a:sym typeface="Lora"/>
+              </a:rPr>
+              <a:t> modification of the 4</a:t>
             </a:r>
             <a:r>
               <a:rPr lang="en-US" sz="2000" baseline="30000" dirty="0">
@@ -19658,7 +19082,33 @@
                 </a:effectLst>
                 <a:sym typeface="Lora"/>
               </a:rPr>
-              <a:t> Order Runge-Kunta Integration Algorithm to control the point-robot to the desired destinations </a:t>
+              <a:t> Order Runge-Kunta Integration Algorithm to control the point-robot in R</a:t>
+            </a:r>
+            <a:r>
+              <a:rPr lang="en-US" sz="2000" baseline="30000" dirty="0">
+                <a:effectLst>
+                  <a:outerShdw blurRad="38100" dist="38100" dir="2700000" algn="tl">
+                    <a:srgbClr val="000000">
+                      <a:alpha val="43137"/>
+                    </a:srgbClr>
+                  </a:outerShdw>
+                </a:effectLst>
+                <a:sym typeface="Lora"/>
+              </a:rPr>
+              <a:t>3</a:t>
+            </a:r>
+            <a:r>
+              <a:rPr lang="en-US" sz="2000" dirty="0">
+                <a:effectLst>
+                  <a:outerShdw blurRad="38100" dist="38100" dir="2700000" algn="tl">
+                    <a:srgbClr val="000000">
+                      <a:alpha val="43137"/>
+                    </a:srgbClr>
+                  </a:outerShdw>
+                </a:effectLst>
+                <a:sym typeface="Lora"/>
+              </a:rPr>
+              <a:t> along the desired trajectory </a:t>
             </a:r>
             <a:endParaRPr lang="en-US" dirty="0"/>
           </a:p>

--- a/Aerial Robotics Final Project Presentation .pptx
+++ b/Aerial Robotics Final Project Presentation .pptx
@@ -1221,6 +1221,446 @@
             <a:noAutofit/>
           </a:bodyPr>
           <a:lstStyle/>
+          <a:p>
+            <a:pPr marL="0" lvl="0" indent="0" algn="l" rtl="0">
+              <a:spcBef>
+                <a:spcPts val="0"/>
+              </a:spcBef>
+              <a:spcAft>
+                <a:spcPts val="0"/>
+              </a:spcAft>
+              <a:buNone/>
+            </a:pPr>
+            <a:r>
+              <a:rPr lang="en-US" b="1" dirty="0"/>
+              <a:t>In linear systems limit cycles are not possible because the amplitude of the oscillations is determined by initial conditions unlike nonlinear systems </a:t>
+            </a:r>
+          </a:p>
+          <a:p>
+            <a:pPr marL="0" lvl="0" indent="0" algn="l" rtl="0">
+              <a:spcBef>
+                <a:spcPts val="0"/>
+              </a:spcBef>
+              <a:spcAft>
+                <a:spcPts val="0"/>
+              </a:spcAft>
+              <a:buNone/>
+            </a:pPr>
+            <a:endParaRPr lang="en-US" b="1" dirty="0"/>
+          </a:p>
+          <a:p>
+            <a:pPr marL="0" lvl="0" indent="0" algn="l" rtl="0">
+              <a:spcBef>
+                <a:spcPts val="0"/>
+              </a:spcBef>
+              <a:spcAft>
+                <a:spcPts val="0"/>
+              </a:spcAft>
+              <a:buNone/>
+            </a:pPr>
+            <a:r>
+              <a:rPr lang="en-US" b="1" dirty="0"/>
+              <a:t>Types of Limit Cycle : </a:t>
+            </a:r>
+          </a:p>
+          <a:p>
+            <a:pPr marL="0" lvl="0" indent="0" algn="l" rtl="0">
+              <a:spcBef>
+                <a:spcPts val="0"/>
+              </a:spcBef>
+              <a:spcAft>
+                <a:spcPts val="0"/>
+              </a:spcAft>
+              <a:buNone/>
+            </a:pPr>
+            <a:r>
+              <a:rPr lang="en-US" b="1" dirty="0"/>
+              <a:t>1. Stable / Attracting Limit Cycle </a:t>
+            </a:r>
+            <a:r>
+              <a:rPr lang="en-US" dirty="0"/>
+              <a:t>– A stable cycle is one which attracts all neighboring trajectories</a:t>
+            </a:r>
+          </a:p>
+          <a:p>
+            <a:pPr marL="0" lvl="0" indent="0" algn="l" rtl="0">
+              <a:spcBef>
+                <a:spcPts val="0"/>
+              </a:spcBef>
+              <a:spcAft>
+                <a:spcPts val="0"/>
+              </a:spcAft>
+              <a:buNone/>
+            </a:pPr>
+            <a:r>
+              <a:rPr lang="en-US" b="0" i="0" dirty="0">
+                <a:solidFill>
+                  <a:srgbClr val="4D5156"/>
+                </a:solidFill>
+                <a:effectLst/>
+                <a:latin typeface="Roboto" panose="02000000000000000000" pitchFamily="2" charset="0"/>
+              </a:rPr>
+              <a:t>	- Exhibit self-sustaining oscillations which means they oscillate in absence of external periodic forces e.g. beating of heart and other biological processes </a:t>
+            </a:r>
+          </a:p>
+          <a:p>
+            <a:pPr marL="0" lvl="0" indent="0" algn="l" rtl="0">
+              <a:spcBef>
+                <a:spcPts val="0"/>
+              </a:spcBef>
+              <a:spcAft>
+                <a:spcPts val="0"/>
+              </a:spcAft>
+              <a:buNone/>
+            </a:pPr>
+            <a:endParaRPr lang="en-US" b="0" i="0" dirty="0">
+              <a:solidFill>
+                <a:srgbClr val="4D5156"/>
+              </a:solidFill>
+              <a:effectLst/>
+              <a:latin typeface="Roboto" panose="02000000000000000000" pitchFamily="2" charset="0"/>
+            </a:endParaRPr>
+          </a:p>
+          <a:p>
+            <a:pPr marL="0" lvl="0" indent="0" algn="l" rtl="0">
+              <a:spcBef>
+                <a:spcPts val="0"/>
+              </a:spcBef>
+              <a:spcAft>
+                <a:spcPts val="0"/>
+              </a:spcAft>
+              <a:buNone/>
+            </a:pPr>
+            <a:r>
+              <a:rPr lang="en-US" b="1" i="0" dirty="0">
+                <a:solidFill>
+                  <a:srgbClr val="4D5156"/>
+                </a:solidFill>
+                <a:effectLst/>
+                <a:latin typeface="Roboto" panose="02000000000000000000" pitchFamily="2" charset="0"/>
+              </a:rPr>
+              <a:t>2. Unstable Limit Cycle – </a:t>
+            </a:r>
+            <a:r>
+              <a:rPr lang="en-US" b="0" i="0" dirty="0">
+                <a:solidFill>
+                  <a:srgbClr val="4D5156"/>
+                </a:solidFill>
+                <a:effectLst/>
+                <a:latin typeface="Roboto" panose="02000000000000000000" pitchFamily="2" charset="0"/>
+              </a:rPr>
+              <a:t>If the neighboring trajectories are repelled from the limit cycle as time approaches infinity, then it is an unstable limit cycle </a:t>
+            </a:r>
+          </a:p>
+          <a:p>
+            <a:pPr marL="0" lvl="0" indent="0" algn="l" rtl="0">
+              <a:spcBef>
+                <a:spcPts val="0"/>
+              </a:spcBef>
+              <a:spcAft>
+                <a:spcPts val="0"/>
+              </a:spcAft>
+              <a:buNone/>
+            </a:pPr>
+            <a:endParaRPr lang="en-US" b="0" i="0" dirty="0">
+              <a:solidFill>
+                <a:srgbClr val="4D5156"/>
+              </a:solidFill>
+              <a:effectLst/>
+              <a:latin typeface="Roboto" panose="02000000000000000000" pitchFamily="2" charset="0"/>
+            </a:endParaRPr>
+          </a:p>
+          <a:p>
+            <a:pPr marL="0" lvl="0" indent="0" algn="l" rtl="0">
+              <a:spcBef>
+                <a:spcPts val="0"/>
+              </a:spcBef>
+              <a:spcAft>
+                <a:spcPts val="0"/>
+              </a:spcAft>
+              <a:buNone/>
+            </a:pPr>
+            <a:r>
+              <a:rPr lang="en-US" b="1" i="0" dirty="0">
+                <a:solidFill>
+                  <a:srgbClr val="4D5156"/>
+                </a:solidFill>
+                <a:effectLst/>
+                <a:latin typeface="Roboto" panose="02000000000000000000" pitchFamily="2" charset="0"/>
+              </a:rPr>
+              <a:t>3. Half – stable limit cycles </a:t>
+            </a:r>
+            <a:r>
+              <a:rPr lang="en-US" b="0" i="0" dirty="0">
+                <a:solidFill>
+                  <a:srgbClr val="4D5156"/>
+                </a:solidFill>
+                <a:effectLst/>
+                <a:latin typeface="Roboto" panose="02000000000000000000" pitchFamily="2" charset="0"/>
+              </a:rPr>
+              <a:t>– Half stable limit cycles are one which attract trajectories from inside &amp; repel those on the outside or vice versa </a:t>
+            </a:r>
+          </a:p>
+          <a:p>
+            <a:pPr marL="0" lvl="0" indent="0" algn="l" rtl="0">
+              <a:spcBef>
+                <a:spcPts val="0"/>
+              </a:spcBef>
+              <a:spcAft>
+                <a:spcPts val="0"/>
+              </a:spcAft>
+              <a:buNone/>
+            </a:pPr>
+            <a:endParaRPr lang="en-US" b="0" i="0" dirty="0">
+              <a:solidFill>
+                <a:srgbClr val="4D5156"/>
+              </a:solidFill>
+              <a:effectLst/>
+              <a:latin typeface="Roboto" panose="02000000000000000000" pitchFamily="2" charset="0"/>
+            </a:endParaRPr>
+          </a:p>
+          <a:p>
+            <a:pPr marL="0" lvl="0" indent="0" algn="l" rtl="0">
+              <a:spcBef>
+                <a:spcPts val="0"/>
+              </a:spcBef>
+              <a:spcAft>
+                <a:spcPts val="0"/>
+              </a:spcAft>
+              <a:buNone/>
+            </a:pPr>
+            <a:r>
+              <a:rPr lang="en-US" b="0" i="0" dirty="0">
+                <a:solidFill>
+                  <a:srgbClr val="4D5156"/>
+                </a:solidFill>
+                <a:effectLst/>
+                <a:latin typeface="Roboto" panose="02000000000000000000" pitchFamily="2" charset="0"/>
+              </a:rPr>
+              <a:t>Phase space allows us to represent all possible states of a system as a measurement of its position and momentum (in mechanical systems) where each possible state corresponds to one unique point in the phase space. Makes it convenient to represent the state of oscillators </a:t>
+            </a:r>
+          </a:p>
+          <a:p>
+            <a:pPr marL="0" lvl="0" indent="0" algn="l" rtl="0">
+              <a:spcBef>
+                <a:spcPts val="0"/>
+              </a:spcBef>
+              <a:spcAft>
+                <a:spcPts val="0"/>
+              </a:spcAft>
+              <a:buNone/>
+            </a:pPr>
+            <a:endParaRPr lang="en-US" b="0" i="0" dirty="0">
+              <a:solidFill>
+                <a:srgbClr val="4D5156"/>
+              </a:solidFill>
+              <a:effectLst/>
+              <a:latin typeface="Roboto" panose="02000000000000000000" pitchFamily="2" charset="0"/>
+            </a:endParaRPr>
+          </a:p>
+          <a:p>
+            <a:pPr marL="0" lvl="0" indent="0" algn="l" rtl="0">
+              <a:spcBef>
+                <a:spcPts val="0"/>
+              </a:spcBef>
+              <a:spcAft>
+                <a:spcPts val="0"/>
+              </a:spcAft>
+              <a:buNone/>
+            </a:pPr>
+            <a:r>
+              <a:rPr lang="en-US" b="0" i="0" dirty="0">
+                <a:solidFill>
+                  <a:srgbClr val="4D5156"/>
+                </a:solidFill>
+                <a:effectLst/>
+                <a:latin typeface="Roboto" panose="02000000000000000000" pitchFamily="2" charset="0"/>
+              </a:rPr>
+              <a:t>In dynamical system theory, a </a:t>
+            </a:r>
+            <a:r>
+              <a:rPr lang="en-US" b="1" i="0" dirty="0">
+                <a:solidFill>
+                  <a:srgbClr val="5F6368"/>
+                </a:solidFill>
+                <a:effectLst/>
+                <a:latin typeface="Roboto" panose="02000000000000000000" pitchFamily="2" charset="0"/>
+              </a:rPr>
+              <a:t>phase space</a:t>
+            </a:r>
+            <a:r>
+              <a:rPr lang="en-US" b="0" i="0" dirty="0">
+                <a:solidFill>
+                  <a:srgbClr val="4D5156"/>
+                </a:solidFill>
+                <a:effectLst/>
+                <a:latin typeface="Roboto" panose="02000000000000000000" pitchFamily="2" charset="0"/>
+              </a:rPr>
+              <a:t> is a </a:t>
+            </a:r>
+            <a:r>
+              <a:rPr lang="en-US" b="1" i="0" dirty="0">
+                <a:solidFill>
+                  <a:srgbClr val="5F6368"/>
+                </a:solidFill>
+                <a:effectLst/>
+                <a:latin typeface="Roboto" panose="02000000000000000000" pitchFamily="2" charset="0"/>
+              </a:rPr>
+              <a:t>space</a:t>
+            </a:r>
+            <a:r>
+              <a:rPr lang="en-US" b="0" i="0" dirty="0">
+                <a:solidFill>
+                  <a:srgbClr val="4D5156"/>
+                </a:solidFill>
+                <a:effectLst/>
+                <a:latin typeface="Roboto" panose="02000000000000000000" pitchFamily="2" charset="0"/>
+              </a:rPr>
+              <a:t> in which all possible states of a system are represented, with each possible state corresponding to one unique point in the </a:t>
+            </a:r>
+            <a:r>
+              <a:rPr lang="en-US" b="1" i="0" dirty="0">
+                <a:solidFill>
+                  <a:srgbClr val="5F6368"/>
+                </a:solidFill>
+                <a:effectLst/>
+                <a:latin typeface="Roboto" panose="02000000000000000000" pitchFamily="2" charset="0"/>
+              </a:rPr>
+              <a:t>phase space</a:t>
+            </a:r>
+            <a:r>
+              <a:rPr lang="en-US" b="0" i="0" dirty="0">
+                <a:solidFill>
+                  <a:srgbClr val="4D5156"/>
+                </a:solidFill>
+                <a:effectLst/>
+                <a:latin typeface="Roboto" panose="02000000000000000000" pitchFamily="2" charset="0"/>
+              </a:rPr>
+              <a:t>. For mechanical systems, the </a:t>
+            </a:r>
+            <a:r>
+              <a:rPr lang="en-US" b="1" i="0" dirty="0">
+                <a:solidFill>
+                  <a:srgbClr val="5F6368"/>
+                </a:solidFill>
+                <a:effectLst/>
+                <a:latin typeface="Roboto" panose="02000000000000000000" pitchFamily="2" charset="0"/>
+              </a:rPr>
+              <a:t>phase space</a:t>
+            </a:r>
+            <a:r>
+              <a:rPr lang="en-US" b="0" i="0" dirty="0">
+                <a:solidFill>
+                  <a:srgbClr val="4D5156"/>
+                </a:solidFill>
+                <a:effectLst/>
+                <a:latin typeface="Roboto" panose="02000000000000000000" pitchFamily="2" charset="0"/>
+              </a:rPr>
+              <a:t> usually consists of all possible values of position and momentum variables.</a:t>
+            </a:r>
+            <a:endParaRPr lang="en-US" dirty="0"/>
+          </a:p>
+          <a:p>
+            <a:pPr marL="0" lvl="0" indent="0" algn="l" rtl="0">
+              <a:spcBef>
+                <a:spcPts val="0"/>
+              </a:spcBef>
+              <a:spcAft>
+                <a:spcPts val="0"/>
+              </a:spcAft>
+              <a:buNone/>
+            </a:pPr>
+            <a:endParaRPr lang="en-US" dirty="0"/>
+          </a:p>
+          <a:p>
+            <a:pPr marL="0" marR="0" lvl="0" indent="0" algn="l" defTabSz="914400" rtl="0" eaLnBrk="1" fontAlgn="auto" latinLnBrk="0" hangingPunct="1">
+              <a:lnSpc>
+                <a:spcPct val="100000"/>
+              </a:lnSpc>
+              <a:spcBef>
+                <a:spcPts val="0"/>
+              </a:spcBef>
+              <a:spcAft>
+                <a:spcPts val="0"/>
+              </a:spcAft>
+              <a:buClr>
+                <a:srgbClr val="000000"/>
+              </a:buClr>
+              <a:buSzPts val="1100"/>
+              <a:buFont typeface="Arial"/>
+              <a:buNone/>
+              <a:tabLst/>
+              <a:defRPr/>
+            </a:pPr>
+            <a:r>
+              <a:rPr lang="en-US" dirty="0"/>
+              <a:t>https://www.youtube.com/watch?v=0U3J_Ug075k</a:t>
+            </a:r>
+          </a:p>
+          <a:p>
+            <a:pPr marL="0" lvl="0" indent="0" algn="l" rtl="0">
+              <a:spcBef>
+                <a:spcPts val="0"/>
+              </a:spcBef>
+              <a:spcAft>
+                <a:spcPts val="0"/>
+              </a:spcAft>
+              <a:buNone/>
+            </a:pPr>
+            <a:r>
+              <a:rPr lang="en-US" dirty="0"/>
+              <a:t>Amplitude depends on energy of the system and the size of the loop represents the energy of the system l</a:t>
+            </a:r>
+          </a:p>
+          <a:p>
+            <a:pPr marL="0" lvl="0" indent="0" algn="l" rtl="0">
+              <a:spcBef>
+                <a:spcPts val="0"/>
+              </a:spcBef>
+              <a:spcAft>
+                <a:spcPts val="0"/>
+              </a:spcAft>
+              <a:buNone/>
+            </a:pPr>
+            <a:r>
+              <a:rPr lang="en-US" b="0" i="0" dirty="0">
+                <a:solidFill>
+                  <a:srgbClr val="202122"/>
+                </a:solidFill>
+                <a:effectLst/>
+                <a:latin typeface="Arial" panose="020B0604020202020204" pitchFamily="34" charset="0"/>
+              </a:rPr>
+              <a:t>As a whole, the phase diagram represents all that the system can be, and its shape can easily elucidate qualities of the system that might not be obvious otherwise. </a:t>
+            </a:r>
+            <a:endParaRPr lang="en-US" dirty="0"/>
+          </a:p>
+          <a:p>
+            <a:pPr marL="0" lvl="0" indent="0" algn="l" rtl="0">
+              <a:spcBef>
+                <a:spcPts val="0"/>
+              </a:spcBef>
+              <a:spcAft>
+                <a:spcPts val="0"/>
+              </a:spcAft>
+              <a:buNone/>
+            </a:pPr>
+            <a:endParaRPr lang="en-US" dirty="0"/>
+          </a:p>
+          <a:p>
+            <a:pPr marL="0" lvl="0" indent="0" algn="l" rtl="0">
+              <a:spcBef>
+                <a:spcPts val="0"/>
+              </a:spcBef>
+              <a:spcAft>
+                <a:spcPts val="0"/>
+              </a:spcAft>
+              <a:buNone/>
+            </a:pPr>
+            <a:r>
+              <a:rPr lang="en-US" dirty="0"/>
+              <a:t>-  Oscillations have constant amplitude and frequency regardless of initial conditions </a:t>
+            </a:r>
+          </a:p>
           <a:p>
             <a:pPr marL="0" lvl="0" indent="0" algn="l" rtl="0">
               <a:spcBef>
@@ -14606,7 +15046,7 @@
         </p:spPr>
         <p:txBody>
           <a:bodyPr spcFirstLastPara="1" wrap="square" lIns="91425" tIns="91425" rIns="91425" bIns="91425" anchor="t" anchorCtr="0">
-            <a:normAutofit lnSpcReduction="10000"/>
+            <a:normAutofit fontScale="92500" lnSpcReduction="20000"/>
           </a:bodyPr>
           <a:lstStyle/>
           <a:p>
@@ -14928,6 +15368,90 @@
             </a:r>
           </a:p>
           <a:p>
+            <a:pPr marL="0" indent="0">
+              <a:buNone/>
+            </a:pPr>
+            <a:r>
+              <a:rPr lang="en-US" sz="900" dirty="0"/>
+              <a:t>https://www.codeproject.com/articles/18922/solving-a-differential-equation</a:t>
+            </a:r>
+            <a:endParaRPr lang="en" sz="1100" dirty="0">
+              <a:solidFill>
+                <a:schemeClr val="tx1"/>
+              </a:solidFill>
+              <a:latin typeface="+mj-lt"/>
+            </a:endParaRPr>
+          </a:p>
+          <a:p>
+            <a:pPr marL="0" lvl="0" indent="0" algn="l" rtl="0">
+              <a:spcBef>
+                <a:spcPts val="0"/>
+              </a:spcBef>
+              <a:spcAft>
+                <a:spcPts val="0"/>
+              </a:spcAft>
+              <a:buNone/>
+            </a:pPr>
+            <a:r>
+              <a:rPr lang="en-US" sz="1100" dirty="0">
+                <a:solidFill>
+                  <a:schemeClr val="tx1"/>
+                </a:solidFill>
+                <a:latin typeface="+mj-lt"/>
+                <a:hlinkClick r:id="rId3"/>
+              </a:rPr>
+              <a:t>https://www.youtube.com/watch?v=0U3J_Ug075k</a:t>
+            </a:r>
+            <a:endParaRPr lang="en-US" sz="1100" dirty="0">
+              <a:solidFill>
+                <a:schemeClr val="tx1"/>
+              </a:solidFill>
+              <a:latin typeface="+mj-lt"/>
+            </a:endParaRPr>
+          </a:p>
+          <a:p>
+            <a:pPr marL="0" indent="0">
+              <a:buNone/>
+            </a:pPr>
+            <a:r>
+              <a:rPr lang="en-US" sz="900" dirty="0">
+                <a:hlinkClick r:id="rId4"/>
+              </a:rPr>
+              <a:t>https://www.sciencedirect.com/topics/engineering/limit-cycle</a:t>
+            </a:r>
+            <a:endParaRPr lang="en-US" sz="900" dirty="0"/>
+          </a:p>
+          <a:p>
+            <a:pPr marL="0" indent="0">
+              <a:buNone/>
+            </a:pPr>
+            <a:r>
+              <a:rPr lang="en-US" sz="800" dirty="0">
+                <a:hlinkClick r:id="rId5"/>
+              </a:rPr>
+              <a:t>https://link.springer.com/referenceworkentry/10.1007%2F978-1-4419-9863-7_533</a:t>
+            </a:r>
+            <a:endParaRPr lang="en-US" sz="800" dirty="0"/>
+          </a:p>
+          <a:p>
+            <a:pPr marL="0" indent="0">
+              <a:buNone/>
+            </a:pPr>
+            <a:r>
+              <a:rPr lang="en-US" sz="800" dirty="0"/>
+              <a:t>https://softwareengineering.stackexchange.com/questions/164175/algorithm-to-calculate-trajectories-from-vector-field</a:t>
+            </a:r>
+          </a:p>
+          <a:p>
+            <a:pPr marL="0" indent="0">
+              <a:buNone/>
+            </a:pPr>
+            <a:r>
+              <a:rPr lang="en-US" sz="900" dirty="0"/>
+              <a:t>https://www.youtube.com/watch?v=PdpHbdTmJ2A</a:t>
+            </a:r>
+          </a:p>
+          <a:p>
             <a:pPr marL="0" lvl="0" indent="0" algn="l" rtl="0">
               <a:spcBef>
                 <a:spcPts val="0"/>
@@ -15003,7 +15527,7 @@
                   <a:schemeClr val="tx1"/>
                 </a:solidFill>
                 <a:latin typeface="+mj-lt"/>
-                <a:hlinkClick r:id="rId3">
+                <a:hlinkClick r:id="rId6">
                   <a:extLst>
                     <a:ext uri="{A12FA001-AC4F-418D-AE19-62706E023703}">
                       <ahyp:hlinkClr xmlns:ahyp="http://schemas.microsoft.com/office/drawing/2018/hyperlinkcolor" val="tx"/>
@@ -16552,7 +17076,7 @@
         <p:spPr>
           <a:xfrm>
             <a:off x="464100" y="1304875"/>
-            <a:ext cx="4989049" cy="3416400"/>
+            <a:ext cx="5140249" cy="3416400"/>
           </a:xfrm>
           <a:prstGeom prst="rect">
             <a:avLst/>
@@ -16571,7 +17095,7 @@
         </p:spPr>
         <p:txBody>
           <a:bodyPr spcFirstLastPara="1" vert="horz" wrap="square" lIns="91425" tIns="91425" rIns="91425" bIns="91425" rtlCol="0" anchor="t" anchorCtr="0">
-            <a:normAutofit/>
+            <a:normAutofit fontScale="92500"/>
           </a:bodyPr>
           <a:lstStyle>
             <a:lvl1pPr marL="457200" lvl="0" indent="-342900" algn="l" defTabSz="342900" rtl="0" eaLnBrk="1" latinLnBrk="0" hangingPunct="1">
@@ -16973,7 +17497,22 @@
               <a:rPr lang="en-US" sz="1600" b="0" i="0" dirty="0">
                 <a:effectLst/>
               </a:rPr>
-              <a:t>is a closed trajectory in phase space having the property that at least one other trajectory spirals into it either as time approaches infinity or as time approaches negative infinity.” – Science Direct </a:t>
+              <a:t>is a isolated closed trajectory in phase space having the property that at least one other trajectory spirals into it either as time approaches infinity or as time approaches negative infinity.” – Science Direct </a:t>
+            </a:r>
+          </a:p>
+          <a:p>
+            <a:pPr lvl="1"/>
+            <a:r>
+              <a:rPr lang="en-US" sz="1450" b="1" i="1" dirty="0">
+                <a:effectLst/>
+              </a:rPr>
+              <a:t>Phase space </a:t>
+            </a:r>
+            <a:r>
+              <a:rPr lang="en-US" sz="1450" b="0" i="0" dirty="0">
+                <a:effectLst/>
+              </a:rPr>
+              <a:t>allows us to represent all possible states of a system as a measurement of its position and momentum (in mechanical systems) where each possible state corresponds to one unique point in the phase space. Makes it convenient to represent the state of oscillators  and more clearly represent certain qualities of the system</a:t>
             </a:r>
           </a:p>
           <a:p>
@@ -16981,17 +17520,8 @@
               <a:rPr lang="en-US" sz="1600" dirty="0">
                 <a:effectLst/>
               </a:rPr>
-              <a:t>Oscillation occurring only in non-linear systems</a:t>
-            </a:r>
-          </a:p>
-          <a:p>
-            <a:r>
-              <a:rPr lang="en-US" sz="1600" dirty="0">
-                <a:effectLst/>
-              </a:rPr>
-              <a:t>An isolated closed trajectory in phase space</a:t>
-            </a:r>
-            <a:endParaRPr lang="en-US" sz="1600" dirty="0"/>
+              <a:t>An oscillation occurring only in non-linear systems with constant amplitude and frequency despite initial conditions</a:t>
+            </a:r>
           </a:p>
         </p:txBody>
       </p:sp>
@@ -17010,15 +17540,15 @@
           <p:nvPr/>
         </p:nvPicPr>
         <p:blipFill>
-          <a:blip r:embed="rId3"/>
+          <a:blip r:embed="rId5"/>
           <a:stretch>
             <a:fillRect/>
           </a:stretch>
         </p:blipFill>
         <p:spPr>
           <a:xfrm>
-            <a:off x="5701927" y="1304875"/>
-            <a:ext cx="2977973" cy="951375"/>
+            <a:off x="5625933" y="416052"/>
+            <a:ext cx="3053967" cy="975653"/>
           </a:xfrm>
           <a:prstGeom prst="rect">
             <a:avLst/>
@@ -17039,8 +17569,8 @@
         </p:nvSpPr>
         <p:spPr>
           <a:xfrm>
-            <a:off x="6523454" y="2391000"/>
-            <a:ext cx="2518756" cy="307777"/>
+            <a:off x="6868269" y="1391705"/>
+            <a:ext cx="1645988" cy="215444"/>
           </a:xfrm>
           <a:prstGeom prst="rect">
             <a:avLst/>
@@ -17054,7 +17584,7 @@
           <a:lstStyle/>
           <a:p>
             <a:r>
-              <a:rPr lang="en-US" dirty="0">
+              <a:rPr lang="en-US" sz="800" dirty="0">
                 <a:solidFill>
                   <a:schemeClr val="tx2"/>
                 </a:solidFill>
@@ -17065,6 +17595,85 @@
           </a:p>
         </p:txBody>
       </p:sp>
+      <p:sp>
+        <p:nvSpPr>
+          <p:cNvPr id="9" name="TextBox 8">
+            <a:extLst>
+              <a:ext uri="{FF2B5EF4-FFF2-40B4-BE49-F238E27FC236}">
+                <a16:creationId xmlns:a16="http://schemas.microsoft.com/office/drawing/2014/main" id="{B6E90751-377E-4C12-B02D-486D3297F01D}"/>
+              </a:ext>
+            </a:extLst>
+          </p:cNvPr>
+          <p:cNvSpPr txBox="1"/>
+          <p:nvPr/>
+        </p:nvSpPr>
+        <p:spPr>
+          <a:xfrm>
+            <a:off x="6154896" y="4133921"/>
+            <a:ext cx="5507209" cy="215444"/>
+          </a:xfrm>
+          <a:prstGeom prst="rect">
+            <a:avLst/>
+          </a:prstGeom>
+          <a:noFill/>
+        </p:spPr>
+        <p:txBody>
+          <a:bodyPr wrap="square">
+            <a:spAutoFit/>
+          </a:bodyPr>
+          <a:lstStyle/>
+          <a:p>
+            <a:r>
+              <a:rPr lang="en-US" sz="800" dirty="0">
+                <a:hlinkClick r:id="rId6"/>
+              </a:rPr>
+              <a:t>https://www.youtube.com/watch?v=T0-zFIPWONU</a:t>
+            </a:r>
+            <a:r>
+              <a:rPr lang="en-US" sz="800" dirty="0"/>
+              <a:t> </a:t>
+            </a:r>
+          </a:p>
+        </p:txBody>
+      </p:sp>
+      <p:pic>
+        <p:nvPicPr>
+          <p:cNvPr id="7" name="limit_cycle_walking">
+            <a:hlinkClick r:id="" action="ppaction://media"/>
+            <a:extLst>
+              <a:ext uri="{FF2B5EF4-FFF2-40B4-BE49-F238E27FC236}">
+                <a16:creationId xmlns:a16="http://schemas.microsoft.com/office/drawing/2014/main" id="{20872A90-72BE-49EC-825A-7A9ABA1FBD2C}"/>
+              </a:ext>
+            </a:extLst>
+          </p:cNvPr>
+          <p:cNvPicPr>
+            <a:picLocks noChangeAspect="1"/>
+          </p:cNvPicPr>
+          <p:nvPr>
+            <a:videoFile r:link="rId2"/>
+            <p:extLst>
+              <p:ext uri="{DAA4B4D4-6D71-4841-9C94-3DE7FCFB9230}">
+                <p14:media xmlns:p14="http://schemas.microsoft.com/office/powerpoint/2010/main" r:embed="rId1"/>
+              </p:ext>
+            </p:extLst>
+          </p:nvPr>
+        </p:nvPicPr>
+        <p:blipFill>
+          <a:blip r:embed="rId7"/>
+          <a:stretch>
+            <a:fillRect/>
+          </a:stretch>
+        </p:blipFill>
+        <p:spPr>
+          <a:xfrm>
+            <a:off x="5604349" y="1786577"/>
+            <a:ext cx="3380351" cy="2212594"/>
+          </a:xfrm>
+          <a:prstGeom prst="rect">
+            <a:avLst/>
+          </a:prstGeom>
+        </p:spPr>
+      </p:pic>
     </p:spTree>
     <p:extLst>
       <p:ext uri="{BB962C8B-B14F-4D97-AF65-F5344CB8AC3E}">
@@ -17075,6 +17684,141 @@
   <p:clrMapOvr>
     <a:masterClrMapping/>
   </p:clrMapOvr>
+  <p:timing>
+    <p:tnLst>
+      <p:par>
+        <p:cTn id="1" dur="indefinite" restart="never" nodeType="tmRoot">
+          <p:childTnLst>
+            <p:seq concurrent="1" nextAc="seek">
+              <p:cTn id="2" dur="indefinite" nodeType="mainSeq">
+                <p:childTnLst>
+                  <p:par>
+                    <p:cTn id="3" fill="hold">
+                      <p:stCondLst>
+                        <p:cond delay="indefinite"/>
+                      </p:stCondLst>
+                      <p:childTnLst>
+                        <p:par>
+                          <p:cTn id="4" fill="hold">
+                            <p:stCondLst>
+                              <p:cond delay="0"/>
+                            </p:stCondLst>
+                            <p:childTnLst>
+                              <p:par>
+                                <p:cTn id="5" presetID="1" presetClass="mediacall" presetSubtype="0" fill="hold" nodeType="clickEffect">
+                                  <p:stCondLst>
+                                    <p:cond delay="0"/>
+                                  </p:stCondLst>
+                                  <p:childTnLst>
+                                    <p:cmd type="call" cmd="playFrom(0.0)">
+                                      <p:cBhvr>
+                                        <p:cTn id="6" dur="4853" fill="hold"/>
+                                        <p:tgtEl>
+                                          <p:spTgt spid="7"/>
+                                        </p:tgtEl>
+                                      </p:cBhvr>
+                                    </p:cmd>
+                                  </p:childTnLst>
+                                </p:cTn>
+                              </p:par>
+                            </p:childTnLst>
+                          </p:cTn>
+                        </p:par>
+                      </p:childTnLst>
+                    </p:cTn>
+                  </p:par>
+                </p:childTnLst>
+              </p:cTn>
+              <p:prevCondLst>
+                <p:cond evt="onPrev" delay="0">
+                  <p:tgtEl>
+                    <p:sldTgt/>
+                  </p:tgtEl>
+                </p:cond>
+              </p:prevCondLst>
+              <p:nextCondLst>
+                <p:cond evt="onNext" delay="0">
+                  <p:tgtEl>
+                    <p:sldTgt/>
+                  </p:tgtEl>
+                </p:cond>
+              </p:nextCondLst>
+            </p:seq>
+            <p:video>
+              <p:cMediaNode vol="80000">
+                <p:cTn id="7" fill="hold" display="0">
+                  <p:stCondLst>
+                    <p:cond delay="indefinite"/>
+                  </p:stCondLst>
+                </p:cTn>
+                <p:tgtEl>
+                  <p:spTgt spid="7"/>
+                </p:tgtEl>
+              </p:cMediaNode>
+            </p:video>
+            <p:seq concurrent="1" nextAc="seek">
+              <p:cTn id="8" restart="whenNotActive" fill="hold" evtFilter="cancelBubble" nodeType="interactiveSeq">
+                <p:stCondLst>
+                  <p:cond evt="onClick" delay="0">
+                    <p:tgtEl>
+                      <p:spTgt spid="7"/>
+                    </p:tgtEl>
+                  </p:cond>
+                </p:stCondLst>
+                <p:endSync evt="end" delay="0">
+                  <p:rtn val="all"/>
+                </p:endSync>
+                <p:childTnLst>
+                  <p:par>
+                    <p:cTn id="9" fill="hold">
+                      <p:stCondLst>
+                        <p:cond delay="0"/>
+                      </p:stCondLst>
+                      <p:childTnLst>
+                        <p:par>
+                          <p:cTn id="10" fill="hold">
+                            <p:stCondLst>
+                              <p:cond delay="0"/>
+                            </p:stCondLst>
+                            <p:childTnLst>
+                              <p:par>
+                                <p:cTn id="11" presetID="2" presetClass="mediacall" presetSubtype="0" fill="hold" nodeType="clickEffect">
+                                  <p:stCondLst>
+                                    <p:cond delay="0"/>
+                                  </p:stCondLst>
+                                  <p:childTnLst>
+                                    <p:cmd type="call" cmd="togglePause">
+                                      <p:cBhvr>
+                                        <p:cTn id="12" dur="1" fill="hold"/>
+                                        <p:tgtEl>
+                                          <p:spTgt spid="7"/>
+                                        </p:tgtEl>
+                                      </p:cBhvr>
+                                    </p:cmd>
+                                  </p:childTnLst>
+                                </p:cTn>
+                              </p:par>
+                            </p:childTnLst>
+                          </p:cTn>
+                        </p:par>
+                      </p:childTnLst>
+                    </p:cTn>
+                  </p:par>
+                </p:childTnLst>
+              </p:cTn>
+              <p:nextCondLst>
+                <p:cond evt="onClick" delay="0">
+                  <p:tgtEl>
+                    <p:spTgt spid="7"/>
+                  </p:tgtEl>
+                </p:cond>
+              </p:nextCondLst>
+            </p:seq>
+          </p:childTnLst>
+        </p:cTn>
+      </p:par>
+    </p:tnLst>
+  </p:timing>
 </p:sld>
 </file>
 

--- a/Aerial Robotics Final Project Presentation .pptx
+++ b/Aerial Robotics Final Project Presentation .pptx
@@ -15046,7 +15046,7 @@
         </p:spPr>
         <p:txBody>
           <a:bodyPr spcFirstLastPara="1" wrap="square" lIns="91425" tIns="91425" rIns="91425" bIns="91425" anchor="t" anchorCtr="0">
-            <a:normAutofit fontScale="92500" lnSpcReduction="20000"/>
+            <a:normAutofit fontScale="85000" lnSpcReduction="10000"/>
           </a:bodyPr>
           <a:lstStyle/>
           <a:p>
@@ -15447,8 +15447,32 @@
               <a:buNone/>
             </a:pPr>
             <a:r>
+              <a:rPr lang="en-US" sz="900" dirty="0">
+                <a:hlinkClick r:id="rId6"/>
+              </a:rPr>
+              <a:t>https://www.youtube.com/watch?v=PdpHbdTmJ2A</a:t>
+            </a:r>
+            <a:endParaRPr lang="en-US" sz="900" dirty="0"/>
+          </a:p>
+          <a:p>
+            <a:pPr marL="0" indent="0">
+              <a:buNone/>
+            </a:pPr>
+            <a:r>
+              <a:rPr lang="en-US" sz="900" dirty="0">
+                <a:hlinkClick r:id="rId7"/>
+              </a:rPr>
+              <a:t>http://underactuated.mit.edu/simple_legs.html</a:t>
+            </a:r>
+            <a:endParaRPr lang="en-US" sz="900" dirty="0"/>
+          </a:p>
+          <a:p>
+            <a:pPr marL="0" indent="0">
+              <a:buNone/>
+            </a:pPr>
+            <a:r>
               <a:rPr lang="en-US" sz="900" dirty="0"/>
-              <a:t>https://www.youtube.com/watch?v=PdpHbdTmJ2A</a:t>
+              <a:t>https://www.youtube.com/watch?v=T0-zFIPWONU</a:t>
             </a:r>
           </a:p>
           <a:p>
@@ -15527,7 +15551,7 @@
                   <a:schemeClr val="tx1"/>
                 </a:solidFill>
                 <a:latin typeface="+mj-lt"/>
-                <a:hlinkClick r:id="rId6">
+                <a:hlinkClick r:id="rId8">
                   <a:extLst>
                     <a:ext uri="{A12FA001-AC4F-418D-AE19-62706E023703}">
                       <ahyp:hlinkClr xmlns:ahyp="http://schemas.microsoft.com/office/drawing/2018/hyperlinkcolor" val="tx"/>
@@ -17095,7 +17119,7 @@
         </p:spPr>
         <p:txBody>
           <a:bodyPr spcFirstLastPara="1" vert="horz" wrap="square" lIns="91425" tIns="91425" rIns="91425" bIns="91425" rtlCol="0" anchor="t" anchorCtr="0">
-            <a:normAutofit fontScale="92500"/>
+            <a:normAutofit fontScale="92500" lnSpcReduction="10000"/>
           </a:bodyPr>
           <a:lstStyle>
             <a:lvl1pPr marL="457200" lvl="0" indent="-342900" algn="l" defTabSz="342900" rtl="0" eaLnBrk="1" latinLnBrk="0" hangingPunct="1">
